--- a/Templates/SpeakingEvaluationTemplate_Advanced-Full.pptx
+++ b/Templates/SpeakingEvaluationTemplate_Advanced-Full.pptx
@@ -21,6 +21,10 @@
       <p:bold r:id="rId6"/>
       <p:italic r:id="rId7"/>
       <p:boldItalic r:id="rId8"/>
+    </p:embeddedFont>
+    <p:embeddedFont>
+      <p:font typeface="Just Another Hand" panose="02000506000000020003" pitchFamily="2" charset="0"/>
+      <p:regular r:id="rId9"/>
     </p:embeddedFont>
   </p:embeddedFontLst>
   <p:defaultTextStyle>
@@ -143,138 +147,244 @@
           <a:chExt cx="0" cy="0"/>
         </a:xfrm>
       </p:grpSpPr>
+      <p:graphicFrame>
+        <p:nvGraphicFramePr>
+          <p:cNvPr id="32" name="Comment Box"/>
+          <p:cNvGraphicFramePr>
+            <a:graphicFrameLocks noGrp="1" noDrilldown="1" noMove="1" noResize="1"/>
+          </p:cNvGraphicFramePr>
+          <p:nvPr userDrawn="1">
+            <p:extLst>
+              <p:ext uri="{D42A27DB-BD31-4B8C-83A1-F6EECF244321}">
+                <p14:modId xmlns:p14="http://schemas.microsoft.com/office/powerpoint/2010/main" val="3461805955"/>
+              </p:ext>
+            </p:extLst>
+          </p:nvPr>
+        </p:nvGraphicFramePr>
+        <p:xfrm>
+          <a:off x="219053" y="8008376"/>
+          <a:ext cx="6419895" cy="1440180"/>
+        </p:xfrm>
+        <a:graphic>
+          <a:graphicData uri="http://schemas.openxmlformats.org/drawingml/2006/table">
+            <a:tbl>
+              <a:tblPr firstRow="1" bandRow="1">
+                <a:tableStyleId>{5C22544A-7EE6-4342-B048-85BDC9FD1C3A}</a:tableStyleId>
+              </a:tblPr>
+              <a:tblGrid>
+                <a:gridCol w="6419895">
+                  <a:extLst>
+                    <a:ext uri="{9D8B030D-6E8A-4147-A177-3AD203B41FA5}">
+                      <a16:colId xmlns:a16="http://schemas.microsoft.com/office/drawing/2014/main" val="2888324031"/>
+                    </a:ext>
+                  </a:extLst>
+                </a:gridCol>
+              </a:tblGrid>
+              <a:tr h="214313">
+                <a:tc>
+                  <a:txBody>
+                    <a:bodyPr/>
+                    <a:lstStyle/>
+                    <a:p>
+                      <a:pPr latinLnBrk="1"/>
+                      <a:r>
+                        <a:rPr kumimoji="0" lang="en-US" altLang="ko-KR" sz="1050" b="1" i="0" u="none" strike="noStrike" kern="100" cap="none" spc="0" normalizeH="0" baseline="0" noProof="0" dirty="0">
+                          <a:ln>
+                            <a:noFill/>
+                          </a:ln>
+                          <a:solidFill>
+                            <a:schemeClr val="bg1"/>
+                          </a:solidFill>
+                          <a:effectLst/>
+                          <a:uLnTx/>
+                          <a:uFillTx/>
+                          <a:latin typeface="Arial Black" panose="020B0A04020102020204" pitchFamily="34" charset="0"/>
+                          <a:ea typeface="+mn-ea"/>
+                          <a:cs typeface="Arial" panose="020B0604020202020204" pitchFamily="34" charset="0"/>
+                        </a:rPr>
+                        <a:t>Comments </a:t>
+                      </a:r>
+                      <a:r>
+                        <a:rPr kumimoji="0" lang="ko-KR" altLang="en-US" sz="1050" b="1" i="0" u="none" strike="noStrike" kern="100" cap="none" spc="0" normalizeH="0" baseline="0" noProof="0" dirty="0">
+                          <a:ln>
+                            <a:noFill/>
+                          </a:ln>
+                          <a:solidFill>
+                            <a:schemeClr val="bg1"/>
+                          </a:solidFill>
+                          <a:effectLst/>
+                          <a:uLnTx/>
+                          <a:uFillTx/>
+                          <a:latin typeface="Arial Black" panose="020B0A04020102020204" pitchFamily="34" charset="0"/>
+                          <a:ea typeface="+mn-ea"/>
+                          <a:cs typeface="Arial" panose="020B0604020202020204" pitchFamily="34" charset="0"/>
+                        </a:rPr>
+                        <a:t>코멘트</a:t>
+                      </a:r>
+                      <a:endParaRPr lang="ko-KR" altLang="en-US" sz="1050" dirty="0">
+                        <a:latin typeface="Arial Black" panose="020B0A04020102020204" pitchFamily="34" charset="0"/>
+                        <a:cs typeface="Arial" panose="020B0604020202020204" pitchFamily="34" charset="0"/>
+                      </a:endParaRPr>
+                    </a:p>
+                  </a:txBody>
+                  <a:tcPr>
+                    <a:lnL w="6350" cap="flat" cmpd="sng" algn="ctr">
+                      <a:solidFill>
+                        <a:schemeClr val="tx1"/>
+                      </a:solidFill>
+                      <a:prstDash val="solid"/>
+                      <a:round/>
+                      <a:headEnd type="none" w="med" len="med"/>
+                      <a:tailEnd type="none" w="med" len="med"/>
+                    </a:lnL>
+                    <a:lnR w="6350" cap="flat" cmpd="sng" algn="ctr">
+                      <a:solidFill>
+                        <a:schemeClr val="tx1"/>
+                      </a:solidFill>
+                      <a:prstDash val="solid"/>
+                      <a:round/>
+                      <a:headEnd type="none" w="med" len="med"/>
+                      <a:tailEnd type="none" w="med" len="med"/>
+                    </a:lnR>
+                    <a:lnT w="6350" cap="flat" cmpd="sng" algn="ctr">
+                      <a:solidFill>
+                        <a:schemeClr val="tx1"/>
+                      </a:solidFill>
+                      <a:prstDash val="solid"/>
+                      <a:round/>
+                      <a:headEnd type="none" w="med" len="med"/>
+                      <a:tailEnd type="none" w="med" len="med"/>
+                    </a:lnT>
+                    <a:lnB w="6350" cap="flat" cmpd="sng" algn="ctr">
+                      <a:solidFill>
+                        <a:schemeClr val="tx1"/>
+                      </a:solidFill>
+                      <a:prstDash val="solid"/>
+                      <a:round/>
+                      <a:headEnd type="none" w="med" len="med"/>
+                      <a:tailEnd type="none" w="med" len="med"/>
+                    </a:lnB>
+                    <a:solidFill>
+                      <a:srgbClr val="C00000"/>
+                    </a:solidFill>
+                  </a:tcPr>
+                </a:tc>
+                <a:extLst>
+                  <a:ext uri="{0D108BD9-81ED-4DB2-BD59-A6C34878D82A}">
+                    <a16:rowId xmlns:a16="http://schemas.microsoft.com/office/drawing/2014/main" val="2956890525"/>
+                  </a:ext>
+                </a:extLst>
+              </a:tr>
+              <a:tr h="370840">
+                <a:tc>
+                  <a:txBody>
+                    <a:bodyPr/>
+                    <a:lstStyle/>
+                    <a:p>
+                      <a:pPr latinLnBrk="1"/>
+                      <a:endParaRPr lang="en-US" altLang="ko-KR" sz="1200" dirty="0">
+                        <a:latin typeface="Arial" panose="020B0604020202020204" pitchFamily="34" charset="0"/>
+                        <a:cs typeface="Arial" panose="020B0604020202020204" pitchFamily="34" charset="0"/>
+                      </a:endParaRPr>
+                    </a:p>
+                    <a:p>
+                      <a:pPr latinLnBrk="1"/>
+                      <a:endParaRPr lang="en-US" altLang="ko-KR" sz="1200" dirty="0">
+                        <a:latin typeface="Arial" panose="020B0604020202020204" pitchFamily="34" charset="0"/>
+                        <a:cs typeface="Arial" panose="020B0604020202020204" pitchFamily="34" charset="0"/>
+                      </a:endParaRPr>
+                    </a:p>
+                    <a:p>
+                      <a:pPr latinLnBrk="1"/>
+                      <a:endParaRPr lang="en-US" altLang="ko-KR" sz="1200" dirty="0">
+                        <a:latin typeface="Arial" panose="020B0604020202020204" pitchFamily="34" charset="0"/>
+                        <a:cs typeface="Arial" panose="020B0604020202020204" pitchFamily="34" charset="0"/>
+                      </a:endParaRPr>
+                    </a:p>
+                    <a:p>
+                      <a:pPr latinLnBrk="1"/>
+                      <a:endParaRPr lang="en-US" altLang="ko-KR" sz="1200" dirty="0">
+                        <a:latin typeface="Arial" panose="020B0604020202020204" pitchFamily="34" charset="0"/>
+                        <a:cs typeface="Arial" panose="020B0604020202020204" pitchFamily="34" charset="0"/>
+                      </a:endParaRPr>
+                    </a:p>
+                    <a:p>
+                      <a:pPr latinLnBrk="1"/>
+                      <a:endParaRPr lang="en-US" altLang="ko-KR" sz="1200" dirty="0">
+                        <a:latin typeface="Arial" panose="020B0604020202020204" pitchFamily="34" charset="0"/>
+                        <a:cs typeface="Arial" panose="020B0604020202020204" pitchFamily="34" charset="0"/>
+                      </a:endParaRPr>
+                    </a:p>
+                    <a:p>
+                      <a:pPr latinLnBrk="1"/>
+                      <a:endParaRPr lang="ko-KR" altLang="en-US" sz="1200" dirty="0">
+                        <a:latin typeface="Arial" panose="020B0604020202020204" pitchFamily="34" charset="0"/>
+                        <a:cs typeface="Arial" panose="020B0604020202020204" pitchFamily="34" charset="0"/>
+                      </a:endParaRPr>
+                    </a:p>
+                  </a:txBody>
+                  <a:tcPr>
+                    <a:lnL w="6350" cap="flat" cmpd="sng" algn="ctr">
+                      <a:solidFill>
+                        <a:schemeClr val="tx1"/>
+                      </a:solidFill>
+                      <a:prstDash val="solid"/>
+                      <a:round/>
+                      <a:headEnd type="none" w="med" len="med"/>
+                      <a:tailEnd type="none" w="med" len="med"/>
+                    </a:lnL>
+                    <a:lnR w="6350" cap="flat" cmpd="sng" algn="ctr">
+                      <a:solidFill>
+                        <a:schemeClr val="tx1"/>
+                      </a:solidFill>
+                      <a:prstDash val="solid"/>
+                      <a:round/>
+                      <a:headEnd type="none" w="med" len="med"/>
+                      <a:tailEnd type="none" w="med" len="med"/>
+                    </a:lnR>
+                    <a:lnT w="6350" cap="flat" cmpd="sng" algn="ctr">
+                      <a:solidFill>
+                        <a:schemeClr val="tx1"/>
+                      </a:solidFill>
+                      <a:prstDash val="solid"/>
+                      <a:round/>
+                      <a:headEnd type="none" w="med" len="med"/>
+                      <a:tailEnd type="none" w="med" len="med"/>
+                    </a:lnT>
+                    <a:lnB w="6350" cap="flat" cmpd="sng" algn="ctr">
+                      <a:solidFill>
+                        <a:schemeClr val="tx1"/>
+                      </a:solidFill>
+                      <a:prstDash val="solid"/>
+                      <a:round/>
+                      <a:headEnd type="none" w="med" len="med"/>
+                      <a:tailEnd type="none" w="med" len="med"/>
+                    </a:lnB>
+                    <a:noFill/>
+                  </a:tcPr>
+                </a:tc>
+                <a:extLst>
+                  <a:ext uri="{0D108BD9-81ED-4DB2-BD59-A6C34878D82A}">
+                    <a16:rowId xmlns:a16="http://schemas.microsoft.com/office/drawing/2014/main" val="336286868"/>
+                  </a:ext>
+                </a:extLst>
+              </a:tr>
+            </a:tbl>
+          </a:graphicData>
+        </a:graphic>
+      </p:graphicFrame>
       <p:sp>
         <p:nvSpPr>
-          <p:cNvPr id="41" name="Rectangle 40"/>
-          <p:cNvSpPr/>
+          <p:cNvPr id="33" name="Signature Label"/>
+          <p:cNvSpPr txBox="1">
+            <a:spLocks noGrp="1" noRot="1" noMove="1" noResize="1" noEditPoints="1" noAdjustHandles="1" noChangeArrowheads="1" noChangeShapeType="1"/>
+          </p:cNvSpPr>
           <p:nvPr userDrawn="1"/>
         </p:nvSpPr>
         <p:spPr>
           <a:xfrm>
-            <a:off x="0" y="0"/>
-            <a:ext cx="1276350" cy="1196340"/>
-          </a:xfrm>
-          <a:prstGeom prst="rect">
-            <a:avLst/>
-          </a:prstGeom>
-          <a:solidFill>
-            <a:srgbClr val="E5E5E7"/>
-          </a:solidFill>
-          <a:ln>
-            <a:noFill/>
-          </a:ln>
-        </p:spPr>
-        <p:style>
-          <a:lnRef idx="2">
-            <a:schemeClr val="accent1">
-              <a:shade val="50000"/>
-            </a:schemeClr>
-          </a:lnRef>
-          <a:fillRef idx="1">
-            <a:schemeClr val="accent1"/>
-          </a:fillRef>
-          <a:effectRef idx="0">
-            <a:schemeClr val="accent1"/>
-          </a:effectRef>
-          <a:fontRef idx="minor">
-            <a:schemeClr val="lt1"/>
-          </a:fontRef>
-        </p:style>
-        <p:txBody>
-          <a:bodyPr rtlCol="0" anchor="ctr"/>
-          <a:lstStyle/>
-          <a:p>
-            <a:pPr algn="ctr"/>
-            <a:endParaRPr lang="ko-KR" altLang="en-US"/>
-          </a:p>
-        </p:txBody>
-      </p:sp>
-      <p:pic>
-        <p:nvPicPr>
-          <p:cNvPr id="42" name="Picture 41"/>
-          <p:cNvPicPr>
-            <a:picLocks noChangeAspect="1"/>
-          </p:cNvPicPr>
-          <p:nvPr userDrawn="1"/>
-        </p:nvPicPr>
-        <p:blipFill>
-          <a:blip r:embed="rId2" cstate="print">
-            <a:extLst>
-              <a:ext uri="{28A0092B-C50C-407E-A947-70E740481C1C}">
-                <a14:useLocalDpi xmlns:a14="http://schemas.microsoft.com/office/drawing/2010/main" val="0"/>
-              </a:ext>
-            </a:extLst>
-          </a:blip>
-          <a:stretch>
-            <a:fillRect/>
-          </a:stretch>
-        </p:blipFill>
-        <p:spPr>
-          <a:xfrm>
-            <a:off x="109480" y="206490"/>
-            <a:ext cx="966369" cy="791971"/>
-          </a:xfrm>
-          <a:prstGeom prst="rect">
-            <a:avLst/>
-          </a:prstGeom>
-        </p:spPr>
-      </p:pic>
-      <p:sp>
-        <p:nvSpPr>
-          <p:cNvPr id="43" name="Rectangle 42"/>
-          <p:cNvSpPr/>
-          <p:nvPr userDrawn="1"/>
-        </p:nvSpPr>
-        <p:spPr>
-          <a:xfrm>
-            <a:off x="1276350" y="1"/>
-            <a:ext cx="5581651" cy="1195833"/>
-          </a:xfrm>
-          <a:prstGeom prst="rect">
-            <a:avLst/>
-          </a:prstGeom>
-          <a:solidFill>
-            <a:srgbClr val="B11116"/>
-          </a:solidFill>
-          <a:ln>
-            <a:noFill/>
-          </a:ln>
-        </p:spPr>
-        <p:style>
-          <a:lnRef idx="2">
-            <a:schemeClr val="accent1">
-              <a:shade val="50000"/>
-            </a:schemeClr>
-          </a:lnRef>
-          <a:fillRef idx="1">
-            <a:schemeClr val="accent1"/>
-          </a:fillRef>
-          <a:effectRef idx="0">
-            <a:schemeClr val="accent1"/>
-          </a:effectRef>
-          <a:fontRef idx="minor">
-            <a:schemeClr val="lt1"/>
-          </a:fontRef>
-        </p:style>
-        <p:txBody>
-          <a:bodyPr rtlCol="0" anchor="ctr"/>
-          <a:lstStyle/>
-          <a:p>
-            <a:pPr algn="ctr"/>
-            <a:endParaRPr lang="ko-KR" altLang="en-US"/>
-          </a:p>
-        </p:txBody>
-      </p:sp>
-      <p:sp>
-        <p:nvSpPr>
-          <p:cNvPr id="44" name="TextBox 43"/>
-          <p:cNvSpPr txBox="1"/>
-          <p:nvPr userDrawn="1"/>
-        </p:nvSpPr>
-        <p:spPr>
-          <a:xfrm>
-            <a:off x="1503636" y="59307"/>
-            <a:ext cx="4038600" cy="1077218"/>
+            <a:off x="3521862" y="9510205"/>
+            <a:ext cx="1723194" cy="276999"/>
           </a:xfrm>
           <a:prstGeom prst="rect">
             <a:avLst/>
@@ -288,58 +398,522 @@
           <a:lstStyle/>
           <a:p>
             <a:r>
-              <a:rPr lang="en-US" altLang="ko-KR" sz="3200" b="1" dirty="0">
+              <a:rPr lang="en-US" altLang="ko-KR" sz="1200" b="1" dirty="0">
                 <a:solidFill>
-                  <a:schemeClr val="bg1"/>
+                  <a:srgbClr val="B11116"/>
                 </a:solidFill>
-                <a:latin typeface="Arial Black" panose="020B0A04020102020204" pitchFamily="34" charset="0"/>
+                <a:latin typeface="Arial Narrow" panose="020B0606020202030204" pitchFamily="34" charset="0"/>
               </a:rPr>
-              <a:t>SPEAKING</a:t>
+              <a:t>Native Teacher Signature:</a:t>
             </a:r>
-          </a:p>
-          <a:p>
-            <a:r>
-              <a:rPr lang="en-US" altLang="ko-KR" sz="3200" b="1" dirty="0">
-                <a:solidFill>
-                  <a:schemeClr val="bg1"/>
-                </a:solidFill>
-                <a:latin typeface="Arial Black" panose="020B0A04020102020204" pitchFamily="34" charset="0"/>
-              </a:rPr>
-              <a:t>EVALUATION</a:t>
-            </a:r>
-            <a:endParaRPr lang="ko-KR" altLang="en-US" sz="3200" b="1" dirty="0">
+            <a:endParaRPr lang="ko-KR" altLang="en-US" sz="1200" b="1" dirty="0">
               <a:solidFill>
-                <a:schemeClr val="bg1"/>
+                <a:srgbClr val="B11116"/>
               </a:solidFill>
-              <a:latin typeface="Arial Black" panose="020B0A04020102020204" pitchFamily="34" charset="0"/>
+              <a:latin typeface="Arial Narrow" panose="020B0606020202030204" pitchFamily="34" charset="0"/>
             </a:endParaRPr>
           </a:p>
         </p:txBody>
       </p:sp>
       <p:grpSp>
         <p:nvGrpSpPr>
-          <p:cNvPr id="45" name="Group 44"/>
-          <p:cNvGrpSpPr/>
+          <p:cNvPr id="24" name="Report Header">
+            <a:extLst>
+              <a:ext uri="{FF2B5EF4-FFF2-40B4-BE49-F238E27FC236}">
+                <a16:creationId xmlns:a16="http://schemas.microsoft.com/office/drawing/2014/main" id="{3B0C9DDE-3285-0F74-1E0F-6F998745118D}"/>
+              </a:ext>
+            </a:extLst>
+          </p:cNvPr>
+          <p:cNvGrpSpPr>
+            <a:grpSpLocks noGrp="1" noUngrp="1" noRot="1" noMove="1" noResize="1"/>
+          </p:cNvGrpSpPr>
+          <p:nvPr userDrawn="1"/>
+        </p:nvGrpSpPr>
+        <p:grpSpPr>
+          <a:xfrm>
+            <a:off x="0" y="0"/>
+            <a:ext cx="6858001" cy="1196340"/>
+            <a:chOff x="0" y="0"/>
+            <a:chExt cx="6858001" cy="1196340"/>
+          </a:xfrm>
+        </p:grpSpPr>
+        <p:sp>
+          <p:nvSpPr>
+            <p:cNvPr id="2" name="DYB Logo Background">
+              <a:extLst>
+                <a:ext uri="{FF2B5EF4-FFF2-40B4-BE49-F238E27FC236}">
+                  <a16:creationId xmlns:a16="http://schemas.microsoft.com/office/drawing/2014/main" id="{517982AA-60B2-451C-4B16-BF57F9677C83}"/>
+                </a:ext>
+              </a:extLst>
+            </p:cNvPr>
+            <p:cNvSpPr>
+              <a:spLocks noGrp="1" noRot="1" noMove="1" noResize="1" noEditPoints="1" noAdjustHandles="1" noChangeArrowheads="1" noChangeShapeType="1"/>
+            </p:cNvSpPr>
+            <p:nvPr userDrawn="1"/>
+          </p:nvSpPr>
+          <p:spPr>
+            <a:xfrm>
+              <a:off x="0" y="0"/>
+              <a:ext cx="1276350" cy="1196340"/>
+            </a:xfrm>
+            <a:prstGeom prst="rect">
+              <a:avLst/>
+            </a:prstGeom>
+            <a:solidFill>
+              <a:srgbClr val="E5E5E7"/>
+            </a:solidFill>
+            <a:ln>
+              <a:noFill/>
+            </a:ln>
+          </p:spPr>
+          <p:style>
+            <a:lnRef idx="2">
+              <a:schemeClr val="accent1">
+                <a:shade val="50000"/>
+              </a:schemeClr>
+            </a:lnRef>
+            <a:fillRef idx="1">
+              <a:schemeClr val="accent1"/>
+            </a:fillRef>
+            <a:effectRef idx="0">
+              <a:schemeClr val="accent1"/>
+            </a:effectRef>
+            <a:fontRef idx="minor">
+              <a:schemeClr val="lt1"/>
+            </a:fontRef>
+          </p:style>
+          <p:txBody>
+            <a:bodyPr rtlCol="0" anchor="ctr"/>
+            <a:lstStyle/>
+            <a:p>
+              <a:pPr algn="ctr"/>
+              <a:endParaRPr lang="ko-KR" altLang="en-US"/>
+            </a:p>
+          </p:txBody>
+        </p:sp>
+        <p:pic>
+          <p:nvPicPr>
+            <p:cNvPr id="3" name="DYB Logo">
+              <a:extLst>
+                <a:ext uri="{FF2B5EF4-FFF2-40B4-BE49-F238E27FC236}">
+                  <a16:creationId xmlns:a16="http://schemas.microsoft.com/office/drawing/2014/main" id="{8B9392A0-D4F3-24E1-94A9-C59956748DEA}"/>
+                </a:ext>
+              </a:extLst>
+            </p:cNvPr>
+            <p:cNvPicPr>
+              <a:picLocks noGrp="1" noRot="1" noChangeAspect="1" noMove="1" noResize="1" noEditPoints="1" noAdjustHandles="1" noChangeArrowheads="1" noChangeShapeType="1" noCrop="1"/>
+            </p:cNvPicPr>
+            <p:nvPr userDrawn="1"/>
+          </p:nvPicPr>
+          <p:blipFill>
+            <a:blip r:embed="rId2" cstate="print">
+              <a:extLst>
+                <a:ext uri="{28A0092B-C50C-407E-A947-70E740481C1C}">
+                  <a14:useLocalDpi xmlns:a14="http://schemas.microsoft.com/office/drawing/2010/main" val="0"/>
+                </a:ext>
+              </a:extLst>
+            </a:blip>
+            <a:stretch>
+              <a:fillRect/>
+            </a:stretch>
+          </p:blipFill>
+          <p:spPr>
+            <a:xfrm>
+              <a:off x="109480" y="206490"/>
+              <a:ext cx="966369" cy="791971"/>
+            </a:xfrm>
+            <a:prstGeom prst="rect">
+              <a:avLst/>
+            </a:prstGeom>
+          </p:spPr>
+        </p:pic>
+        <p:sp>
+          <p:nvSpPr>
+            <p:cNvPr id="4" name="Report Header Background">
+              <a:extLst>
+                <a:ext uri="{FF2B5EF4-FFF2-40B4-BE49-F238E27FC236}">
+                  <a16:creationId xmlns:a16="http://schemas.microsoft.com/office/drawing/2014/main" id="{A9745524-4366-7A39-3117-878A2CE42B31}"/>
+                </a:ext>
+              </a:extLst>
+            </p:cNvPr>
+            <p:cNvSpPr>
+              <a:spLocks noGrp="1" noRot="1" noMove="1" noResize="1" noEditPoints="1" noAdjustHandles="1" noChangeArrowheads="1" noChangeShapeType="1"/>
+            </p:cNvSpPr>
+            <p:nvPr userDrawn="1"/>
+          </p:nvSpPr>
+          <p:spPr>
+            <a:xfrm>
+              <a:off x="1276350" y="1"/>
+              <a:ext cx="5581651" cy="1195833"/>
+            </a:xfrm>
+            <a:prstGeom prst="rect">
+              <a:avLst/>
+            </a:prstGeom>
+            <a:solidFill>
+              <a:srgbClr val="B11116"/>
+            </a:solidFill>
+            <a:ln>
+              <a:noFill/>
+            </a:ln>
+          </p:spPr>
+          <p:style>
+            <a:lnRef idx="2">
+              <a:schemeClr val="accent1">
+                <a:shade val="50000"/>
+              </a:schemeClr>
+            </a:lnRef>
+            <a:fillRef idx="1">
+              <a:schemeClr val="accent1"/>
+            </a:fillRef>
+            <a:effectRef idx="0">
+              <a:schemeClr val="accent1"/>
+            </a:effectRef>
+            <a:fontRef idx="minor">
+              <a:schemeClr val="lt1"/>
+            </a:fontRef>
+          </p:style>
+          <p:txBody>
+            <a:bodyPr rtlCol="0" anchor="ctr"/>
+            <a:lstStyle/>
+            <a:p>
+              <a:pPr algn="ctr"/>
+              <a:endParaRPr lang="ko-KR" altLang="en-US"/>
+            </a:p>
+          </p:txBody>
+        </p:sp>
+        <p:sp>
+          <p:nvSpPr>
+            <p:cNvPr id="5" name="Report Header Text">
+              <a:extLst>
+                <a:ext uri="{FF2B5EF4-FFF2-40B4-BE49-F238E27FC236}">
+                  <a16:creationId xmlns:a16="http://schemas.microsoft.com/office/drawing/2014/main" id="{87B7D39C-F9E5-F357-3F9F-8212AC200821}"/>
+                </a:ext>
+              </a:extLst>
+            </p:cNvPr>
+            <p:cNvSpPr txBox="1">
+              <a:spLocks noGrp="1" noRot="1" noMove="1" noResize="1" noEditPoints="1" noAdjustHandles="1" noChangeArrowheads="1" noChangeShapeType="1"/>
+            </p:cNvSpPr>
+            <p:nvPr userDrawn="1"/>
+          </p:nvSpPr>
+          <p:spPr>
+            <a:xfrm>
+              <a:off x="1503636" y="59307"/>
+              <a:ext cx="3163138" cy="1077218"/>
+            </a:xfrm>
+            <a:prstGeom prst="rect">
+              <a:avLst/>
+            </a:prstGeom>
+            <a:noFill/>
+          </p:spPr>
+          <p:txBody>
+            <a:bodyPr wrap="square" rtlCol="0">
+              <a:spAutoFit/>
+            </a:bodyPr>
+            <a:lstStyle/>
+            <a:p>
+              <a:r>
+                <a:rPr lang="en-US" altLang="ko-KR" sz="3200" b="1" dirty="0">
+                  <a:solidFill>
+                    <a:schemeClr val="bg1"/>
+                  </a:solidFill>
+                  <a:latin typeface="Arial Black" panose="020B0A04020102020204" pitchFamily="34" charset="0"/>
+                </a:rPr>
+                <a:t>SPEAKING</a:t>
+              </a:r>
+            </a:p>
+            <a:p>
+              <a:r>
+                <a:rPr lang="en-US" altLang="ko-KR" sz="3200" b="1" dirty="0">
+                  <a:solidFill>
+                    <a:schemeClr val="bg1"/>
+                  </a:solidFill>
+                  <a:latin typeface="Arial Black" panose="020B0A04020102020204" pitchFamily="34" charset="0"/>
+                </a:rPr>
+                <a:t>EVALUATION</a:t>
+              </a:r>
+              <a:endParaRPr lang="ko-KR" altLang="en-US" sz="3200" b="1" dirty="0">
+                <a:solidFill>
+                  <a:schemeClr val="bg1"/>
+                </a:solidFill>
+                <a:latin typeface="Arial Black" panose="020B0A04020102020204" pitchFamily="34" charset="0"/>
+              </a:endParaRPr>
+            </a:p>
+          </p:txBody>
+        </p:sp>
+        <p:sp>
+          <p:nvSpPr>
+            <p:cNvPr id="18" name="Eval Date Background">
+              <a:extLst>
+                <a:ext uri="{FF2B5EF4-FFF2-40B4-BE49-F238E27FC236}">
+                  <a16:creationId xmlns:a16="http://schemas.microsoft.com/office/drawing/2014/main" id="{78252F05-685D-FD6D-8DF0-F3C63E4CD267}"/>
+                </a:ext>
+              </a:extLst>
+            </p:cNvPr>
+            <p:cNvSpPr>
+              <a:spLocks noGrp="1" noRot="1" noMove="1" noResize="1" noEditPoints="1" noAdjustHandles="1" noChangeArrowheads="1" noChangeShapeType="1"/>
+            </p:cNvSpPr>
+            <p:nvPr userDrawn="1"/>
+          </p:nvSpPr>
+          <p:spPr>
+            <a:xfrm>
+              <a:off x="4867275" y="178119"/>
+              <a:ext cx="1648562" cy="318983"/>
+            </a:xfrm>
+            <a:prstGeom prst="rect">
+              <a:avLst/>
+            </a:prstGeom>
+            <a:solidFill>
+              <a:schemeClr val="bg1"/>
+            </a:solidFill>
+            <a:ln>
+              <a:noFill/>
+            </a:ln>
+          </p:spPr>
+          <p:style>
+            <a:lnRef idx="2">
+              <a:schemeClr val="accent1">
+                <a:shade val="50000"/>
+              </a:schemeClr>
+            </a:lnRef>
+            <a:fillRef idx="1">
+              <a:schemeClr val="accent1"/>
+            </a:fillRef>
+            <a:effectRef idx="0">
+              <a:schemeClr val="accent1"/>
+            </a:effectRef>
+            <a:fontRef idx="minor">
+              <a:schemeClr val="lt1"/>
+            </a:fontRef>
+          </p:style>
+          <p:txBody>
+            <a:bodyPr rtlCol="0" anchor="ctr"/>
+            <a:lstStyle/>
+            <a:p>
+              <a:pPr algn="ctr"/>
+              <a:endParaRPr lang="ko-KR" altLang="en-US"/>
+            </a:p>
+          </p:txBody>
+        </p:sp>
+        <p:sp>
+          <p:nvSpPr>
+            <p:cNvPr id="19" name="Grade-Level Background">
+              <a:extLst>
+                <a:ext uri="{FF2B5EF4-FFF2-40B4-BE49-F238E27FC236}">
+                  <a16:creationId xmlns:a16="http://schemas.microsoft.com/office/drawing/2014/main" id="{1443E3C0-F69F-C77D-83B9-585A01CA7860}"/>
+                </a:ext>
+              </a:extLst>
+            </p:cNvPr>
+            <p:cNvSpPr>
+              <a:spLocks noGrp="1" noRot="1" noMove="1" noResize="1" noEditPoints="1" noAdjustHandles="1" noChangeArrowheads="1" noChangeShapeType="1"/>
+            </p:cNvSpPr>
+            <p:nvPr userDrawn="1"/>
+          </p:nvSpPr>
+          <p:spPr>
+            <a:xfrm>
+              <a:off x="5245057" y="665745"/>
+              <a:ext cx="1270780" cy="318983"/>
+            </a:xfrm>
+            <a:prstGeom prst="rect">
+              <a:avLst/>
+            </a:prstGeom>
+            <a:solidFill>
+              <a:schemeClr val="bg1"/>
+            </a:solidFill>
+            <a:ln>
+              <a:noFill/>
+            </a:ln>
+          </p:spPr>
+          <p:style>
+            <a:lnRef idx="2">
+              <a:schemeClr val="accent1">
+                <a:shade val="50000"/>
+              </a:schemeClr>
+            </a:lnRef>
+            <a:fillRef idx="1">
+              <a:schemeClr val="accent1"/>
+            </a:fillRef>
+            <a:effectRef idx="0">
+              <a:schemeClr val="accent1"/>
+            </a:effectRef>
+            <a:fontRef idx="minor">
+              <a:schemeClr val="lt1"/>
+            </a:fontRef>
+          </p:style>
+          <p:txBody>
+            <a:bodyPr rtlCol="0" anchor="ctr"/>
+            <a:lstStyle/>
+            <a:p>
+              <a:pPr algn="ctr"/>
+              <a:endParaRPr lang="ko-KR" altLang="en-US"/>
+            </a:p>
+          </p:txBody>
+        </p:sp>
+      </p:grpSp>
+      <p:grpSp>
+        <p:nvGrpSpPr>
+          <p:cNvPr id="6" name="English Name">
+            <a:extLst>
+              <a:ext uri="{FF2B5EF4-FFF2-40B4-BE49-F238E27FC236}">
+                <a16:creationId xmlns:a16="http://schemas.microsoft.com/office/drawing/2014/main" id="{90C35B8F-A8A4-8ABB-FE31-CDFBC966B437}"/>
+              </a:ext>
+            </a:extLst>
+          </p:cNvPr>
+          <p:cNvGrpSpPr>
+            <a:grpSpLocks noGrp="1" noUngrp="1" noRot="1" noMove="1" noResize="1"/>
+          </p:cNvGrpSpPr>
           <p:nvPr userDrawn="1"/>
         </p:nvGrpSpPr>
         <p:grpSpPr>
           <a:xfrm>
             <a:off x="221881" y="1304278"/>
-            <a:ext cx="2273674" cy="318983"/>
+            <a:ext cx="2763556" cy="318983"/>
             <a:chOff x="221881" y="1304278"/>
-            <a:chExt cx="2273674" cy="318983"/>
+            <a:chExt cx="2426072" cy="318983"/>
           </a:xfrm>
         </p:grpSpPr>
         <p:sp>
           <p:nvSpPr>
-            <p:cNvPr id="46" name="Rectangle 45"/>
-            <p:cNvSpPr/>
+            <p:cNvPr id="7" name="Background">
+              <a:extLst>
+                <a:ext uri="{FF2B5EF4-FFF2-40B4-BE49-F238E27FC236}">
+                  <a16:creationId xmlns:a16="http://schemas.microsoft.com/office/drawing/2014/main" id="{A6C5E523-6407-73A9-28A2-128CD5739E8E}"/>
+                </a:ext>
+              </a:extLst>
+            </p:cNvPr>
+            <p:cNvSpPr>
+              <a:spLocks noGrp="1" noRot="1" noMove="1" noResize="1" noEditPoints="1" noAdjustHandles="1" noChangeArrowheads="1" noChangeShapeType="1"/>
+            </p:cNvSpPr>
             <p:nvPr/>
           </p:nvSpPr>
           <p:spPr>
             <a:xfrm>
-              <a:off x="229502" y="1304278"/>
-              <a:ext cx="2266053" cy="318983"/>
+              <a:off x="229503" y="1304278"/>
+              <a:ext cx="2418450" cy="318983"/>
+            </a:xfrm>
+            <a:prstGeom prst="rect">
+              <a:avLst/>
+            </a:prstGeom>
+            <a:solidFill>
+              <a:srgbClr val="E5E5E7"/>
+            </a:solidFill>
+            <a:ln>
+              <a:noFill/>
+            </a:ln>
+          </p:spPr>
+          <p:style>
+            <a:lnRef idx="2">
+              <a:schemeClr val="accent1">
+                <a:shade val="50000"/>
+              </a:schemeClr>
+            </a:lnRef>
+            <a:fillRef idx="1">
+              <a:schemeClr val="accent1"/>
+            </a:fillRef>
+            <a:effectRef idx="0">
+              <a:schemeClr val="accent1"/>
+            </a:effectRef>
+            <a:fontRef idx="minor">
+              <a:schemeClr val="lt1"/>
+            </a:fontRef>
+          </p:style>
+          <p:txBody>
+            <a:bodyPr rtlCol="0" anchor="ctr"/>
+            <a:lstStyle/>
+            <a:p>
+              <a:pPr algn="ctr"/>
+              <a:endParaRPr lang="ko-KR" altLang="en-US" dirty="0"/>
+            </a:p>
+          </p:txBody>
+        </p:sp>
+        <p:sp>
+          <p:nvSpPr>
+            <p:cNvPr id="8" name="Label">
+              <a:extLst>
+                <a:ext uri="{FF2B5EF4-FFF2-40B4-BE49-F238E27FC236}">
+                  <a16:creationId xmlns:a16="http://schemas.microsoft.com/office/drawing/2014/main" id="{FF0F65F1-593C-338B-E5B8-ECC1472B8EFD}"/>
+                </a:ext>
+              </a:extLst>
+            </p:cNvPr>
+            <p:cNvSpPr txBox="1">
+              <a:spLocks noGrp="1" noRot="1" noMove="1" noResize="1" noEditPoints="1" noAdjustHandles="1" noChangeArrowheads="1" noChangeShapeType="1"/>
+            </p:cNvSpPr>
+            <p:nvPr/>
+          </p:nvSpPr>
+          <p:spPr>
+            <a:xfrm>
+              <a:off x="221881" y="1325270"/>
+              <a:ext cx="925698" cy="276999"/>
+            </a:xfrm>
+            <a:prstGeom prst="rect">
+              <a:avLst/>
+            </a:prstGeom>
+            <a:noFill/>
+          </p:spPr>
+          <p:txBody>
+            <a:bodyPr wrap="square" rtlCol="0">
+              <a:spAutoFit/>
+            </a:bodyPr>
+            <a:lstStyle/>
+            <a:p>
+              <a:r>
+                <a:rPr lang="en-US" altLang="ko-KR" sz="1200" b="1" dirty="0">
+                  <a:solidFill>
+                    <a:srgbClr val="B11116"/>
+                  </a:solidFill>
+                  <a:latin typeface="Arial Narrow" panose="020B0606020202030204" pitchFamily="34" charset="0"/>
+                </a:rPr>
+                <a:t>English Name:</a:t>
+              </a:r>
+              <a:endParaRPr lang="ko-KR" altLang="en-US" sz="1200" b="1" dirty="0">
+                <a:solidFill>
+                  <a:srgbClr val="B11116"/>
+                </a:solidFill>
+                <a:latin typeface="Arial Narrow" panose="020B0606020202030204" pitchFamily="34" charset="0"/>
+              </a:endParaRPr>
+            </a:p>
+          </p:txBody>
+        </p:sp>
+      </p:grpSp>
+      <p:grpSp>
+        <p:nvGrpSpPr>
+          <p:cNvPr id="9" name="Korean Name">
+            <a:extLst>
+              <a:ext uri="{FF2B5EF4-FFF2-40B4-BE49-F238E27FC236}">
+                <a16:creationId xmlns:a16="http://schemas.microsoft.com/office/drawing/2014/main" id="{4E17706F-EF70-E046-E349-F0C97F3A7344}"/>
+              </a:ext>
+            </a:extLst>
+          </p:cNvPr>
+          <p:cNvGrpSpPr>
+            <a:grpSpLocks noGrp="1" noUngrp="1" noRot="1" noMove="1" noResize="1"/>
+          </p:cNvGrpSpPr>
+          <p:nvPr userDrawn="1"/>
+        </p:nvGrpSpPr>
+        <p:grpSpPr>
+          <a:xfrm>
+            <a:off x="3058420" y="1304278"/>
+            <a:ext cx="2113653" cy="318983"/>
+            <a:chOff x="2746512" y="1304278"/>
+            <a:chExt cx="2120761" cy="318983"/>
+          </a:xfrm>
+        </p:grpSpPr>
+        <p:sp>
+          <p:nvSpPr>
+            <p:cNvPr id="10" name="Background">
+              <a:extLst>
+                <a:ext uri="{FF2B5EF4-FFF2-40B4-BE49-F238E27FC236}">
+                  <a16:creationId xmlns:a16="http://schemas.microsoft.com/office/drawing/2014/main" id="{3CA407C4-7D1F-C98B-5AFB-472C26A23697}"/>
+                </a:ext>
+              </a:extLst>
+            </p:cNvPr>
+            <p:cNvSpPr>
+              <a:spLocks noGrp="1" noRot="1" noMove="1" noResize="1" noEditPoints="1" noAdjustHandles="1" noChangeArrowheads="1" noChangeShapeType="1"/>
+            </p:cNvSpPr>
+            <p:nvPr/>
+          </p:nvSpPr>
+          <p:spPr>
+            <a:xfrm>
+              <a:off x="2746512" y="1304278"/>
+              <a:ext cx="2120761" cy="318983"/>
             </a:xfrm>
             <a:prstGeom prst="rect">
               <a:avLst/>
@@ -378,13 +952,21 @@
         </p:sp>
         <p:sp>
           <p:nvSpPr>
-            <p:cNvPr id="47" name="TextBox 46"/>
-            <p:cNvSpPr txBox="1"/>
+            <p:cNvPr id="11" name="Label">
+              <a:extLst>
+                <a:ext uri="{FF2B5EF4-FFF2-40B4-BE49-F238E27FC236}">
+                  <a16:creationId xmlns:a16="http://schemas.microsoft.com/office/drawing/2014/main" id="{8F21A0AA-D8BB-CD9C-C612-F5ACF86B7FA3}"/>
+                </a:ext>
+              </a:extLst>
+            </p:cNvPr>
+            <p:cNvSpPr txBox="1">
+              <a:spLocks noGrp="1" noRot="1" noMove="1" noResize="1" noEditPoints="1" noAdjustHandles="1" noChangeArrowheads="1" noChangeShapeType="1"/>
+            </p:cNvSpPr>
             <p:nvPr/>
           </p:nvSpPr>
           <p:spPr>
             <a:xfrm>
-              <a:off x="221881" y="1325270"/>
+              <a:off x="2746514" y="1325270"/>
               <a:ext cx="1161211" cy="276999"/>
             </a:xfrm>
             <a:prstGeom prst="rect">
@@ -405,7 +987,7 @@
                   </a:solidFill>
                   <a:latin typeface="Arial Narrow" panose="020B0606020202030204" pitchFamily="34" charset="0"/>
                 </a:rPr>
-                <a:t>English Name:</a:t>
+                <a:t>Korean Name:</a:t>
               </a:r>
               <a:endParaRPr lang="ko-KR" altLang="en-US" sz="1200" b="1" dirty="0">
                 <a:solidFill>
@@ -419,28 +1001,169 @@
       </p:grpSp>
       <p:grpSp>
         <p:nvGrpSpPr>
-          <p:cNvPr id="48" name="Group 47"/>
-          <p:cNvGrpSpPr/>
+          <p:cNvPr id="12" name="Native Teacher">
+            <a:extLst>
+              <a:ext uri="{FF2B5EF4-FFF2-40B4-BE49-F238E27FC236}">
+                <a16:creationId xmlns:a16="http://schemas.microsoft.com/office/drawing/2014/main" id="{D964476F-01AB-17E2-0F53-84E8B01E6E6F}"/>
+              </a:ext>
+            </a:extLst>
+          </p:cNvPr>
+          <p:cNvGrpSpPr>
+            <a:grpSpLocks noGrp="1" noUngrp="1" noRot="1" noMove="1" noResize="1"/>
+          </p:cNvGrpSpPr>
           <p:nvPr userDrawn="1"/>
         </p:nvGrpSpPr>
         <p:grpSpPr>
           <a:xfrm>
-            <a:off x="2593600" y="1304278"/>
-            <a:ext cx="2273674" cy="318983"/>
-            <a:chOff x="2593600" y="1304278"/>
-            <a:chExt cx="2273674" cy="318983"/>
+            <a:off x="221880" y="1682019"/>
+            <a:ext cx="2763556" cy="318983"/>
+            <a:chOff x="221881" y="1682019"/>
+            <a:chExt cx="2426071" cy="318983"/>
           </a:xfrm>
         </p:grpSpPr>
         <p:sp>
           <p:nvSpPr>
-            <p:cNvPr id="49" name="Rectangle 48"/>
-            <p:cNvSpPr/>
+            <p:cNvPr id="13" name="Background">
+              <a:extLst>
+                <a:ext uri="{FF2B5EF4-FFF2-40B4-BE49-F238E27FC236}">
+                  <a16:creationId xmlns:a16="http://schemas.microsoft.com/office/drawing/2014/main" id="{287B7878-2464-EAD5-55F6-92D296DEB3C9}"/>
+                </a:ext>
+              </a:extLst>
+            </p:cNvPr>
+            <p:cNvSpPr>
+              <a:spLocks noGrp="1" noRot="1" noMove="1" noResize="1" noEditPoints="1" noAdjustHandles="1" noChangeArrowheads="1" noChangeShapeType="1"/>
+            </p:cNvSpPr>
             <p:nvPr/>
           </p:nvSpPr>
           <p:spPr>
             <a:xfrm>
-              <a:off x="2601221" y="1304278"/>
-              <a:ext cx="2266053" cy="318983"/>
+              <a:off x="229502" y="1682019"/>
+              <a:ext cx="2418450" cy="318983"/>
+            </a:xfrm>
+            <a:prstGeom prst="rect">
+              <a:avLst/>
+            </a:prstGeom>
+            <a:solidFill>
+              <a:srgbClr val="E5E5E7"/>
+            </a:solidFill>
+            <a:ln>
+              <a:noFill/>
+            </a:ln>
+          </p:spPr>
+          <p:style>
+            <a:lnRef idx="2">
+              <a:schemeClr val="accent1">
+                <a:shade val="50000"/>
+              </a:schemeClr>
+            </a:lnRef>
+            <a:fillRef idx="1">
+              <a:schemeClr val="accent1"/>
+            </a:fillRef>
+            <a:effectRef idx="0">
+              <a:schemeClr val="accent1"/>
+            </a:effectRef>
+            <a:fontRef idx="minor">
+              <a:schemeClr val="lt1"/>
+            </a:fontRef>
+          </p:style>
+          <p:txBody>
+            <a:bodyPr rtlCol="0" anchor="ctr"/>
+            <a:lstStyle/>
+            <a:p>
+              <a:pPr algn="ctr"/>
+              <a:endParaRPr lang="ko-KR" altLang="en-US" dirty="0"/>
+            </a:p>
+          </p:txBody>
+        </p:sp>
+        <p:sp>
+          <p:nvSpPr>
+            <p:cNvPr id="14" name="Label">
+              <a:extLst>
+                <a:ext uri="{FF2B5EF4-FFF2-40B4-BE49-F238E27FC236}">
+                  <a16:creationId xmlns:a16="http://schemas.microsoft.com/office/drawing/2014/main" id="{1956C3E6-F74C-5CCF-0305-310EF5AE7F9C}"/>
+                </a:ext>
+              </a:extLst>
+            </p:cNvPr>
+            <p:cNvSpPr txBox="1">
+              <a:spLocks noGrp="1" noRot="1" noMove="1" noResize="1" noEditPoints="1" noAdjustHandles="1" noChangeArrowheads="1" noChangeShapeType="1"/>
+            </p:cNvSpPr>
+            <p:nvPr/>
+          </p:nvSpPr>
+          <p:spPr>
+            <a:xfrm>
+              <a:off x="221881" y="1703011"/>
+              <a:ext cx="925698" cy="276999"/>
+            </a:xfrm>
+            <a:prstGeom prst="rect">
+              <a:avLst/>
+            </a:prstGeom>
+            <a:noFill/>
+          </p:spPr>
+          <p:txBody>
+            <a:bodyPr wrap="square" rIns="0" rtlCol="0">
+              <a:spAutoFit/>
+            </a:bodyPr>
+            <a:lstStyle/>
+            <a:p>
+              <a:r>
+                <a:rPr lang="en-US" altLang="ko-KR" sz="1200" b="1" dirty="0">
+                  <a:solidFill>
+                    <a:srgbClr val="B11116"/>
+                  </a:solidFill>
+                  <a:latin typeface="Arial Narrow" panose="020B0606020202030204" pitchFamily="34" charset="0"/>
+                </a:rPr>
+                <a:t>Native Teacher:</a:t>
+              </a:r>
+              <a:endParaRPr lang="ko-KR" altLang="en-US" sz="1200" b="1" dirty="0">
+                <a:solidFill>
+                  <a:srgbClr val="B11116"/>
+                </a:solidFill>
+                <a:latin typeface="Arial Narrow" panose="020B0606020202030204" pitchFamily="34" charset="0"/>
+              </a:endParaRPr>
+            </a:p>
+          </p:txBody>
+        </p:sp>
+      </p:grpSp>
+      <p:grpSp>
+        <p:nvGrpSpPr>
+          <p:cNvPr id="15" name="Korean Teacher">
+            <a:extLst>
+              <a:ext uri="{FF2B5EF4-FFF2-40B4-BE49-F238E27FC236}">
+                <a16:creationId xmlns:a16="http://schemas.microsoft.com/office/drawing/2014/main" id="{AD43325E-F756-5F88-BA8B-43A2DD9FACB8}"/>
+              </a:ext>
+            </a:extLst>
+          </p:cNvPr>
+          <p:cNvGrpSpPr>
+            <a:grpSpLocks noGrp="1" noUngrp="1" noRot="1" noMove="1" noResize="1"/>
+          </p:cNvGrpSpPr>
+          <p:nvPr userDrawn="1"/>
+        </p:nvGrpSpPr>
+        <p:grpSpPr>
+          <a:xfrm>
+            <a:off x="3058420" y="1682019"/>
+            <a:ext cx="2113653" cy="318983"/>
+            <a:chOff x="2746512" y="1682019"/>
+            <a:chExt cx="2120761" cy="318983"/>
+          </a:xfrm>
+        </p:grpSpPr>
+        <p:sp>
+          <p:nvSpPr>
+            <p:cNvPr id="16" name="Background">
+              <a:extLst>
+                <a:ext uri="{FF2B5EF4-FFF2-40B4-BE49-F238E27FC236}">
+                  <a16:creationId xmlns:a16="http://schemas.microsoft.com/office/drawing/2014/main" id="{AB546B3D-8343-D972-5B79-ABE3A88128BF}"/>
+                </a:ext>
+              </a:extLst>
+            </p:cNvPr>
+            <p:cNvSpPr>
+              <a:spLocks noGrp="1" noRot="1" noMove="1" noResize="1" noEditPoints="1" noAdjustHandles="1" noChangeArrowheads="1" noChangeShapeType="1"/>
+            </p:cNvSpPr>
+            <p:nvPr/>
+          </p:nvSpPr>
+          <p:spPr>
+            <a:xfrm>
+              <a:off x="2746512" y="1682019"/>
+              <a:ext cx="2120761" cy="318983"/>
             </a:xfrm>
             <a:prstGeom prst="rect">
               <a:avLst/>
@@ -479,13 +1202,21 @@
         </p:sp>
         <p:sp>
           <p:nvSpPr>
-            <p:cNvPr id="50" name="TextBox 49"/>
-            <p:cNvSpPr txBox="1"/>
+            <p:cNvPr id="17" name="Label">
+              <a:extLst>
+                <a:ext uri="{FF2B5EF4-FFF2-40B4-BE49-F238E27FC236}">
+                  <a16:creationId xmlns:a16="http://schemas.microsoft.com/office/drawing/2014/main" id="{4671CC89-A775-F458-DE6C-D1BEDC4D75B0}"/>
+                </a:ext>
+              </a:extLst>
+            </p:cNvPr>
+            <p:cNvSpPr txBox="1">
+              <a:spLocks noGrp="1" noRot="1" noMove="1" noResize="1" noEditPoints="1" noAdjustHandles="1" noChangeArrowheads="1" noChangeShapeType="1"/>
+            </p:cNvSpPr>
             <p:nvPr/>
           </p:nvSpPr>
           <p:spPr>
             <a:xfrm>
-              <a:off x="2593600" y="1325270"/>
+              <a:off x="2746513" y="1703011"/>
               <a:ext cx="1161211" cy="276999"/>
             </a:xfrm>
             <a:prstGeom prst="rect">
@@ -506,7 +1237,7 @@
                   </a:solidFill>
                   <a:latin typeface="Arial Narrow" panose="020B0606020202030204" pitchFamily="34" charset="0"/>
                 </a:rPr>
-                <a:t>Korean Name:</a:t>
+                <a:t>Korean Teacher:</a:t>
               </a:r>
               <a:endParaRPr lang="ko-KR" altLang="en-US" sz="1200" b="1" dirty="0">
                 <a:solidFill>
@@ -520,28 +1251,44 @@
       </p:grpSp>
       <p:grpSp>
         <p:nvGrpSpPr>
-          <p:cNvPr id="51" name="Group 50"/>
-          <p:cNvGrpSpPr/>
+          <p:cNvPr id="20" name="Overall_Grade">
+            <a:extLst>
+              <a:ext uri="{FF2B5EF4-FFF2-40B4-BE49-F238E27FC236}">
+                <a16:creationId xmlns:a16="http://schemas.microsoft.com/office/drawing/2014/main" id="{96EED462-4ACF-CCEB-4633-84F08650E5CD}"/>
+              </a:ext>
+            </a:extLst>
+          </p:cNvPr>
+          <p:cNvGrpSpPr>
+            <a:grpSpLocks noGrp="1" noUngrp="1" noRot="1" noMove="1" noResize="1"/>
+          </p:cNvGrpSpPr>
           <p:nvPr userDrawn="1"/>
         </p:nvGrpSpPr>
         <p:grpSpPr>
           <a:xfrm>
-            <a:off x="221881" y="1682019"/>
-            <a:ext cx="2273674" cy="318983"/>
-            <a:chOff x="221881" y="1682019"/>
-            <a:chExt cx="2273674" cy="318983"/>
+            <a:off x="5245055" y="1298675"/>
+            <a:ext cx="1384398" cy="696724"/>
+            <a:chOff x="5245055" y="1298675"/>
+            <a:chExt cx="1384398" cy="696724"/>
           </a:xfrm>
         </p:grpSpPr>
         <p:sp>
           <p:nvSpPr>
-            <p:cNvPr id="52" name="Rectangle 51"/>
-            <p:cNvSpPr/>
+            <p:cNvPr id="21" name="Background">
+              <a:extLst>
+                <a:ext uri="{FF2B5EF4-FFF2-40B4-BE49-F238E27FC236}">
+                  <a16:creationId xmlns:a16="http://schemas.microsoft.com/office/drawing/2014/main" id="{89350671-E684-4118-8B84-D6CF9F93EAE3}"/>
+                </a:ext>
+              </a:extLst>
+            </p:cNvPr>
+            <p:cNvSpPr>
+              <a:spLocks noGrp="1" noRot="1" noMove="1" noResize="1" noEditPoints="1" noAdjustHandles="1" noChangeArrowheads="1" noChangeShapeType="1"/>
+            </p:cNvSpPr>
             <p:nvPr/>
           </p:nvSpPr>
           <p:spPr>
             <a:xfrm>
-              <a:off x="229502" y="1682019"/>
-              <a:ext cx="2266053" cy="318983"/>
+              <a:off x="5245056" y="1298675"/>
+              <a:ext cx="1384397" cy="696724"/>
             </a:xfrm>
             <a:prstGeom prst="rect">
               <a:avLst/>
@@ -580,308 +1327,22 @@
         </p:sp>
         <p:sp>
           <p:nvSpPr>
-            <p:cNvPr id="53" name="TextBox 52"/>
-            <p:cNvSpPr txBox="1"/>
+            <p:cNvPr id="22" name="Label">
+              <a:extLst>
+                <a:ext uri="{FF2B5EF4-FFF2-40B4-BE49-F238E27FC236}">
+                  <a16:creationId xmlns:a16="http://schemas.microsoft.com/office/drawing/2014/main" id="{E81025A5-3FA5-DD11-D382-851C61539A42}"/>
+                </a:ext>
+              </a:extLst>
+            </p:cNvPr>
+            <p:cNvSpPr txBox="1">
+              <a:spLocks noGrp="1" noRot="1" noMove="1" noResize="1" noEditPoints="1" noAdjustHandles="1" noChangeArrowheads="1" noChangeShapeType="1"/>
+            </p:cNvSpPr>
             <p:nvPr/>
           </p:nvSpPr>
           <p:spPr>
             <a:xfrm>
-              <a:off x="221881" y="1703011"/>
-              <a:ext cx="1161211" cy="276999"/>
-            </a:xfrm>
-            <a:prstGeom prst="rect">
-              <a:avLst/>
-            </a:prstGeom>
-            <a:noFill/>
-          </p:spPr>
-          <p:txBody>
-            <a:bodyPr wrap="square" rtlCol="0">
-              <a:spAutoFit/>
-            </a:bodyPr>
-            <a:lstStyle/>
-            <a:p>
-              <a:r>
-                <a:rPr lang="en-US" altLang="ko-KR" sz="1200" b="1" dirty="0">
-                  <a:solidFill>
-                    <a:srgbClr val="B11116"/>
-                  </a:solidFill>
-                  <a:latin typeface="Arial Narrow" panose="020B0606020202030204" pitchFamily="34" charset="0"/>
-                </a:rPr>
-                <a:t>Native Teacher:</a:t>
-              </a:r>
-              <a:endParaRPr lang="ko-KR" altLang="en-US" sz="1200" b="1" dirty="0">
-                <a:solidFill>
-                  <a:srgbClr val="B11116"/>
-                </a:solidFill>
-                <a:latin typeface="Arial Narrow" panose="020B0606020202030204" pitchFamily="34" charset="0"/>
-              </a:endParaRPr>
-            </a:p>
-          </p:txBody>
-        </p:sp>
-      </p:grpSp>
-      <p:grpSp>
-        <p:nvGrpSpPr>
-          <p:cNvPr id="55" name="Group 54"/>
-          <p:cNvGrpSpPr/>
-          <p:nvPr userDrawn="1"/>
-        </p:nvGrpSpPr>
-        <p:grpSpPr>
-          <a:xfrm>
-            <a:off x="2593600" y="1682019"/>
-            <a:ext cx="2273674" cy="318983"/>
-            <a:chOff x="2593600" y="1682019"/>
-            <a:chExt cx="2273674" cy="318983"/>
-          </a:xfrm>
-        </p:grpSpPr>
-        <p:sp>
-          <p:nvSpPr>
-            <p:cNvPr id="56" name="Rectangle 55"/>
-            <p:cNvSpPr/>
-            <p:nvPr/>
-          </p:nvSpPr>
-          <p:spPr>
-            <a:xfrm>
-              <a:off x="2601221" y="1682019"/>
-              <a:ext cx="2266053" cy="318983"/>
-            </a:xfrm>
-            <a:prstGeom prst="rect">
-              <a:avLst/>
-            </a:prstGeom>
-            <a:solidFill>
-              <a:srgbClr val="E5E5E7"/>
-            </a:solidFill>
-            <a:ln>
-              <a:noFill/>
-            </a:ln>
-          </p:spPr>
-          <p:style>
-            <a:lnRef idx="2">
-              <a:schemeClr val="accent1">
-                <a:shade val="50000"/>
-              </a:schemeClr>
-            </a:lnRef>
-            <a:fillRef idx="1">
-              <a:schemeClr val="accent1"/>
-            </a:fillRef>
-            <a:effectRef idx="0">
-              <a:schemeClr val="accent1"/>
-            </a:effectRef>
-            <a:fontRef idx="minor">
-              <a:schemeClr val="lt1"/>
-            </a:fontRef>
-          </p:style>
-          <p:txBody>
-            <a:bodyPr rtlCol="0" anchor="ctr"/>
-            <a:lstStyle/>
-            <a:p>
-              <a:pPr algn="ctr"/>
-              <a:endParaRPr lang="ko-KR" altLang="en-US"/>
-            </a:p>
-          </p:txBody>
-        </p:sp>
-        <p:sp>
-          <p:nvSpPr>
-            <p:cNvPr id="57" name="TextBox 56"/>
-            <p:cNvSpPr txBox="1"/>
-            <p:nvPr/>
-          </p:nvSpPr>
-          <p:spPr>
-            <a:xfrm>
-              <a:off x="2593600" y="1703011"/>
-              <a:ext cx="1161211" cy="276999"/>
-            </a:xfrm>
-            <a:prstGeom prst="rect">
-              <a:avLst/>
-            </a:prstGeom>
-            <a:noFill/>
-          </p:spPr>
-          <p:txBody>
-            <a:bodyPr wrap="square" rtlCol="0">
-              <a:spAutoFit/>
-            </a:bodyPr>
-            <a:lstStyle/>
-            <a:p>
-              <a:r>
-                <a:rPr lang="en-US" altLang="ko-KR" sz="1200" b="1" dirty="0">
-                  <a:solidFill>
-                    <a:srgbClr val="B11116"/>
-                  </a:solidFill>
-                  <a:latin typeface="Arial Narrow" panose="020B0606020202030204" pitchFamily="34" charset="0"/>
-                </a:rPr>
-                <a:t>Korean Teacher:</a:t>
-              </a:r>
-              <a:endParaRPr lang="ko-KR" altLang="en-US" sz="1200" b="1" dirty="0">
-                <a:solidFill>
-                  <a:srgbClr val="B11116"/>
-                </a:solidFill>
-                <a:latin typeface="Arial Narrow" panose="020B0606020202030204" pitchFamily="34" charset="0"/>
-              </a:endParaRPr>
-            </a:p>
-          </p:txBody>
-        </p:sp>
-      </p:grpSp>
-      <p:sp>
-        <p:nvSpPr>
-          <p:cNvPr id="60" name="Rectangle 59"/>
-          <p:cNvSpPr/>
-          <p:nvPr/>
-        </p:nvSpPr>
-        <p:spPr>
-          <a:xfrm>
-            <a:off x="4867275" y="178119"/>
-            <a:ext cx="1648562" cy="318983"/>
-          </a:xfrm>
-          <a:prstGeom prst="rect">
-            <a:avLst/>
-          </a:prstGeom>
-          <a:solidFill>
-            <a:schemeClr val="bg1"/>
-          </a:solidFill>
-          <a:ln>
-            <a:noFill/>
-          </a:ln>
-        </p:spPr>
-        <p:style>
-          <a:lnRef idx="2">
-            <a:schemeClr val="accent1">
-              <a:shade val="50000"/>
-            </a:schemeClr>
-          </a:lnRef>
-          <a:fillRef idx="1">
-            <a:schemeClr val="accent1"/>
-          </a:fillRef>
-          <a:effectRef idx="0">
-            <a:schemeClr val="accent1"/>
-          </a:effectRef>
-          <a:fontRef idx="minor">
-            <a:schemeClr val="lt1"/>
-          </a:fontRef>
-        </p:style>
-        <p:txBody>
-          <a:bodyPr rtlCol="0" anchor="ctr"/>
-          <a:lstStyle/>
-          <a:p>
-            <a:pPr algn="ctr"/>
-            <a:endParaRPr lang="ko-KR" altLang="en-US"/>
-          </a:p>
-        </p:txBody>
-      </p:sp>
-      <p:sp>
-        <p:nvSpPr>
-          <p:cNvPr id="63" name="Rectangle 62"/>
-          <p:cNvSpPr/>
-          <p:nvPr/>
-        </p:nvSpPr>
-        <p:spPr>
-          <a:xfrm>
-            <a:off x="5245057" y="665745"/>
-            <a:ext cx="1270780" cy="318983"/>
-          </a:xfrm>
-          <a:prstGeom prst="rect">
-            <a:avLst/>
-          </a:prstGeom>
-          <a:solidFill>
-            <a:schemeClr val="bg1"/>
-          </a:solidFill>
-          <a:ln>
-            <a:noFill/>
-          </a:ln>
-        </p:spPr>
-        <p:style>
-          <a:lnRef idx="2">
-            <a:schemeClr val="accent1">
-              <a:shade val="50000"/>
-            </a:schemeClr>
-          </a:lnRef>
-          <a:fillRef idx="1">
-            <a:schemeClr val="accent1"/>
-          </a:fillRef>
-          <a:effectRef idx="0">
-            <a:schemeClr val="accent1"/>
-          </a:effectRef>
-          <a:fontRef idx="minor">
-            <a:schemeClr val="lt1"/>
-          </a:fontRef>
-        </p:style>
-        <p:txBody>
-          <a:bodyPr rtlCol="0" anchor="ctr"/>
-          <a:lstStyle/>
-          <a:p>
-            <a:pPr algn="ctr"/>
-            <a:endParaRPr lang="ko-KR" altLang="en-US"/>
-          </a:p>
-        </p:txBody>
-      </p:sp>
-      <p:grpSp>
-        <p:nvGrpSpPr>
-          <p:cNvPr id="65" name="Group 64"/>
-          <p:cNvGrpSpPr/>
-          <p:nvPr userDrawn="1"/>
-        </p:nvGrpSpPr>
-        <p:grpSpPr>
-          <a:xfrm>
-            <a:off x="4970969" y="1298675"/>
-            <a:ext cx="1658484" cy="696724"/>
-            <a:chOff x="4970969" y="1298675"/>
-            <a:chExt cx="1658484" cy="696724"/>
-          </a:xfrm>
-        </p:grpSpPr>
-        <p:sp>
-          <p:nvSpPr>
-            <p:cNvPr id="66" name="Rectangle 65"/>
-            <p:cNvSpPr/>
-            <p:nvPr/>
-          </p:nvSpPr>
-          <p:spPr>
-            <a:xfrm>
-              <a:off x="4972940" y="1298675"/>
-              <a:ext cx="1656513" cy="696724"/>
-            </a:xfrm>
-            <a:prstGeom prst="rect">
-              <a:avLst/>
-            </a:prstGeom>
-            <a:solidFill>
-              <a:srgbClr val="E5E5E7"/>
-            </a:solidFill>
-            <a:ln>
-              <a:noFill/>
-            </a:ln>
-          </p:spPr>
-          <p:style>
-            <a:lnRef idx="2">
-              <a:schemeClr val="accent1">
-                <a:shade val="50000"/>
-              </a:schemeClr>
-            </a:lnRef>
-            <a:fillRef idx="1">
-              <a:schemeClr val="accent1"/>
-            </a:fillRef>
-            <a:effectRef idx="0">
-              <a:schemeClr val="accent1"/>
-            </a:effectRef>
-            <a:fontRef idx="minor">
-              <a:schemeClr val="lt1"/>
-            </a:fontRef>
-          </p:style>
-          <p:txBody>
-            <a:bodyPr rtlCol="0" anchor="ctr"/>
-            <a:lstStyle/>
-            <a:p>
-              <a:pPr algn="ctr"/>
-              <a:endParaRPr lang="ko-KR" altLang="en-US"/>
-            </a:p>
-          </p:txBody>
-        </p:sp>
-        <p:sp>
-          <p:nvSpPr>
-            <p:cNvPr id="67" name="TextBox 66"/>
-            <p:cNvSpPr txBox="1"/>
-            <p:nvPr/>
-          </p:nvSpPr>
-          <p:spPr>
-            <a:xfrm>
-              <a:off x="4970969" y="1718400"/>
-              <a:ext cx="1658483" cy="276999"/>
+              <a:off x="5245055" y="1718400"/>
+              <a:ext cx="1383443" cy="276999"/>
             </a:xfrm>
             <a:prstGeom prst="rect">
               <a:avLst/>
@@ -914,272 +1375,6 @@
           </p:txBody>
         </p:sp>
       </p:grpSp>
-      <p:graphicFrame>
-        <p:nvGraphicFramePr>
-          <p:cNvPr id="32" name="Table 31"/>
-          <p:cNvGraphicFramePr>
-            <a:graphicFrameLocks noGrp="1"/>
-          </p:cNvGraphicFramePr>
-          <p:nvPr userDrawn="1">
-            <p:extLst>
-              <p:ext uri="{D42A27DB-BD31-4B8C-83A1-F6EECF244321}">
-                <p14:modId xmlns:p14="http://schemas.microsoft.com/office/powerpoint/2010/main" val="3210177605"/>
-              </p:ext>
-            </p:extLst>
-          </p:nvPr>
-        </p:nvGraphicFramePr>
-        <p:xfrm>
-          <a:off x="219053" y="8008376"/>
-          <a:ext cx="6419895" cy="1440180"/>
-        </p:xfrm>
-        <a:graphic>
-          <a:graphicData uri="http://schemas.openxmlformats.org/drawingml/2006/table">
-            <a:tbl>
-              <a:tblPr firstRow="1" bandRow="1">
-                <a:tableStyleId>{5C22544A-7EE6-4342-B048-85BDC9FD1C3A}</a:tableStyleId>
-              </a:tblPr>
-              <a:tblGrid>
-                <a:gridCol w="6419895">
-                  <a:extLst>
-                    <a:ext uri="{9D8B030D-6E8A-4147-A177-3AD203B41FA5}">
-                      <a16:colId xmlns:a16="http://schemas.microsoft.com/office/drawing/2014/main" val="2888324031"/>
-                    </a:ext>
-                  </a:extLst>
-                </a:gridCol>
-              </a:tblGrid>
-              <a:tr h="214313">
-                <a:tc>
-                  <a:txBody>
-                    <a:bodyPr/>
-                    <a:lstStyle/>
-                    <a:p>
-                      <a:pPr latinLnBrk="1"/>
-                      <a:r>
-                        <a:rPr kumimoji="0" lang="en-US" altLang="ko-KR" sz="1050" b="1" i="0" u="none" strike="noStrike" kern="100" cap="none" spc="0" normalizeH="0" baseline="0" noProof="0" dirty="0">
-                          <a:ln>
-                            <a:noFill/>
-                          </a:ln>
-                          <a:solidFill>
-                            <a:schemeClr val="bg1"/>
-                          </a:solidFill>
-                          <a:effectLst/>
-                          <a:uLnTx/>
-                          <a:uFillTx/>
-                          <a:latin typeface="Arial Black" panose="020B0A04020102020204" pitchFamily="34" charset="0"/>
-                          <a:ea typeface="+mn-ea"/>
-                          <a:cs typeface="Arial" panose="020B0604020202020204" pitchFamily="34" charset="0"/>
-                        </a:rPr>
-                        <a:t>Comments </a:t>
-                      </a:r>
-                      <a:r>
-                        <a:rPr kumimoji="0" lang="ko-KR" altLang="en-US" sz="1050" b="1" i="0" u="none" strike="noStrike" kern="100" cap="none" spc="0" normalizeH="0" baseline="0" noProof="0" dirty="0">
-                          <a:ln>
-                            <a:noFill/>
-                          </a:ln>
-                          <a:solidFill>
-                            <a:schemeClr val="bg1"/>
-                          </a:solidFill>
-                          <a:effectLst/>
-                          <a:uLnTx/>
-                          <a:uFillTx/>
-                          <a:latin typeface="Arial Black" panose="020B0A04020102020204" pitchFamily="34" charset="0"/>
-                          <a:ea typeface="+mn-ea"/>
-                          <a:cs typeface="Arial" panose="020B0604020202020204" pitchFamily="34" charset="0"/>
-                        </a:rPr>
-                        <a:t>코멘트</a:t>
-                      </a:r>
-                      <a:endParaRPr lang="ko-KR" altLang="en-US" sz="1050" dirty="0">
-                        <a:latin typeface="Arial Black" panose="020B0A04020102020204" pitchFamily="34" charset="0"/>
-                        <a:cs typeface="Arial" panose="020B0604020202020204" pitchFamily="34" charset="0"/>
-                      </a:endParaRPr>
-                    </a:p>
-                  </a:txBody>
-                  <a:tcPr>
-                    <a:lnL w="6350" cap="flat" cmpd="sng" algn="ctr">
-                      <a:solidFill>
-                        <a:schemeClr val="tx1"/>
-                      </a:solidFill>
-                      <a:prstDash val="solid"/>
-                      <a:round/>
-                      <a:headEnd type="none" w="med" len="med"/>
-                      <a:tailEnd type="none" w="med" len="med"/>
-                    </a:lnL>
-                    <a:lnR w="6350" cap="flat" cmpd="sng" algn="ctr">
-                      <a:solidFill>
-                        <a:schemeClr val="tx1"/>
-                      </a:solidFill>
-                      <a:prstDash val="solid"/>
-                      <a:round/>
-                      <a:headEnd type="none" w="med" len="med"/>
-                      <a:tailEnd type="none" w="med" len="med"/>
-                    </a:lnR>
-                    <a:lnT w="6350" cap="flat" cmpd="sng" algn="ctr">
-                      <a:solidFill>
-                        <a:schemeClr val="tx1"/>
-                      </a:solidFill>
-                      <a:prstDash val="solid"/>
-                      <a:round/>
-                      <a:headEnd type="none" w="med" len="med"/>
-                      <a:tailEnd type="none" w="med" len="med"/>
-                    </a:lnT>
-                    <a:lnB w="6350" cap="flat" cmpd="sng" algn="ctr">
-                      <a:solidFill>
-                        <a:schemeClr val="tx1"/>
-                      </a:solidFill>
-                      <a:prstDash val="solid"/>
-                      <a:round/>
-                      <a:headEnd type="none" w="med" len="med"/>
-                      <a:tailEnd type="none" w="med" len="med"/>
-                    </a:lnB>
-                    <a:solidFill>
-                      <a:srgbClr val="C00000"/>
-                    </a:solidFill>
-                  </a:tcPr>
-                </a:tc>
-                <a:extLst>
-                  <a:ext uri="{0D108BD9-81ED-4DB2-BD59-A6C34878D82A}">
-                    <a16:rowId xmlns:a16="http://schemas.microsoft.com/office/drawing/2014/main" val="2956890525"/>
-                  </a:ext>
-                </a:extLst>
-              </a:tr>
-              <a:tr h="370840">
-                <a:tc>
-                  <a:txBody>
-                    <a:bodyPr/>
-                    <a:lstStyle/>
-                    <a:p>
-                      <a:pPr latinLnBrk="1"/>
-                      <a:endParaRPr lang="en-US" altLang="ko-KR" sz="1200" dirty="0">
-                        <a:latin typeface="Arial" panose="020B0604020202020204" pitchFamily="34" charset="0"/>
-                        <a:cs typeface="Arial" panose="020B0604020202020204" pitchFamily="34" charset="0"/>
-                      </a:endParaRPr>
-                    </a:p>
-                    <a:p>
-                      <a:pPr latinLnBrk="1"/>
-                      <a:endParaRPr lang="en-US" altLang="ko-KR" sz="1200" dirty="0">
-                        <a:latin typeface="Arial" panose="020B0604020202020204" pitchFamily="34" charset="0"/>
-                        <a:cs typeface="Arial" panose="020B0604020202020204" pitchFamily="34" charset="0"/>
-                      </a:endParaRPr>
-                    </a:p>
-                    <a:p>
-                      <a:pPr latinLnBrk="1"/>
-                      <a:endParaRPr lang="en-US" altLang="ko-KR" sz="1200" dirty="0">
-                        <a:latin typeface="Arial" panose="020B0604020202020204" pitchFamily="34" charset="0"/>
-                        <a:cs typeface="Arial" panose="020B0604020202020204" pitchFamily="34" charset="0"/>
-                      </a:endParaRPr>
-                    </a:p>
-                    <a:p>
-                      <a:pPr latinLnBrk="1"/>
-                      <a:endParaRPr lang="en-US" altLang="ko-KR" sz="1200" dirty="0">
-                        <a:latin typeface="Arial" panose="020B0604020202020204" pitchFamily="34" charset="0"/>
-                        <a:cs typeface="Arial" panose="020B0604020202020204" pitchFamily="34" charset="0"/>
-                      </a:endParaRPr>
-                    </a:p>
-                    <a:p>
-                      <a:pPr latinLnBrk="1"/>
-                      <a:endParaRPr lang="en-US" altLang="ko-KR" sz="1200" dirty="0">
-                        <a:latin typeface="Arial" panose="020B0604020202020204" pitchFamily="34" charset="0"/>
-                        <a:cs typeface="Arial" panose="020B0604020202020204" pitchFamily="34" charset="0"/>
-                      </a:endParaRPr>
-                    </a:p>
-                    <a:p>
-                      <a:pPr latinLnBrk="1"/>
-                      <a:endParaRPr lang="ko-KR" altLang="en-US" sz="1200" dirty="0">
-                        <a:latin typeface="Arial" panose="020B0604020202020204" pitchFamily="34" charset="0"/>
-                        <a:cs typeface="Arial" panose="020B0604020202020204" pitchFamily="34" charset="0"/>
-                      </a:endParaRPr>
-                    </a:p>
-                  </a:txBody>
-                  <a:tcPr>
-                    <a:lnL w="6350" cap="flat" cmpd="sng" algn="ctr">
-                      <a:solidFill>
-                        <a:schemeClr val="tx1"/>
-                      </a:solidFill>
-                      <a:prstDash val="solid"/>
-                      <a:round/>
-                      <a:headEnd type="none" w="med" len="med"/>
-                      <a:tailEnd type="none" w="med" len="med"/>
-                    </a:lnL>
-                    <a:lnR w="6350" cap="flat" cmpd="sng" algn="ctr">
-                      <a:solidFill>
-                        <a:schemeClr val="tx1"/>
-                      </a:solidFill>
-                      <a:prstDash val="solid"/>
-                      <a:round/>
-                      <a:headEnd type="none" w="med" len="med"/>
-                      <a:tailEnd type="none" w="med" len="med"/>
-                    </a:lnR>
-                    <a:lnT w="6350" cap="flat" cmpd="sng" algn="ctr">
-                      <a:solidFill>
-                        <a:schemeClr val="tx1"/>
-                      </a:solidFill>
-                      <a:prstDash val="solid"/>
-                      <a:round/>
-                      <a:headEnd type="none" w="med" len="med"/>
-                      <a:tailEnd type="none" w="med" len="med"/>
-                    </a:lnT>
-                    <a:lnB w="6350" cap="flat" cmpd="sng" algn="ctr">
-                      <a:solidFill>
-                        <a:schemeClr val="tx1"/>
-                      </a:solidFill>
-                      <a:prstDash val="solid"/>
-                      <a:round/>
-                      <a:headEnd type="none" w="med" len="med"/>
-                      <a:tailEnd type="none" w="med" len="med"/>
-                    </a:lnB>
-                    <a:noFill/>
-                  </a:tcPr>
-                </a:tc>
-                <a:extLst>
-                  <a:ext uri="{0D108BD9-81ED-4DB2-BD59-A6C34878D82A}">
-                    <a16:rowId xmlns:a16="http://schemas.microsoft.com/office/drawing/2014/main" val="336286868"/>
-                  </a:ext>
-                </a:extLst>
-              </a:tr>
-            </a:tbl>
-          </a:graphicData>
-        </a:graphic>
-      </p:graphicFrame>
-      <p:sp>
-        <p:nvSpPr>
-          <p:cNvPr id="33" name="TextBox 32"/>
-          <p:cNvSpPr txBox="1"/>
-          <p:nvPr userDrawn="1"/>
-        </p:nvSpPr>
-        <p:spPr>
-          <a:xfrm>
-            <a:off x="3521862" y="9510205"/>
-            <a:ext cx="1723194" cy="276999"/>
-          </a:xfrm>
-          <a:prstGeom prst="rect">
-            <a:avLst/>
-          </a:prstGeom>
-          <a:noFill/>
-        </p:spPr>
-        <p:txBody>
-          <a:bodyPr wrap="square" rtlCol="0">
-            <a:spAutoFit/>
-          </a:bodyPr>
-          <a:lstStyle/>
-          <a:p>
-            <a:r>
-              <a:rPr lang="en-US" altLang="ko-KR" sz="1200" b="1" dirty="0">
-                <a:solidFill>
-                  <a:srgbClr val="B11116"/>
-                </a:solidFill>
-                <a:latin typeface="Arial Narrow" panose="020B0606020202030204" pitchFamily="34" charset="0"/>
-              </a:rPr>
-              <a:t>Native Teacher Signature:</a:t>
-            </a:r>
-            <a:endParaRPr lang="ko-KR" altLang="en-US" sz="1200" b="1" dirty="0">
-              <a:solidFill>
-                <a:srgbClr val="B11116"/>
-              </a:solidFill>
-              <a:latin typeface="Arial Narrow" panose="020B0606020202030204" pitchFamily="34" charset="0"/>
-            </a:endParaRPr>
-          </a:p>
-        </p:txBody>
-      </p:sp>
     </p:spTree>
     <p:extLst>
       <p:ext uri="{BB962C8B-B14F-4D97-AF65-F5344CB8AC3E}">
@@ -2016,16 +2211,53 @@
           <a:chExt cx="0" cy="0"/>
         </a:xfrm>
       </p:grpSpPr>
+      <p:sp>
+        <p:nvSpPr>
+          <p:cNvPr id="40" name="Comments"/>
+          <p:cNvSpPr txBox="1"/>
+          <p:nvPr/>
+        </p:nvSpPr>
+        <p:spPr>
+          <a:xfrm>
+            <a:off x="223802" y="8269783"/>
+            <a:ext cx="6410396" cy="323165"/>
+          </a:xfrm>
+          <a:prstGeom prst="rect">
+            <a:avLst/>
+          </a:prstGeom>
+          <a:noFill/>
+        </p:spPr>
+        <p:txBody>
+          <a:bodyPr wrap="square" rtlCol="0">
+            <a:spAutoFit/>
+          </a:bodyPr>
+          <a:lstStyle/>
+          <a:p>
+            <a:pPr algn="just"/>
+            <a:r>
+              <a:rPr lang="en-US" altLang="ko-KR" sz="1500" dirty="0">
+                <a:latin typeface="Just Another Hand" panose="02000506000000020003" pitchFamily="2" charset="0"/>
+                <a:cs typeface="Arial" panose="020B0604020202020204" pitchFamily="34" charset="0"/>
+              </a:rPr>
+              <a:t>Comment</a:t>
+            </a:r>
+            <a:endParaRPr lang="ko-KR" altLang="en-US" sz="1500" dirty="0">
+              <a:latin typeface="Just Another Hand" panose="02000506000000020003" pitchFamily="2" charset="0"/>
+              <a:cs typeface="Arial" panose="020B0604020202020204" pitchFamily="34" charset="0"/>
+            </a:endParaRPr>
+          </a:p>
+        </p:txBody>
+      </p:sp>
       <p:graphicFrame>
         <p:nvGraphicFramePr>
-          <p:cNvPr id="36" name="Table 35"/>
+          <p:cNvPr id="36" name="Report_Table"/>
           <p:cNvGraphicFramePr>
             <a:graphicFrameLocks noGrp="1"/>
           </p:cNvGraphicFramePr>
           <p:nvPr>
             <p:extLst>
               <p:ext uri="{D42A27DB-BD31-4B8C-83A1-F6EECF244321}">
-                <p14:modId xmlns:p14="http://schemas.microsoft.com/office/powerpoint/2010/main" val="4177497"/>
+                <p14:modId xmlns:p14="http://schemas.microsoft.com/office/powerpoint/2010/main" val="3880522313"/>
               </p:ext>
             </p:extLst>
           </p:nvPr>
@@ -2097,7 +2329,7 @@
                     <a:bodyPr/>
                     <a:lstStyle/>
                     <a:p>
-                      <a:pPr algn="l"/>
+                      <a:pPr algn="ctr"/>
                       <a:r>
                         <a:rPr kumimoji="0" lang="en-US" altLang="ko-KR" sz="1000" b="1" i="0" u="none" strike="noStrike" kern="100" cap="none" spc="0" normalizeH="0" baseline="0" noProof="0" dirty="0">
                           <a:ln>
@@ -3451,7 +3683,7 @@
                     <a:bodyPr/>
                     <a:lstStyle/>
                     <a:p>
-                      <a:pPr marL="0" marR="0" lvl="0" indent="0" algn="l" defTabSz="654557" rtl="0" eaLnBrk="1" fontAlgn="auto" latinLnBrk="0" hangingPunct="1">
+                      <a:pPr marL="0" marR="0" lvl="0" indent="0" algn="ctr" defTabSz="654557" rtl="0" eaLnBrk="1" fontAlgn="auto" latinLnBrk="0" hangingPunct="1">
                         <a:lnSpc>
                           <a:spcPct val="100000"/>
                         </a:lnSpc>
@@ -4713,7 +4945,7 @@
                     <a:bodyPr/>
                     <a:lstStyle/>
                     <a:p>
-                      <a:pPr marL="0" marR="0" indent="0" algn="l" defTabSz="654557" rtl="0" eaLnBrk="1" fontAlgn="auto" latinLnBrk="0" hangingPunct="1">
+                      <a:pPr marL="0" marR="0" indent="0" algn="ctr" defTabSz="654557" rtl="0" eaLnBrk="1" fontAlgn="auto" latinLnBrk="0" hangingPunct="1">
                         <a:lnSpc>
                           <a:spcPct val="100000"/>
                         </a:lnSpc>
@@ -5936,7 +6168,7 @@
                     <a:bodyPr/>
                     <a:lstStyle/>
                     <a:p>
-                      <a:pPr marL="0" marR="0" indent="0" algn="l" defTabSz="654557" rtl="0" eaLnBrk="1" fontAlgn="auto" latinLnBrk="0" hangingPunct="1">
+                      <a:pPr marL="0" marR="0" indent="0" algn="ctr" defTabSz="654557" rtl="0" eaLnBrk="1" fontAlgn="auto" latinLnBrk="0" hangingPunct="1">
                         <a:lnSpc>
                           <a:spcPct val="100000"/>
                         </a:lnSpc>
@@ -7268,7 +7500,7 @@
                     <a:bodyPr/>
                     <a:lstStyle/>
                     <a:p>
-                      <a:pPr marL="0" marR="0" indent="0" algn="l" defTabSz="654557" rtl="0" eaLnBrk="1" fontAlgn="auto" latinLnBrk="0" hangingPunct="1">
+                      <a:pPr marL="0" marR="0" indent="0" algn="ctr" defTabSz="654557" rtl="0" eaLnBrk="1" fontAlgn="auto" latinLnBrk="0" hangingPunct="1">
                         <a:lnSpc>
                           <a:spcPct val="100000"/>
                         </a:lnSpc>
@@ -8545,7 +8777,7 @@
                     <a:bodyPr/>
                     <a:lstStyle/>
                     <a:p>
-                      <a:pPr marL="0" marR="0" lvl="0" indent="0" algn="l" defTabSz="654557" rtl="0" eaLnBrk="1" fontAlgn="auto" latinLnBrk="0" hangingPunct="1">
+                      <a:pPr marL="0" marR="0" lvl="0" indent="0" algn="ctr" defTabSz="654557" rtl="0" eaLnBrk="1" fontAlgn="auto" latinLnBrk="0" hangingPunct="1">
                         <a:lnSpc>
                           <a:spcPct val="100000"/>
                         </a:lnSpc>
@@ -9675,240 +9907,12 @@
           </a:graphicData>
         </a:graphic>
       </p:graphicFrame>
-      <p:sp>
-        <p:nvSpPr>
-          <p:cNvPr id="37" name="TextBox 36"/>
-          <p:cNvSpPr txBox="1"/>
-          <p:nvPr/>
-        </p:nvSpPr>
-        <p:spPr>
-          <a:xfrm>
-            <a:off x="1169195" y="1309881"/>
-            <a:ext cx="1326360" cy="307777"/>
-          </a:xfrm>
-          <a:prstGeom prst="rect">
-            <a:avLst/>
-          </a:prstGeom>
-          <a:noFill/>
-        </p:spPr>
-        <p:txBody>
-          <a:bodyPr wrap="square" rtlCol="0">
-            <a:spAutoFit/>
-          </a:bodyPr>
-          <a:lstStyle/>
-          <a:p>
-            <a:r>
-              <a:rPr lang="en-US" altLang="ko-KR" sz="1400" dirty="0">
-                <a:latin typeface="Arial" panose="020B0604020202020204" pitchFamily="34" charset="0"/>
-                <a:cs typeface="Arial" panose="020B0604020202020204" pitchFamily="34" charset="0"/>
-              </a:rPr>
-              <a:t>x</a:t>
-            </a:r>
-            <a:endParaRPr lang="ko-KR" altLang="en-US" sz="1400" dirty="0">
-              <a:latin typeface="Arial" panose="020B0604020202020204" pitchFamily="34" charset="0"/>
-              <a:cs typeface="Arial" panose="020B0604020202020204" pitchFamily="34" charset="0"/>
-            </a:endParaRPr>
-          </a:p>
-        </p:txBody>
-      </p:sp>
-      <p:sp>
-        <p:nvSpPr>
-          <p:cNvPr id="38" name="TextBox 37"/>
-          <p:cNvSpPr txBox="1"/>
-          <p:nvPr/>
-        </p:nvSpPr>
-        <p:spPr>
-          <a:xfrm>
-            <a:off x="3521862" y="1309881"/>
-            <a:ext cx="1345412" cy="307777"/>
-          </a:xfrm>
-          <a:prstGeom prst="rect">
-            <a:avLst/>
-          </a:prstGeom>
-          <a:noFill/>
-        </p:spPr>
-        <p:txBody>
-          <a:bodyPr wrap="square" rtlCol="0">
-            <a:spAutoFit/>
-          </a:bodyPr>
-          <a:lstStyle/>
-          <a:p>
-            <a:r>
-              <a:rPr lang="en-US" altLang="ko-KR" sz="1400" dirty="0">
-                <a:latin typeface="Arial" panose="020B0604020202020204" pitchFamily="34" charset="0"/>
-                <a:cs typeface="Arial" panose="020B0604020202020204" pitchFamily="34" charset="0"/>
-              </a:rPr>
-              <a:t>x</a:t>
-            </a:r>
-            <a:endParaRPr lang="ko-KR" altLang="en-US" sz="1400" dirty="0">
-              <a:latin typeface="Arial" panose="020B0604020202020204" pitchFamily="34" charset="0"/>
-              <a:cs typeface="Arial" panose="020B0604020202020204" pitchFamily="34" charset="0"/>
-            </a:endParaRPr>
-          </a:p>
-        </p:txBody>
-      </p:sp>
-      <p:sp>
-        <p:nvSpPr>
-          <p:cNvPr id="39" name="TextBox 38"/>
-          <p:cNvSpPr txBox="1"/>
-          <p:nvPr/>
-        </p:nvSpPr>
-        <p:spPr>
-          <a:xfrm>
-            <a:off x="5436428" y="1345377"/>
-            <a:ext cx="729534" cy="461665"/>
-          </a:xfrm>
-          <a:prstGeom prst="rect">
-            <a:avLst/>
-          </a:prstGeom>
-          <a:noFill/>
-        </p:spPr>
-        <p:txBody>
-          <a:bodyPr wrap="square" rtlCol="0">
-            <a:spAutoFit/>
-          </a:bodyPr>
-          <a:lstStyle/>
-          <a:p>
-            <a:pPr algn="ctr"/>
-            <a:r>
-              <a:rPr lang="en-US" altLang="ko-KR" sz="2400" b="1" dirty="0">
-                <a:latin typeface="Arial Black" panose="020B0A04020102020204" pitchFamily="34" charset="0"/>
-              </a:rPr>
-              <a:t>x</a:t>
-            </a:r>
-            <a:endParaRPr lang="ko-KR" altLang="en-US" sz="2400" b="1" dirty="0">
-              <a:latin typeface="Arial Black" panose="020B0A04020102020204" pitchFamily="34" charset="0"/>
-            </a:endParaRPr>
-          </a:p>
-        </p:txBody>
-      </p:sp>
-      <p:sp>
-        <p:nvSpPr>
-          <p:cNvPr id="40" name="TextBox 39"/>
-          <p:cNvSpPr txBox="1"/>
-          <p:nvPr/>
-        </p:nvSpPr>
-        <p:spPr>
-          <a:xfrm>
-            <a:off x="223802" y="8269783"/>
-            <a:ext cx="6410396" cy="276999"/>
-          </a:xfrm>
-          <a:prstGeom prst="rect">
-            <a:avLst/>
-          </a:prstGeom>
-          <a:noFill/>
-        </p:spPr>
-        <p:txBody>
-          <a:bodyPr wrap="square" rtlCol="0">
-            <a:spAutoFit/>
-          </a:bodyPr>
-          <a:lstStyle/>
-          <a:p>
-            <a:pPr algn="just"/>
-            <a:r>
-              <a:rPr lang="en-US" altLang="ko-KR" sz="1200" dirty="0">
-                <a:latin typeface="Arial" panose="020B0604020202020204" pitchFamily="34" charset="0"/>
-                <a:cs typeface="Arial" panose="020B0604020202020204" pitchFamily="34" charset="0"/>
-              </a:rPr>
-              <a:t>x</a:t>
-            </a:r>
-            <a:endParaRPr lang="ko-KR" altLang="en-US" sz="1400" dirty="0">
-              <a:latin typeface="Arial" panose="020B0604020202020204" pitchFamily="34" charset="0"/>
-              <a:cs typeface="Arial" panose="020B0604020202020204" pitchFamily="34" charset="0"/>
-            </a:endParaRPr>
-          </a:p>
-        </p:txBody>
-      </p:sp>
-      <p:sp>
-        <p:nvSpPr>
-          <p:cNvPr id="2" name="TextBox 1">
+      <p:grpSp>
+        <p:nvGrpSpPr>
+          <p:cNvPr id="10" name="Report_Header">
             <a:extLst>
               <a:ext uri="{FF2B5EF4-FFF2-40B4-BE49-F238E27FC236}">
-                <a16:creationId xmlns:a16="http://schemas.microsoft.com/office/drawing/2014/main" id="{4FA47C36-DC8A-6174-EBE2-958DA351B211}"/>
-              </a:ext>
-            </a:extLst>
-          </p:cNvPr>
-          <p:cNvSpPr txBox="1"/>
-          <p:nvPr/>
-        </p:nvSpPr>
-        <p:spPr>
-          <a:xfrm>
-            <a:off x="1221588" y="1687622"/>
-            <a:ext cx="1266346" cy="307777"/>
-          </a:xfrm>
-          <a:prstGeom prst="rect">
-            <a:avLst/>
-          </a:prstGeom>
-          <a:noFill/>
-        </p:spPr>
-        <p:txBody>
-          <a:bodyPr wrap="square" rtlCol="0">
-            <a:spAutoFit/>
-          </a:bodyPr>
-          <a:lstStyle/>
-          <a:p>
-            <a:r>
-              <a:rPr lang="en-US" altLang="ko-KR" sz="1400" dirty="0">
-                <a:latin typeface="Arial" panose="020B0604020202020204" pitchFamily="34" charset="0"/>
-                <a:cs typeface="Arial" panose="020B0604020202020204" pitchFamily="34" charset="0"/>
-              </a:rPr>
-              <a:t>x</a:t>
-            </a:r>
-            <a:endParaRPr lang="ko-KR" altLang="en-US" sz="1400" dirty="0">
-              <a:latin typeface="Arial" panose="020B0604020202020204" pitchFamily="34" charset="0"/>
-              <a:cs typeface="Arial" panose="020B0604020202020204" pitchFamily="34" charset="0"/>
-            </a:endParaRPr>
-          </a:p>
-        </p:txBody>
-      </p:sp>
-      <p:sp>
-        <p:nvSpPr>
-          <p:cNvPr id="3" name="TextBox 2">
-            <a:extLst>
-              <a:ext uri="{FF2B5EF4-FFF2-40B4-BE49-F238E27FC236}">
-                <a16:creationId xmlns:a16="http://schemas.microsoft.com/office/drawing/2014/main" id="{C2FD7549-F519-120D-9DE5-C4E8E69DE57A}"/>
-              </a:ext>
-            </a:extLst>
-          </p:cNvPr>
-          <p:cNvSpPr txBox="1"/>
-          <p:nvPr/>
-        </p:nvSpPr>
-        <p:spPr>
-          <a:xfrm>
-            <a:off x="3645700" y="1687622"/>
-            <a:ext cx="1223545" cy="307777"/>
-          </a:xfrm>
-          <a:prstGeom prst="rect">
-            <a:avLst/>
-          </a:prstGeom>
-          <a:noFill/>
-        </p:spPr>
-        <p:txBody>
-          <a:bodyPr wrap="square" rtlCol="0">
-            <a:spAutoFit/>
-          </a:bodyPr>
-          <a:lstStyle/>
-          <a:p>
-            <a:r>
-              <a:rPr lang="en-US" altLang="ko-KR" sz="1400" dirty="0">
-                <a:latin typeface="Arial" panose="020B0604020202020204" pitchFamily="34" charset="0"/>
-                <a:cs typeface="Arial" panose="020B0604020202020204" pitchFamily="34" charset="0"/>
-              </a:rPr>
-              <a:t>x</a:t>
-            </a:r>
-            <a:endParaRPr lang="ko-KR" altLang="en-US" sz="1400" dirty="0">
-              <a:latin typeface="Arial" panose="020B0604020202020204" pitchFamily="34" charset="0"/>
-              <a:cs typeface="Arial" panose="020B0604020202020204" pitchFamily="34" charset="0"/>
-            </a:endParaRPr>
-          </a:p>
-        </p:txBody>
-      </p:sp>
-      <p:grpSp>
-        <p:nvGrpSpPr>
-          <p:cNvPr id="4" name="Group 3">
-            <a:extLst>
-              <a:ext uri="{FF2B5EF4-FFF2-40B4-BE49-F238E27FC236}">
-                <a16:creationId xmlns:a16="http://schemas.microsoft.com/office/drawing/2014/main" id="{E5D96556-FAFB-6CBB-A6D4-5C26E34EF256}"/>
+                <a16:creationId xmlns:a16="http://schemas.microsoft.com/office/drawing/2014/main" id="{AF78C68F-973E-07EF-16C4-B25B3519B5FA}"/>
               </a:ext>
             </a:extLst>
           </p:cNvPr>
@@ -9917,70 +9921,18 @@
         </p:nvGrpSpPr>
         <p:grpSpPr>
           <a:xfrm>
-            <a:off x="4867275" y="178119"/>
-            <a:ext cx="1648562" cy="318983"/>
-            <a:chOff x="5184776" y="201931"/>
-            <a:chExt cx="1488207" cy="318983"/>
+            <a:off x="1295400" y="183722"/>
+            <a:ext cx="5334051" cy="1811678"/>
+            <a:chOff x="1295400" y="183722"/>
+            <a:chExt cx="5334051" cy="1811678"/>
           </a:xfrm>
         </p:grpSpPr>
         <p:sp>
           <p:nvSpPr>
-            <p:cNvPr id="5" name="Rectangle 4">
+            <p:cNvPr id="11" name="Overall_Grade">
               <a:extLst>
                 <a:ext uri="{FF2B5EF4-FFF2-40B4-BE49-F238E27FC236}">
-                  <a16:creationId xmlns:a16="http://schemas.microsoft.com/office/drawing/2014/main" id="{3A5270B4-4B7C-D0F4-7407-16404675534D}"/>
-                </a:ext>
-              </a:extLst>
-            </p:cNvPr>
-            <p:cNvSpPr/>
-            <p:nvPr/>
-          </p:nvSpPr>
-          <p:spPr>
-            <a:xfrm>
-              <a:off x="5184776" y="201931"/>
-              <a:ext cx="1488207" cy="318983"/>
-            </a:xfrm>
-            <a:prstGeom prst="rect">
-              <a:avLst/>
-            </a:prstGeom>
-            <a:solidFill>
-              <a:schemeClr val="bg1"/>
-            </a:solidFill>
-            <a:ln>
-              <a:noFill/>
-            </a:ln>
-          </p:spPr>
-          <p:style>
-            <a:lnRef idx="2">
-              <a:schemeClr val="accent1">
-                <a:shade val="50000"/>
-              </a:schemeClr>
-            </a:lnRef>
-            <a:fillRef idx="1">
-              <a:schemeClr val="accent1"/>
-            </a:fillRef>
-            <a:effectRef idx="0">
-              <a:schemeClr val="accent1"/>
-            </a:effectRef>
-            <a:fontRef idx="minor">
-              <a:schemeClr val="lt1"/>
-            </a:fontRef>
-          </p:style>
-          <p:txBody>
-            <a:bodyPr rtlCol="0" anchor="ctr"/>
-            <a:lstStyle/>
-            <a:p>
-              <a:pPr algn="ctr"/>
-              <a:endParaRPr lang="ko-KR" altLang="en-US"/>
-            </a:p>
-          </p:txBody>
-        </p:sp>
-        <p:sp>
-          <p:nvSpPr>
-            <p:cNvPr id="6" name="TextBox 5">
-              <a:extLst>
-                <a:ext uri="{FF2B5EF4-FFF2-40B4-BE49-F238E27FC236}">
-                  <a16:creationId xmlns:a16="http://schemas.microsoft.com/office/drawing/2014/main" id="{0EA70C9E-6B44-01DE-3FAD-12D4C491409A}"/>
+                  <a16:creationId xmlns:a16="http://schemas.microsoft.com/office/drawing/2014/main" id="{B41FD8A3-4F90-4F7F-0768-9E91A6581180}"/>
                 </a:ext>
               </a:extLst>
             </p:cNvPr>
@@ -9989,8 +9941,226 @@
           </p:nvSpPr>
           <p:spPr>
             <a:xfrm>
-              <a:off x="5211762" y="207534"/>
-              <a:ext cx="1434234" cy="307777"/>
+              <a:off x="5243513" y="1345377"/>
+              <a:ext cx="1385938" cy="461665"/>
+            </a:xfrm>
+            <a:prstGeom prst="rect">
+              <a:avLst/>
+            </a:prstGeom>
+            <a:noFill/>
+          </p:spPr>
+          <p:txBody>
+            <a:bodyPr wrap="square" rtlCol="0">
+              <a:spAutoFit/>
+            </a:bodyPr>
+            <a:lstStyle/>
+            <a:p>
+              <a:pPr algn="ctr"/>
+              <a:endParaRPr lang="ko-KR" altLang="en-US" sz="2400" b="1" dirty="0">
+                <a:latin typeface="Arial Black" panose="020B0A04020102020204" pitchFamily="34" charset="0"/>
+              </a:endParaRPr>
+            </a:p>
+          </p:txBody>
+        </p:sp>
+        <p:sp>
+          <p:nvSpPr>
+            <p:cNvPr id="12" name="Korean_Teacher">
+              <a:extLst>
+                <a:ext uri="{FF2B5EF4-FFF2-40B4-BE49-F238E27FC236}">
+                  <a16:creationId xmlns:a16="http://schemas.microsoft.com/office/drawing/2014/main" id="{FCB018D6-C08F-20D4-36B4-94B541BCF619}"/>
+                </a:ext>
+              </a:extLst>
+            </p:cNvPr>
+            <p:cNvSpPr txBox="1"/>
+            <p:nvPr/>
+          </p:nvSpPr>
+          <p:spPr>
+            <a:xfrm>
+              <a:off x="4219576" y="1687622"/>
+              <a:ext cx="952500" cy="307777"/>
+            </a:xfrm>
+            <a:prstGeom prst="rect">
+              <a:avLst/>
+            </a:prstGeom>
+            <a:noFill/>
+          </p:spPr>
+          <p:txBody>
+            <a:bodyPr wrap="square" lIns="0" tIns="18288" rIns="18288" bIns="18288" rtlCol="0" anchor="ctr" anchorCtr="0">
+              <a:normAutofit/>
+            </a:bodyPr>
+            <a:lstStyle/>
+            <a:p>
+              <a:endParaRPr lang="ko-KR" altLang="en-US" sz="1400" dirty="0">
+                <a:latin typeface="Arial" panose="020B0604020202020204" pitchFamily="34" charset="0"/>
+                <a:cs typeface="Arial" panose="020B0604020202020204" pitchFamily="34" charset="0"/>
+              </a:endParaRPr>
+            </a:p>
+          </p:txBody>
+        </p:sp>
+        <p:sp>
+          <p:nvSpPr>
+            <p:cNvPr id="13" name="Native_Teacher">
+              <a:extLst>
+                <a:ext uri="{FF2B5EF4-FFF2-40B4-BE49-F238E27FC236}">
+                  <a16:creationId xmlns:a16="http://schemas.microsoft.com/office/drawing/2014/main" id="{5C6FD8AC-D537-49DB-9C11-0A779C51B317}"/>
+                </a:ext>
+              </a:extLst>
+            </p:cNvPr>
+            <p:cNvSpPr txBox="1"/>
+            <p:nvPr/>
+          </p:nvSpPr>
+          <p:spPr>
+            <a:xfrm>
+              <a:off x="1295400" y="1687622"/>
+              <a:ext cx="1690686" cy="307778"/>
+            </a:xfrm>
+            <a:prstGeom prst="rect">
+              <a:avLst/>
+            </a:prstGeom>
+            <a:noFill/>
+          </p:spPr>
+          <p:txBody>
+            <a:bodyPr wrap="square" lIns="0" tIns="18288" rIns="18288" bIns="18288" rtlCol="0" anchor="ctr">
+              <a:normAutofit/>
+            </a:bodyPr>
+            <a:lstStyle/>
+            <a:p>
+              <a:endParaRPr lang="ko-KR" altLang="en-US" sz="1400" dirty="0">
+                <a:latin typeface="Arial" panose="020B0604020202020204" pitchFamily="34" charset="0"/>
+                <a:cs typeface="Arial" panose="020B0604020202020204" pitchFamily="34" charset="0"/>
+              </a:endParaRPr>
+            </a:p>
+          </p:txBody>
+        </p:sp>
+        <p:sp>
+          <p:nvSpPr>
+            <p:cNvPr id="14" name="Korean_Name">
+              <a:extLst>
+                <a:ext uri="{FF2B5EF4-FFF2-40B4-BE49-F238E27FC236}">
+                  <a16:creationId xmlns:a16="http://schemas.microsoft.com/office/drawing/2014/main" id="{9E484B32-4FD0-5E5E-F716-4F4627F45491}"/>
+                </a:ext>
+              </a:extLst>
+            </p:cNvPr>
+            <p:cNvSpPr txBox="1"/>
+            <p:nvPr/>
+          </p:nvSpPr>
+          <p:spPr>
+            <a:xfrm>
+              <a:off x="4219576" y="1309881"/>
+              <a:ext cx="952500" cy="307777"/>
+            </a:xfrm>
+            <a:prstGeom prst="rect">
+              <a:avLst/>
+            </a:prstGeom>
+            <a:noFill/>
+          </p:spPr>
+          <p:txBody>
+            <a:bodyPr wrap="square" lIns="0" tIns="18288" rIns="18288" bIns="18288" rtlCol="0" anchor="ctr" anchorCtr="0">
+              <a:normAutofit/>
+            </a:bodyPr>
+            <a:lstStyle/>
+            <a:p>
+              <a:endParaRPr lang="ko-KR" altLang="en-US" sz="1400" dirty="0">
+                <a:latin typeface="Arial" panose="020B0604020202020204" pitchFamily="34" charset="0"/>
+                <a:cs typeface="Arial" panose="020B0604020202020204" pitchFamily="34" charset="0"/>
+              </a:endParaRPr>
+            </a:p>
+          </p:txBody>
+        </p:sp>
+        <p:sp>
+          <p:nvSpPr>
+            <p:cNvPr id="15" name="English_Name">
+              <a:extLst>
+                <a:ext uri="{FF2B5EF4-FFF2-40B4-BE49-F238E27FC236}">
+                  <a16:creationId xmlns:a16="http://schemas.microsoft.com/office/drawing/2014/main" id="{A8BB4368-1D71-E910-1597-0AB71C1BFD9C}"/>
+                </a:ext>
+              </a:extLst>
+            </p:cNvPr>
+            <p:cNvSpPr txBox="1"/>
+            <p:nvPr/>
+          </p:nvSpPr>
+          <p:spPr>
+            <a:xfrm>
+              <a:off x="1295400" y="1309881"/>
+              <a:ext cx="1690688" cy="307777"/>
+            </a:xfrm>
+            <a:prstGeom prst="rect">
+              <a:avLst/>
+            </a:prstGeom>
+            <a:noFill/>
+          </p:spPr>
+          <p:txBody>
+            <a:bodyPr wrap="square" lIns="0" tIns="18288" rIns="18288" bIns="18288" rtlCol="0" anchor="ctr" anchorCtr="0">
+              <a:normAutofit/>
+            </a:bodyPr>
+            <a:lstStyle/>
+            <a:p>
+              <a:endParaRPr lang="ko-KR" altLang="en-US" sz="1400" dirty="0">
+                <a:latin typeface="Arial" panose="020B0604020202020204" pitchFamily="34" charset="0"/>
+                <a:cs typeface="Arial" panose="020B0604020202020204" pitchFamily="34" charset="0"/>
+              </a:endParaRPr>
+            </a:p>
+          </p:txBody>
+        </p:sp>
+        <p:sp>
+          <p:nvSpPr>
+            <p:cNvPr id="16" name="Grade_Level">
+              <a:extLst>
+                <a:ext uri="{FF2B5EF4-FFF2-40B4-BE49-F238E27FC236}">
+                  <a16:creationId xmlns:a16="http://schemas.microsoft.com/office/drawing/2014/main" id="{2D2A13BC-999A-A688-DD4E-73CE95310090}"/>
+                </a:ext>
+              </a:extLst>
+            </p:cNvPr>
+            <p:cNvSpPr txBox="1"/>
+            <p:nvPr/>
+          </p:nvSpPr>
+          <p:spPr>
+            <a:xfrm>
+              <a:off x="5261983" y="671348"/>
+              <a:ext cx="1224693" cy="307777"/>
+            </a:xfrm>
+            <a:prstGeom prst="rect">
+              <a:avLst/>
+            </a:prstGeom>
+            <a:noFill/>
+          </p:spPr>
+          <p:txBody>
+            <a:bodyPr wrap="square" rtlCol="0">
+              <a:spAutoFit/>
+            </a:bodyPr>
+            <a:lstStyle/>
+            <a:p>
+              <a:pPr algn="r"/>
+              <a:r>
+                <a:rPr lang="en-US" altLang="ko-KR" sz="1400" b="1" dirty="0">
+                  <a:latin typeface="Arial Narrow" panose="020B0606020202030204" pitchFamily="34" charset="0"/>
+                </a:rPr>
+                <a:t>Grade + Level</a:t>
+              </a:r>
+              <a:endParaRPr lang="ko-KR" altLang="en-US" sz="1400" b="1" dirty="0">
+                <a:latin typeface="Arial Narrow" panose="020B0606020202030204" pitchFamily="34" charset="0"/>
+              </a:endParaRPr>
+            </a:p>
+          </p:txBody>
+        </p:sp>
+        <p:sp>
+          <p:nvSpPr>
+            <p:cNvPr id="17" name="Eval_Date">
+              <a:extLst>
+                <a:ext uri="{FF2B5EF4-FFF2-40B4-BE49-F238E27FC236}">
+                  <a16:creationId xmlns:a16="http://schemas.microsoft.com/office/drawing/2014/main" id="{F062C7C1-5D57-DFEB-F837-A91DC5B7BB3D}"/>
+                </a:ext>
+              </a:extLst>
+            </p:cNvPr>
+            <p:cNvSpPr txBox="1">
+              <a:spLocks/>
+            </p:cNvSpPr>
+            <p:nvPr/>
+          </p:nvSpPr>
+          <p:spPr>
+            <a:xfrm>
+              <a:off x="4897169" y="183722"/>
+              <a:ext cx="1588773" cy="307777"/>
             </a:xfrm>
             <a:prstGeom prst="rect">
               <a:avLst/>
@@ -10009,120 +10179,6 @@
                   <a:latin typeface="Arial Narrow" panose="020B0606020202030204" pitchFamily="34" charset="0"/>
                 </a:rPr>
                 <a:t>Month + Year</a:t>
-              </a:r>
-              <a:endParaRPr lang="ko-KR" altLang="en-US" sz="1400" b="1" dirty="0">
-                <a:latin typeface="Arial Narrow" panose="020B0606020202030204" pitchFamily="34" charset="0"/>
-              </a:endParaRPr>
-            </a:p>
-          </p:txBody>
-        </p:sp>
-      </p:grpSp>
-      <p:grpSp>
-        <p:nvGrpSpPr>
-          <p:cNvPr id="7" name="Group 6">
-            <a:extLst>
-              <a:ext uri="{FF2B5EF4-FFF2-40B4-BE49-F238E27FC236}">
-                <a16:creationId xmlns:a16="http://schemas.microsoft.com/office/drawing/2014/main" id="{40BFD6BB-33FF-D2EF-0407-4B6037613CA9}"/>
-              </a:ext>
-            </a:extLst>
-          </p:cNvPr>
-          <p:cNvGrpSpPr/>
-          <p:nvPr/>
-        </p:nvGrpSpPr>
-        <p:grpSpPr>
-          <a:xfrm>
-            <a:off x="5245057" y="665745"/>
-            <a:ext cx="1270780" cy="318983"/>
-            <a:chOff x="5496928" y="574617"/>
-            <a:chExt cx="1176055" cy="318983"/>
-          </a:xfrm>
-        </p:grpSpPr>
-        <p:sp>
-          <p:nvSpPr>
-            <p:cNvPr id="8" name="Rectangle 7">
-              <a:extLst>
-                <a:ext uri="{FF2B5EF4-FFF2-40B4-BE49-F238E27FC236}">
-                  <a16:creationId xmlns:a16="http://schemas.microsoft.com/office/drawing/2014/main" id="{C414828F-5247-0414-A6EC-AB005945445B}"/>
-                </a:ext>
-              </a:extLst>
-            </p:cNvPr>
-            <p:cNvSpPr/>
-            <p:nvPr/>
-          </p:nvSpPr>
-          <p:spPr>
-            <a:xfrm>
-              <a:off x="5496928" y="574617"/>
-              <a:ext cx="1176055" cy="318983"/>
-            </a:xfrm>
-            <a:prstGeom prst="rect">
-              <a:avLst/>
-            </a:prstGeom>
-            <a:solidFill>
-              <a:schemeClr val="bg1"/>
-            </a:solidFill>
-            <a:ln>
-              <a:noFill/>
-            </a:ln>
-          </p:spPr>
-          <p:style>
-            <a:lnRef idx="2">
-              <a:schemeClr val="accent1">
-                <a:shade val="50000"/>
-              </a:schemeClr>
-            </a:lnRef>
-            <a:fillRef idx="1">
-              <a:schemeClr val="accent1"/>
-            </a:fillRef>
-            <a:effectRef idx="0">
-              <a:schemeClr val="accent1"/>
-            </a:effectRef>
-            <a:fontRef idx="minor">
-              <a:schemeClr val="lt1"/>
-            </a:fontRef>
-          </p:style>
-          <p:txBody>
-            <a:bodyPr rtlCol="0" anchor="ctr"/>
-            <a:lstStyle/>
-            <a:p>
-              <a:pPr algn="ctr"/>
-              <a:endParaRPr lang="ko-KR" altLang="en-US"/>
-            </a:p>
-          </p:txBody>
-        </p:sp>
-        <p:sp>
-          <p:nvSpPr>
-            <p:cNvPr id="9" name="TextBox 8">
-              <a:extLst>
-                <a:ext uri="{FF2B5EF4-FFF2-40B4-BE49-F238E27FC236}">
-                  <a16:creationId xmlns:a16="http://schemas.microsoft.com/office/drawing/2014/main" id="{FBCA962E-70E2-5BF0-B4EA-41DEA005228B}"/>
-                </a:ext>
-              </a:extLst>
-            </p:cNvPr>
-            <p:cNvSpPr txBox="1"/>
-            <p:nvPr/>
-          </p:nvSpPr>
-          <p:spPr>
-            <a:xfrm>
-              <a:off x="5512592" y="580220"/>
-              <a:ext cx="1133403" cy="307777"/>
-            </a:xfrm>
-            <a:prstGeom prst="rect">
-              <a:avLst/>
-            </a:prstGeom>
-            <a:noFill/>
-          </p:spPr>
-          <p:txBody>
-            <a:bodyPr wrap="square" rtlCol="0">
-              <a:spAutoFit/>
-            </a:bodyPr>
-            <a:lstStyle/>
-            <a:p>
-              <a:pPr algn="r"/>
-              <a:r>
-                <a:rPr lang="en-US" altLang="ko-KR" sz="1400" b="1" dirty="0">
-                  <a:latin typeface="Arial Narrow" panose="020B0606020202030204" pitchFamily="34" charset="0"/>
-                </a:rPr>
-                <a:t>Grade + Level</a:t>
               </a:r>
               <a:endParaRPr lang="ko-KR" altLang="en-US" sz="1400" b="1" dirty="0">
                 <a:latin typeface="Arial Narrow" panose="020B0606020202030204" pitchFamily="34" charset="0"/>
@@ -10163,14 +10219,14 @@
       </p:grpSpPr>
       <p:sp>
         <p:nvSpPr>
-          <p:cNvPr id="2" name="TextBox 1"/>
+          <p:cNvPr id="2" name="Comments"/>
           <p:cNvSpPr txBox="1"/>
           <p:nvPr/>
         </p:nvSpPr>
         <p:spPr>
           <a:xfrm>
             <a:off x="223802" y="1703883"/>
-            <a:ext cx="6410396" cy="276999"/>
+            <a:ext cx="6410396" cy="323165"/>
           </a:xfrm>
           <a:prstGeom prst="rect">
             <a:avLst/>
@@ -10201,15 +10257,15 @@
               <a:defRPr/>
             </a:pPr>
             <a:r>
-              <a:rPr lang="en-US" altLang="ko-KR" sz="1200" dirty="0">
+              <a:rPr lang="en-US" altLang="ko-KR" sz="1500" dirty="0">
                 <a:solidFill>
                   <a:schemeClr val="tx1"/>
                 </a:solidFill>
-                <a:latin typeface="Arial" panose="020B0604020202020204" pitchFamily="34" charset="0"/>
+                <a:latin typeface="Just Another Hand" panose="02000506000000020003" pitchFamily="2" charset="0"/>
                 <a:ea typeface="A little sunshine" panose="02000603000000000000" pitchFamily="2" charset="0"/>
                 <a:cs typeface="Arial" panose="020B0604020202020204" pitchFamily="34" charset="0"/>
               </a:rPr>
-              <a:t>x</a:t>
+              <a:t>Comment</a:t>
             </a:r>
           </a:p>
         </p:txBody>

--- a/Templates/SpeakingEvaluationTemplate_Advanced-Full.pptx
+++ b/Templates/SpeakingEvaluationTemplate_Advanced-Full.pptx
@@ -130,6 +130,281 @@
 </p:presentation>
 </file>
 
+<file path=ppt/revisionInfo.xml><?xml version="1.0" encoding="utf-8"?>
+<p1510:revInfo xmlns:a="http://schemas.openxmlformats.org/drawingml/2006/main" xmlns:r="http://schemas.openxmlformats.org/officeDocument/2006/relationships" xmlns:p1510="http://schemas.microsoft.com/office/powerpoint/2015/10/main">
+  <p1510:revLst>
+    <p1510:client id="{800B8462-9961-4211-AD83-C50E9356B157}" v="3" dt="2026-02-07T15:11:11.378"/>
+  </p1510:revLst>
+</p1510:revInfo>
+</file>
+
+<file path=ppt/changesInfos/changesInfo1.xml><?xml version="1.0" encoding="utf-8"?>
+<pc:chgInfo xmlns:a="http://schemas.openxmlformats.org/drawingml/2006/main" xmlns:r="http://schemas.openxmlformats.org/officeDocument/2006/relationships" xmlns:ac="http://schemas.microsoft.com/office/drawing/2013/main/command" xmlns:pc="http://schemas.microsoft.com/office/powerpoint/2013/main/command">
+  <pc:docChgLst>
+    <pc:chgData name="Warren Feltmate" userId="06ccb0c333b4239d" providerId="LiveId" clId="{0003C985-05BB-4E6A-864A-E4FED89177B4}"/>
+    <pc:docChg chg="undo custSel modSld modMainMaster">
+      <pc:chgData name="Warren Feltmate" userId="06ccb0c333b4239d" providerId="LiveId" clId="{0003C985-05BB-4E6A-864A-E4FED89177B4}" dt="2026-02-07T15:13:13.150" v="41" actId="6549"/>
+      <pc:docMkLst>
+        <pc:docMk/>
+      </pc:docMkLst>
+      <pc:sldChg chg="modSp mod">
+        <pc:chgData name="Warren Feltmate" userId="06ccb0c333b4239d" providerId="LiveId" clId="{0003C985-05BB-4E6A-864A-E4FED89177B4}" dt="2026-02-07T15:13:13.150" v="41" actId="6549"/>
+        <pc:sldMkLst>
+          <pc:docMk/>
+          <pc:sldMk cId="513366292" sldId="258"/>
+        </pc:sldMkLst>
+        <pc:spChg chg="mod">
+          <ac:chgData name="Warren Feltmate" userId="06ccb0c333b4239d" providerId="LiveId" clId="{0003C985-05BB-4E6A-864A-E4FED89177B4}" dt="2026-02-07T15:13:10.228" v="39" actId="20577"/>
+          <ac:spMkLst>
+            <pc:docMk/>
+            <pc:sldMk cId="513366292" sldId="258"/>
+            <ac:spMk id="16" creationId="{2D2A13BC-999A-A688-DD4E-73CE95310090}"/>
+          </ac:spMkLst>
+        </pc:spChg>
+        <pc:spChg chg="mod">
+          <ac:chgData name="Warren Feltmate" userId="06ccb0c333b4239d" providerId="LiveId" clId="{0003C985-05BB-4E6A-864A-E4FED89177B4}" dt="2026-02-07T15:13:13.150" v="41" actId="6549"/>
+          <ac:spMkLst>
+            <pc:docMk/>
+            <pc:sldMk cId="513366292" sldId="258"/>
+            <ac:spMk id="17" creationId="{F062C7C1-5D57-DFEB-F837-A91DC5B7BB3D}"/>
+          </ac:spMkLst>
+        </pc:spChg>
+        <pc:grpChg chg="mod modVis">
+          <ac:chgData name="Warren Feltmate" userId="06ccb0c333b4239d" providerId="LiveId" clId="{0003C985-05BB-4E6A-864A-E4FED89177B4}" dt="2026-02-07T14:48:25.731" v="5" actId="14429"/>
+          <ac:grpSpMkLst>
+            <pc:docMk/>
+            <pc:sldMk cId="513366292" sldId="258"/>
+            <ac:grpSpMk id="10" creationId="{AF78C68F-973E-07EF-16C4-B25B3519B5FA}"/>
+          </ac:grpSpMkLst>
+        </pc:grpChg>
+        <pc:graphicFrameChg chg="modGraphic">
+          <ac:chgData name="Warren Feltmate" userId="06ccb0c333b4239d" providerId="LiveId" clId="{0003C985-05BB-4E6A-864A-E4FED89177B4}" dt="2026-02-07T15:12:44.503" v="37" actId="2062"/>
+          <ac:graphicFrameMkLst>
+            <pc:docMk/>
+            <pc:sldMk cId="513366292" sldId="258"/>
+            <ac:graphicFrameMk id="36" creationId="{00000000-0000-0000-0000-000000000000}"/>
+          </ac:graphicFrameMkLst>
+        </pc:graphicFrameChg>
+      </pc:sldChg>
+      <pc:sldMasterChg chg="addSp delSp modSp mod modSldLayout">
+        <pc:chgData name="Warren Feltmate" userId="06ccb0c333b4239d" providerId="LiveId" clId="{0003C985-05BB-4E6A-864A-E4FED89177B4}" dt="2026-02-07T15:12:03.218" v="25"/>
+        <pc:sldMasterMkLst>
+          <pc:docMk/>
+          <pc:sldMasterMk cId="2489331390" sldId="2147483660"/>
+        </pc:sldMasterMkLst>
+        <pc:spChg chg="mod">
+          <ac:chgData name="Warren Feltmate" userId="06ccb0c333b4239d" providerId="LiveId" clId="{0003C985-05BB-4E6A-864A-E4FED89177B4}" dt="2026-02-07T15:12:03.218" v="25"/>
+          <ac:spMkLst>
+            <pc:docMk/>
+            <pc:sldMasterMk cId="2489331390" sldId="2147483660"/>
+            <ac:spMk id="3" creationId="{83F7463C-C048-A3A5-A4FD-528D37C8B2C7}"/>
+          </ac:spMkLst>
+        </pc:spChg>
+        <pc:spChg chg="mod">
+          <ac:chgData name="Warren Feltmate" userId="06ccb0c333b4239d" providerId="LiveId" clId="{0003C985-05BB-4E6A-864A-E4FED89177B4}" dt="2026-02-07T15:12:03.218" v="25"/>
+          <ac:spMkLst>
+            <pc:docMk/>
+            <pc:sldMasterMk cId="2489331390" sldId="2147483660"/>
+            <ac:spMk id="5" creationId="{6A9DFC88-6674-522E-8786-40CAFB403B10}"/>
+          </ac:spMkLst>
+        </pc:spChg>
+        <pc:spChg chg="mod">
+          <ac:chgData name="Warren Feltmate" userId="06ccb0c333b4239d" providerId="LiveId" clId="{0003C985-05BB-4E6A-864A-E4FED89177B4}" dt="2026-02-07T15:12:03.218" v="25"/>
+          <ac:spMkLst>
+            <pc:docMk/>
+            <pc:sldMasterMk cId="2489331390" sldId="2147483660"/>
+            <ac:spMk id="6" creationId="{CED87104-3492-8E83-86F1-FDCBAC9E2B45}"/>
+          </ac:spMkLst>
+        </pc:spChg>
+        <pc:spChg chg="del mod">
+          <ac:chgData name="Warren Feltmate" userId="06ccb0c333b4239d" providerId="LiveId" clId="{0003C985-05BB-4E6A-864A-E4FED89177B4}" dt="2026-02-07T15:10:35.824" v="8" actId="478"/>
+          <ac:spMkLst>
+            <pc:docMk/>
+            <pc:sldMasterMk cId="2489331390" sldId="2147483660"/>
+            <ac:spMk id="7" creationId="{B18080CB-666D-0CFE-34E7-326A94BAF248}"/>
+          </ac:spMkLst>
+        </pc:spChg>
+        <pc:spChg chg="del mod">
+          <ac:chgData name="Warren Feltmate" userId="06ccb0c333b4239d" providerId="LiveId" clId="{0003C985-05BB-4E6A-864A-E4FED89177B4}" dt="2026-02-07T15:10:34.497" v="7" actId="478"/>
+          <ac:spMkLst>
+            <pc:docMk/>
+            <pc:sldMasterMk cId="2489331390" sldId="2147483660"/>
+            <ac:spMk id="8" creationId="{167AB9CA-FC9C-33AC-355A-DB76EB8AEA54}"/>
+          </ac:spMkLst>
+        </pc:spChg>
+        <pc:grpChg chg="add mod">
+          <ac:chgData name="Warren Feltmate" userId="06ccb0c333b4239d" providerId="LiveId" clId="{0003C985-05BB-4E6A-864A-E4FED89177B4}" dt="2026-02-07T15:12:03.218" v="25"/>
+          <ac:grpSpMkLst>
+            <pc:docMk/>
+            <pc:sldMasterMk cId="2489331390" sldId="2147483660"/>
+            <ac:grpSpMk id="2" creationId="{651285F7-BE09-D814-8A49-482B7C152DE1}"/>
+          </ac:grpSpMkLst>
+        </pc:grpChg>
+        <pc:picChg chg="mod">
+          <ac:chgData name="Warren Feltmate" userId="06ccb0c333b4239d" providerId="LiveId" clId="{0003C985-05BB-4E6A-864A-E4FED89177B4}" dt="2026-02-07T15:12:03.218" v="25"/>
+          <ac:picMkLst>
+            <pc:docMk/>
+            <pc:sldMasterMk cId="2489331390" sldId="2147483660"/>
+            <ac:picMk id="4" creationId="{20A19BA7-F7B0-689D-3F8A-121BC02C4287}"/>
+          </ac:picMkLst>
+        </pc:picChg>
+        <pc:sldLayoutChg chg="delSp modSp mod">
+          <pc:chgData name="Warren Feltmate" userId="06ccb0c333b4239d" providerId="LiveId" clId="{0003C985-05BB-4E6A-864A-E4FED89177B4}" dt="2026-02-07T15:11:44.777" v="23" actId="13244"/>
+          <pc:sldLayoutMkLst>
+            <pc:docMk/>
+            <pc:sldMasterMk cId="2489331390" sldId="2147483660"/>
+            <pc:sldLayoutMk cId="3264731965" sldId="2147483668"/>
+          </pc:sldLayoutMkLst>
+          <pc:spChg chg="del">
+            <ac:chgData name="Warren Feltmate" userId="06ccb0c333b4239d" providerId="LiveId" clId="{0003C985-05BB-4E6A-864A-E4FED89177B4}" dt="2026-02-07T15:10:59.667" v="17" actId="478"/>
+            <ac:spMkLst>
+              <pc:docMk/>
+              <pc:sldMasterMk cId="2489331390" sldId="2147483660"/>
+              <pc:sldLayoutMk cId="3264731965" sldId="2147483668"/>
+              <ac:spMk id="2" creationId="{517982AA-60B2-451C-4B16-BF57F9677C83}"/>
+            </ac:spMkLst>
+          </pc:spChg>
+          <pc:spChg chg="del">
+            <ac:chgData name="Warren Feltmate" userId="06ccb0c333b4239d" providerId="LiveId" clId="{0003C985-05BB-4E6A-864A-E4FED89177B4}" dt="2026-02-07T15:10:57.659" v="15" actId="478"/>
+            <ac:spMkLst>
+              <pc:docMk/>
+              <pc:sldMasterMk cId="2489331390" sldId="2147483660"/>
+              <pc:sldLayoutMk cId="3264731965" sldId="2147483668"/>
+              <ac:spMk id="4" creationId="{A9745524-4366-7A39-3117-878A2CE42B31}"/>
+            </ac:spMkLst>
+          </pc:spChg>
+          <pc:spChg chg="del">
+            <ac:chgData name="Warren Feltmate" userId="06ccb0c333b4239d" providerId="LiveId" clId="{0003C985-05BB-4E6A-864A-E4FED89177B4}" dt="2026-02-07T15:10:56.408" v="14" actId="478"/>
+            <ac:spMkLst>
+              <pc:docMk/>
+              <pc:sldMasterMk cId="2489331390" sldId="2147483660"/>
+              <pc:sldLayoutMk cId="3264731965" sldId="2147483668"/>
+              <ac:spMk id="5" creationId="{87B7D39C-F9E5-F357-3F9F-8212AC200821}"/>
+            </ac:spMkLst>
+          </pc:spChg>
+          <pc:grpChg chg="ord">
+            <ac:chgData name="Warren Feltmate" userId="06ccb0c333b4239d" providerId="LiveId" clId="{0003C985-05BB-4E6A-864A-E4FED89177B4}" dt="2026-02-07T15:11:38.628" v="21" actId="13244"/>
+            <ac:grpSpMkLst>
+              <pc:docMk/>
+              <pc:sldMasterMk cId="2489331390" sldId="2147483660"/>
+              <pc:sldLayoutMk cId="3264731965" sldId="2147483668"/>
+              <ac:grpSpMk id="6" creationId="{90C35B8F-A8A4-8ABB-FE31-CDFBC966B437}"/>
+            </ac:grpSpMkLst>
+          </pc:grpChg>
+          <pc:grpChg chg="ord">
+            <ac:chgData name="Warren Feltmate" userId="06ccb0c333b4239d" providerId="LiveId" clId="{0003C985-05BB-4E6A-864A-E4FED89177B4}" dt="2026-02-07T15:11:42.163" v="22" actId="13244"/>
+            <ac:grpSpMkLst>
+              <pc:docMk/>
+              <pc:sldMasterMk cId="2489331390" sldId="2147483660"/>
+              <pc:sldLayoutMk cId="3264731965" sldId="2147483668"/>
+              <ac:grpSpMk id="9" creationId="{4E17706F-EF70-E046-E349-F0C97F3A7344}"/>
+            </ac:grpSpMkLst>
+          </pc:grpChg>
+          <pc:grpChg chg="ord">
+            <ac:chgData name="Warren Feltmate" userId="06ccb0c333b4239d" providerId="LiveId" clId="{0003C985-05BB-4E6A-864A-E4FED89177B4}" dt="2026-02-07T15:11:44.777" v="23" actId="13244"/>
+            <ac:grpSpMkLst>
+              <pc:docMk/>
+              <pc:sldMasterMk cId="2489331390" sldId="2147483660"/>
+              <pc:sldLayoutMk cId="3264731965" sldId="2147483668"/>
+              <ac:grpSpMk id="15" creationId="{AD43325E-F756-5F88-BA8B-43A2DD9FACB8}"/>
+            </ac:grpSpMkLst>
+          </pc:grpChg>
+          <pc:grpChg chg="ord">
+            <ac:chgData name="Warren Feltmate" userId="06ccb0c333b4239d" providerId="LiveId" clId="{0003C985-05BB-4E6A-864A-E4FED89177B4}" dt="2026-02-07T15:11:32.221" v="19" actId="13244"/>
+            <ac:grpSpMkLst>
+              <pc:docMk/>
+              <pc:sldMasterMk cId="2489331390" sldId="2147483660"/>
+              <pc:sldLayoutMk cId="3264731965" sldId="2147483668"/>
+              <ac:grpSpMk id="20" creationId="{96EED462-4ACF-CCEB-4633-84F08650E5CD}"/>
+            </ac:grpSpMkLst>
+          </pc:grpChg>
+          <pc:grpChg chg="ord">
+            <ac:chgData name="Warren Feltmate" userId="06ccb0c333b4239d" providerId="LiveId" clId="{0003C985-05BB-4E6A-864A-E4FED89177B4}" dt="2026-02-07T15:11:34.591" v="20" actId="13244"/>
+            <ac:grpSpMkLst>
+              <pc:docMk/>
+              <pc:sldMasterMk cId="2489331390" sldId="2147483660"/>
+              <pc:sldLayoutMk cId="3264731965" sldId="2147483668"/>
+              <ac:grpSpMk id="24" creationId="{3B0C9DDE-3285-0F74-1E0F-6F998745118D}"/>
+            </ac:grpSpMkLst>
+          </pc:grpChg>
+          <pc:graphicFrameChg chg="mod">
+            <ac:chgData name="Warren Feltmate" userId="06ccb0c333b4239d" providerId="LiveId" clId="{0003C985-05BB-4E6A-864A-E4FED89177B4}" dt="2026-02-07T15:11:11.378" v="18" actId="962"/>
+            <ac:graphicFrameMkLst>
+              <pc:docMk/>
+              <pc:sldMasterMk cId="2489331390" sldId="2147483660"/>
+              <pc:sldLayoutMk cId="3264731965" sldId="2147483668"/>
+              <ac:graphicFrameMk id="32" creationId="{00000000-0000-0000-0000-000000000000}"/>
+            </ac:graphicFrameMkLst>
+          </pc:graphicFrameChg>
+          <pc:picChg chg="del">
+            <ac:chgData name="Warren Feltmate" userId="06ccb0c333b4239d" providerId="LiveId" clId="{0003C985-05BB-4E6A-864A-E4FED89177B4}" dt="2026-02-07T15:10:58.625" v="16" actId="478"/>
+            <ac:picMkLst>
+              <pc:docMk/>
+              <pc:sldMasterMk cId="2489331390" sldId="2147483660"/>
+              <pc:sldLayoutMk cId="3264731965" sldId="2147483668"/>
+              <ac:picMk id="3" creationId="{8B9392A0-D4F3-24E1-94A9-C59956748DEA}"/>
+            </ac:picMkLst>
+          </pc:picChg>
+        </pc:sldLayoutChg>
+        <pc:sldLayoutChg chg="delSp modSp mod">
+          <pc:chgData name="Warren Feltmate" userId="06ccb0c333b4239d" providerId="LiveId" clId="{0003C985-05BB-4E6A-864A-E4FED89177B4}" dt="2026-02-07T15:11:52.642" v="24"/>
+          <pc:sldLayoutMkLst>
+            <pc:docMk/>
+            <pc:sldMasterMk cId="2489331390" sldId="2147483660"/>
+            <pc:sldLayoutMk cId="839754367" sldId="2147483670"/>
+          </pc:sldLayoutMkLst>
+          <pc:spChg chg="del">
+            <ac:chgData name="Warren Feltmate" userId="06ccb0c333b4239d" providerId="LiveId" clId="{0003C985-05BB-4E6A-864A-E4FED89177B4}" dt="2026-02-07T15:10:40.237" v="9" actId="478"/>
+            <ac:spMkLst>
+              <pc:docMk/>
+              <pc:sldMasterMk cId="2489331390" sldId="2147483660"/>
+              <pc:sldLayoutMk cId="839754367" sldId="2147483670"/>
+              <ac:spMk id="4" creationId="{00000000-0000-0000-0000-000000000000}"/>
+            </ac:spMkLst>
+          </pc:spChg>
+          <pc:spChg chg="del">
+            <ac:chgData name="Warren Feltmate" userId="06ccb0c333b4239d" providerId="LiveId" clId="{0003C985-05BB-4E6A-864A-E4FED89177B4}" dt="2026-02-07T15:10:42.650" v="11" actId="478"/>
+            <ac:spMkLst>
+              <pc:docMk/>
+              <pc:sldMasterMk cId="2489331390" sldId="2147483660"/>
+              <pc:sldLayoutMk cId="839754367" sldId="2147483670"/>
+              <ac:spMk id="6" creationId="{00000000-0000-0000-0000-000000000000}"/>
+            </ac:spMkLst>
+          </pc:spChg>
+          <pc:spChg chg="del">
+            <ac:chgData name="Warren Feltmate" userId="06ccb0c333b4239d" providerId="LiveId" clId="{0003C985-05BB-4E6A-864A-E4FED89177B4}" dt="2026-02-07T15:10:43.662" v="12" actId="478"/>
+            <ac:spMkLst>
+              <pc:docMk/>
+              <pc:sldMasterMk cId="2489331390" sldId="2147483660"/>
+              <pc:sldLayoutMk cId="839754367" sldId="2147483670"/>
+              <ac:spMk id="7" creationId="{00000000-0000-0000-0000-000000000000}"/>
+            </ac:spMkLst>
+          </pc:spChg>
+          <pc:graphicFrameChg chg="mod">
+            <ac:chgData name="Warren Feltmate" userId="06ccb0c333b4239d" providerId="LiveId" clId="{0003C985-05BB-4E6A-864A-E4FED89177B4}" dt="2026-02-07T15:11:52.642" v="24"/>
+            <ac:graphicFrameMkLst>
+              <pc:docMk/>
+              <pc:sldMasterMk cId="2489331390" sldId="2147483660"/>
+              <pc:sldLayoutMk cId="839754367" sldId="2147483670"/>
+              <ac:graphicFrameMk id="2" creationId="{00000000-0000-0000-0000-000000000000}"/>
+            </ac:graphicFrameMkLst>
+          </pc:graphicFrameChg>
+          <pc:picChg chg="del">
+            <ac:chgData name="Warren Feltmate" userId="06ccb0c333b4239d" providerId="LiveId" clId="{0003C985-05BB-4E6A-864A-E4FED89177B4}" dt="2026-02-07T15:10:41.467" v="10" actId="478"/>
+            <ac:picMkLst>
+              <pc:docMk/>
+              <pc:sldMasterMk cId="2489331390" sldId="2147483660"/>
+              <pc:sldLayoutMk cId="839754367" sldId="2147483670"/>
+              <ac:picMk id="5" creationId="{00000000-0000-0000-0000-000000000000}"/>
+            </ac:picMkLst>
+          </pc:picChg>
+        </pc:sldLayoutChg>
+      </pc:sldMasterChg>
+    </pc:docChg>
+  </pc:docChgLst>
+</pc:chgInfo>
+</file>
+
 <file path=ppt/slideLayouts/slideLayout1.xml><?xml version="1.0" encoding="utf-8"?>
 <p:sldLayout xmlns:a="http://schemas.openxmlformats.org/drawingml/2006/main" xmlns:r="http://schemas.openxmlformats.org/officeDocument/2006/relationships" xmlns:p="http://schemas.openxmlformats.org/presentationml/2006/main" preserve="1" userDrawn="1">
   <p:cSld name="Speaking Evaluation">
@@ -149,14 +424,14 @@
       </p:grpSpPr>
       <p:graphicFrame>
         <p:nvGraphicFramePr>
-          <p:cNvPr id="32" name="Comment Box"/>
+          <p:cNvPr id="32" name="Comments Box"/>
           <p:cNvGraphicFramePr>
             <a:graphicFrameLocks noGrp="1" noDrilldown="1" noMove="1" noResize="1"/>
           </p:cNvGraphicFramePr>
           <p:nvPr userDrawn="1">
             <p:extLst>
               <p:ext uri="{D42A27DB-BD31-4B8C-83A1-F6EECF244321}">
-                <p14:modId xmlns:p14="http://schemas.microsoft.com/office/powerpoint/2010/main" val="3461805955"/>
+                <p14:modId xmlns:p14="http://schemas.microsoft.com/office/powerpoint/2010/main" val="3887630541"/>
               </p:ext>
             </p:extLst>
           </p:nvPr>
@@ -417,10 +692,10 @@
       </p:sp>
       <p:grpSp>
         <p:nvGrpSpPr>
-          <p:cNvPr id="24" name="Report Header">
+          <p:cNvPr id="20" name="Overall_Grade">
             <a:extLst>
               <a:ext uri="{FF2B5EF4-FFF2-40B4-BE49-F238E27FC236}">
-                <a16:creationId xmlns:a16="http://schemas.microsoft.com/office/drawing/2014/main" id="{3B0C9DDE-3285-0F74-1E0F-6F998745118D}"/>
+                <a16:creationId xmlns:a16="http://schemas.microsoft.com/office/drawing/2014/main" id="{96EED462-4ACF-CCEB-4633-84F08650E5CD}"/>
               </a:ext>
             </a:extLst>
           </p:cNvPr>
@@ -431,30 +706,30 @@
         </p:nvGrpSpPr>
         <p:grpSpPr>
           <a:xfrm>
-            <a:off x="0" y="0"/>
-            <a:ext cx="6858001" cy="1196340"/>
-            <a:chOff x="0" y="0"/>
-            <a:chExt cx="6858001" cy="1196340"/>
+            <a:off x="5245055" y="1298675"/>
+            <a:ext cx="1384398" cy="696724"/>
+            <a:chOff x="5245055" y="1298675"/>
+            <a:chExt cx="1384398" cy="696724"/>
           </a:xfrm>
         </p:grpSpPr>
         <p:sp>
           <p:nvSpPr>
-            <p:cNvPr id="2" name="DYB Logo Background">
+            <p:cNvPr id="21" name="Background">
               <a:extLst>
                 <a:ext uri="{FF2B5EF4-FFF2-40B4-BE49-F238E27FC236}">
-                  <a16:creationId xmlns:a16="http://schemas.microsoft.com/office/drawing/2014/main" id="{517982AA-60B2-451C-4B16-BF57F9677C83}"/>
+                  <a16:creationId xmlns:a16="http://schemas.microsoft.com/office/drawing/2014/main" id="{89350671-E684-4118-8B84-D6CF9F93EAE3}"/>
                 </a:ext>
               </a:extLst>
             </p:cNvPr>
             <p:cNvSpPr>
               <a:spLocks noGrp="1" noRot="1" noMove="1" noResize="1" noEditPoints="1" noAdjustHandles="1" noChangeArrowheads="1" noChangeShapeType="1"/>
             </p:cNvSpPr>
-            <p:nvPr userDrawn="1"/>
+            <p:nvPr/>
           </p:nvSpPr>
           <p:spPr>
             <a:xfrm>
-              <a:off x="0" y="0"/>
-              <a:ext cx="1276350" cy="1196340"/>
+              <a:off x="5245056" y="1298675"/>
+              <a:ext cx="1384397" cy="696724"/>
             </a:xfrm>
             <a:prstGeom prst="rect">
               <a:avLst/>
@@ -491,66 +766,102 @@
             </a:p>
           </p:txBody>
         </p:sp>
-        <p:pic>
-          <p:nvPicPr>
-            <p:cNvPr id="3" name="DYB Logo">
+        <p:sp>
+          <p:nvSpPr>
+            <p:cNvPr id="22" name="Label">
               <a:extLst>
                 <a:ext uri="{FF2B5EF4-FFF2-40B4-BE49-F238E27FC236}">
-                  <a16:creationId xmlns:a16="http://schemas.microsoft.com/office/drawing/2014/main" id="{8B9392A0-D4F3-24E1-94A9-C59956748DEA}"/>
+                  <a16:creationId xmlns:a16="http://schemas.microsoft.com/office/drawing/2014/main" id="{E81025A5-3FA5-DD11-D382-851C61539A42}"/>
                 </a:ext>
               </a:extLst>
             </p:cNvPr>
-            <p:cNvPicPr>
-              <a:picLocks noGrp="1" noRot="1" noChangeAspect="1" noMove="1" noResize="1" noEditPoints="1" noAdjustHandles="1" noChangeArrowheads="1" noChangeShapeType="1" noCrop="1"/>
-            </p:cNvPicPr>
-            <p:nvPr userDrawn="1"/>
-          </p:nvPicPr>
-          <p:blipFill>
-            <a:blip r:embed="rId2" cstate="print">
-              <a:extLst>
-                <a:ext uri="{28A0092B-C50C-407E-A947-70E740481C1C}">
-                  <a14:useLocalDpi xmlns:a14="http://schemas.microsoft.com/office/drawing/2010/main" val="0"/>
-                </a:ext>
-              </a:extLst>
-            </a:blip>
-            <a:stretch>
-              <a:fillRect/>
-            </a:stretch>
-          </p:blipFill>
+            <p:cNvSpPr txBox="1">
+              <a:spLocks noGrp="1" noRot="1" noMove="1" noResize="1" noEditPoints="1" noAdjustHandles="1" noChangeArrowheads="1" noChangeShapeType="1"/>
+            </p:cNvSpPr>
+            <p:nvPr/>
+          </p:nvSpPr>
           <p:spPr>
             <a:xfrm>
-              <a:off x="109480" y="206490"/>
-              <a:ext cx="966369" cy="791971"/>
+              <a:off x="5245055" y="1718400"/>
+              <a:ext cx="1383443" cy="276999"/>
             </a:xfrm>
             <a:prstGeom prst="rect">
               <a:avLst/>
             </a:prstGeom>
+            <a:noFill/>
           </p:spPr>
-        </p:pic>
+          <p:txBody>
+            <a:bodyPr wrap="square" rtlCol="0">
+              <a:spAutoFit/>
+            </a:bodyPr>
+            <a:lstStyle/>
+            <a:p>
+              <a:pPr algn="ctr"/>
+              <a:r>
+                <a:rPr lang="en-US" altLang="ko-KR" sz="1200" b="1" dirty="0">
+                  <a:solidFill>
+                    <a:srgbClr val="B11116"/>
+                  </a:solidFill>
+                  <a:latin typeface="Arial Narrow" panose="020B0606020202030204" pitchFamily="34" charset="0"/>
+                </a:rPr>
+                <a:t>OVERALL GRADE</a:t>
+              </a:r>
+              <a:endParaRPr lang="ko-KR" altLang="en-US" sz="1200" b="1" dirty="0">
+                <a:solidFill>
+                  <a:srgbClr val="B11116"/>
+                </a:solidFill>
+                <a:latin typeface="Arial Narrow" panose="020B0606020202030204" pitchFamily="34" charset="0"/>
+              </a:endParaRPr>
+            </a:p>
+          </p:txBody>
+        </p:sp>
+      </p:grpSp>
+      <p:grpSp>
+        <p:nvGrpSpPr>
+          <p:cNvPr id="15" name="Korean Teacher">
+            <a:extLst>
+              <a:ext uri="{FF2B5EF4-FFF2-40B4-BE49-F238E27FC236}">
+                <a16:creationId xmlns:a16="http://schemas.microsoft.com/office/drawing/2014/main" id="{AD43325E-F756-5F88-BA8B-43A2DD9FACB8}"/>
+              </a:ext>
+            </a:extLst>
+          </p:cNvPr>
+          <p:cNvGrpSpPr>
+            <a:grpSpLocks noGrp="1" noUngrp="1" noRot="1" noMove="1" noResize="1"/>
+          </p:cNvGrpSpPr>
+          <p:nvPr userDrawn="1"/>
+        </p:nvGrpSpPr>
+        <p:grpSpPr>
+          <a:xfrm>
+            <a:off x="3058420" y="1682019"/>
+            <a:ext cx="2113653" cy="318983"/>
+            <a:chOff x="2746512" y="1682019"/>
+            <a:chExt cx="2120761" cy="318983"/>
+          </a:xfrm>
+        </p:grpSpPr>
         <p:sp>
           <p:nvSpPr>
-            <p:cNvPr id="4" name="Report Header Background">
+            <p:cNvPr id="16" name="Background">
               <a:extLst>
                 <a:ext uri="{FF2B5EF4-FFF2-40B4-BE49-F238E27FC236}">
-                  <a16:creationId xmlns:a16="http://schemas.microsoft.com/office/drawing/2014/main" id="{A9745524-4366-7A39-3117-878A2CE42B31}"/>
+                  <a16:creationId xmlns:a16="http://schemas.microsoft.com/office/drawing/2014/main" id="{AB546B3D-8343-D972-5B79-ABE3A88128BF}"/>
                 </a:ext>
               </a:extLst>
             </p:cNvPr>
             <p:cNvSpPr>
               <a:spLocks noGrp="1" noRot="1" noMove="1" noResize="1" noEditPoints="1" noAdjustHandles="1" noChangeArrowheads="1" noChangeShapeType="1"/>
             </p:cNvSpPr>
-            <p:nvPr userDrawn="1"/>
+            <p:nvPr/>
           </p:nvSpPr>
           <p:spPr>
             <a:xfrm>
-              <a:off x="1276350" y="1"/>
-              <a:ext cx="5581651" cy="1195833"/>
+              <a:off x="2746512" y="1682019"/>
+              <a:ext cx="2120761" cy="318983"/>
             </a:xfrm>
             <a:prstGeom prst="rect">
               <a:avLst/>
             </a:prstGeom>
             <a:solidFill>
-              <a:srgbClr val="B11116"/>
+              <a:srgbClr val="E5E5E7"/>
             </a:solidFill>
             <a:ln>
               <a:noFill/>
@@ -583,22 +894,22 @@
         </p:sp>
         <p:sp>
           <p:nvSpPr>
-            <p:cNvPr id="5" name="Report Header Text">
+            <p:cNvPr id="17" name="Label">
               <a:extLst>
                 <a:ext uri="{FF2B5EF4-FFF2-40B4-BE49-F238E27FC236}">
-                  <a16:creationId xmlns:a16="http://schemas.microsoft.com/office/drawing/2014/main" id="{87B7D39C-F9E5-F357-3F9F-8212AC200821}"/>
+                  <a16:creationId xmlns:a16="http://schemas.microsoft.com/office/drawing/2014/main" id="{4671CC89-A775-F458-DE6C-D1BEDC4D75B0}"/>
                 </a:ext>
               </a:extLst>
             </p:cNvPr>
             <p:cNvSpPr txBox="1">
               <a:spLocks noGrp="1" noRot="1" noMove="1" noResize="1" noEditPoints="1" noAdjustHandles="1" noChangeArrowheads="1" noChangeShapeType="1"/>
             </p:cNvSpPr>
-            <p:nvPr userDrawn="1"/>
+            <p:nvPr/>
           </p:nvSpPr>
           <p:spPr>
             <a:xfrm>
-              <a:off x="1503636" y="59307"/>
-              <a:ext cx="3163138" cy="1077218"/>
+              <a:off x="2746513" y="1703011"/>
+              <a:ext cx="1161211" cy="276999"/>
             </a:xfrm>
             <a:prstGeom prst="rect">
               <a:avLst/>
@@ -612,149 +923,30 @@
             <a:lstStyle/>
             <a:p>
               <a:r>
-                <a:rPr lang="en-US" altLang="ko-KR" sz="3200" b="1" dirty="0">
+                <a:rPr lang="en-US" altLang="ko-KR" sz="1200" b="1" dirty="0">
                   <a:solidFill>
-                    <a:schemeClr val="bg1"/>
+                    <a:srgbClr val="B11116"/>
                   </a:solidFill>
-                  <a:latin typeface="Arial Black" panose="020B0A04020102020204" pitchFamily="34" charset="0"/>
+                  <a:latin typeface="Arial Narrow" panose="020B0606020202030204" pitchFamily="34" charset="0"/>
                 </a:rPr>
-                <a:t>SPEAKING</a:t>
+                <a:t>Korean Teacher:</a:t>
               </a:r>
-            </a:p>
-            <a:p>
-              <a:r>
-                <a:rPr lang="en-US" altLang="ko-KR" sz="3200" b="1" dirty="0">
-                  <a:solidFill>
-                    <a:schemeClr val="bg1"/>
-                  </a:solidFill>
-                  <a:latin typeface="Arial Black" panose="020B0A04020102020204" pitchFamily="34" charset="0"/>
-                </a:rPr>
-                <a:t>EVALUATION</a:t>
-              </a:r>
-              <a:endParaRPr lang="ko-KR" altLang="en-US" sz="3200" b="1" dirty="0">
+              <a:endParaRPr lang="ko-KR" altLang="en-US" sz="1200" b="1" dirty="0">
                 <a:solidFill>
-                  <a:schemeClr val="bg1"/>
+                  <a:srgbClr val="B11116"/>
                 </a:solidFill>
-                <a:latin typeface="Arial Black" panose="020B0A04020102020204" pitchFamily="34" charset="0"/>
+                <a:latin typeface="Arial Narrow" panose="020B0606020202030204" pitchFamily="34" charset="0"/>
               </a:endParaRPr>
-            </a:p>
-          </p:txBody>
-        </p:sp>
-        <p:sp>
-          <p:nvSpPr>
-            <p:cNvPr id="18" name="Eval Date Background">
-              <a:extLst>
-                <a:ext uri="{FF2B5EF4-FFF2-40B4-BE49-F238E27FC236}">
-                  <a16:creationId xmlns:a16="http://schemas.microsoft.com/office/drawing/2014/main" id="{78252F05-685D-FD6D-8DF0-F3C63E4CD267}"/>
-                </a:ext>
-              </a:extLst>
-            </p:cNvPr>
-            <p:cNvSpPr>
-              <a:spLocks noGrp="1" noRot="1" noMove="1" noResize="1" noEditPoints="1" noAdjustHandles="1" noChangeArrowheads="1" noChangeShapeType="1"/>
-            </p:cNvSpPr>
-            <p:nvPr userDrawn="1"/>
-          </p:nvSpPr>
-          <p:spPr>
-            <a:xfrm>
-              <a:off x="4867275" y="178119"/>
-              <a:ext cx="1648562" cy="318983"/>
-            </a:xfrm>
-            <a:prstGeom prst="rect">
-              <a:avLst/>
-            </a:prstGeom>
-            <a:solidFill>
-              <a:schemeClr val="bg1"/>
-            </a:solidFill>
-            <a:ln>
-              <a:noFill/>
-            </a:ln>
-          </p:spPr>
-          <p:style>
-            <a:lnRef idx="2">
-              <a:schemeClr val="accent1">
-                <a:shade val="50000"/>
-              </a:schemeClr>
-            </a:lnRef>
-            <a:fillRef idx="1">
-              <a:schemeClr val="accent1"/>
-            </a:fillRef>
-            <a:effectRef idx="0">
-              <a:schemeClr val="accent1"/>
-            </a:effectRef>
-            <a:fontRef idx="minor">
-              <a:schemeClr val="lt1"/>
-            </a:fontRef>
-          </p:style>
-          <p:txBody>
-            <a:bodyPr rtlCol="0" anchor="ctr"/>
-            <a:lstStyle/>
-            <a:p>
-              <a:pPr algn="ctr"/>
-              <a:endParaRPr lang="ko-KR" altLang="en-US"/>
-            </a:p>
-          </p:txBody>
-        </p:sp>
-        <p:sp>
-          <p:nvSpPr>
-            <p:cNvPr id="19" name="Grade-Level Background">
-              <a:extLst>
-                <a:ext uri="{FF2B5EF4-FFF2-40B4-BE49-F238E27FC236}">
-                  <a16:creationId xmlns:a16="http://schemas.microsoft.com/office/drawing/2014/main" id="{1443E3C0-F69F-C77D-83B9-585A01CA7860}"/>
-                </a:ext>
-              </a:extLst>
-            </p:cNvPr>
-            <p:cNvSpPr>
-              <a:spLocks noGrp="1" noRot="1" noMove="1" noResize="1" noEditPoints="1" noAdjustHandles="1" noChangeArrowheads="1" noChangeShapeType="1"/>
-            </p:cNvSpPr>
-            <p:nvPr userDrawn="1"/>
-          </p:nvSpPr>
-          <p:spPr>
-            <a:xfrm>
-              <a:off x="5245057" y="665745"/>
-              <a:ext cx="1270780" cy="318983"/>
-            </a:xfrm>
-            <a:prstGeom prst="rect">
-              <a:avLst/>
-            </a:prstGeom>
-            <a:solidFill>
-              <a:schemeClr val="bg1"/>
-            </a:solidFill>
-            <a:ln>
-              <a:noFill/>
-            </a:ln>
-          </p:spPr>
-          <p:style>
-            <a:lnRef idx="2">
-              <a:schemeClr val="accent1">
-                <a:shade val="50000"/>
-              </a:schemeClr>
-            </a:lnRef>
-            <a:fillRef idx="1">
-              <a:schemeClr val="accent1"/>
-            </a:fillRef>
-            <a:effectRef idx="0">
-              <a:schemeClr val="accent1"/>
-            </a:effectRef>
-            <a:fontRef idx="minor">
-              <a:schemeClr val="lt1"/>
-            </a:fontRef>
-          </p:style>
-          <p:txBody>
-            <a:bodyPr rtlCol="0" anchor="ctr"/>
-            <a:lstStyle/>
-            <a:p>
-              <a:pPr algn="ctr"/>
-              <a:endParaRPr lang="ko-KR" altLang="en-US"/>
             </a:p>
           </p:txBody>
         </p:sp>
       </p:grpSp>
       <p:grpSp>
         <p:nvGrpSpPr>
-          <p:cNvPr id="6" name="English Name">
+          <p:cNvPr id="12" name="Native Teacher">
             <a:extLst>
               <a:ext uri="{FF2B5EF4-FFF2-40B4-BE49-F238E27FC236}">
-                <a16:creationId xmlns:a16="http://schemas.microsoft.com/office/drawing/2014/main" id="{90C35B8F-A8A4-8ABB-FE31-CDFBC966B437}"/>
+                <a16:creationId xmlns:a16="http://schemas.microsoft.com/office/drawing/2014/main" id="{D964476F-01AB-17E2-0F53-84E8B01E6E6F}"/>
               </a:ext>
             </a:extLst>
           </p:cNvPr>
@@ -765,18 +957,18 @@
         </p:nvGrpSpPr>
         <p:grpSpPr>
           <a:xfrm>
-            <a:off x="221881" y="1304278"/>
+            <a:off x="221880" y="1682019"/>
             <a:ext cx="2763556" cy="318983"/>
-            <a:chOff x="221881" y="1304278"/>
-            <a:chExt cx="2426072" cy="318983"/>
+            <a:chOff x="221881" y="1682019"/>
+            <a:chExt cx="2426071" cy="318983"/>
           </a:xfrm>
         </p:grpSpPr>
         <p:sp>
           <p:nvSpPr>
-            <p:cNvPr id="7" name="Background">
+            <p:cNvPr id="13" name="Background">
               <a:extLst>
                 <a:ext uri="{FF2B5EF4-FFF2-40B4-BE49-F238E27FC236}">
-                  <a16:creationId xmlns:a16="http://schemas.microsoft.com/office/drawing/2014/main" id="{A6C5E523-6407-73A9-28A2-128CD5739E8E}"/>
+                  <a16:creationId xmlns:a16="http://schemas.microsoft.com/office/drawing/2014/main" id="{287B7878-2464-EAD5-55F6-92D296DEB3C9}"/>
                 </a:ext>
               </a:extLst>
             </p:cNvPr>
@@ -787,7 +979,7 @@
           </p:nvSpPr>
           <p:spPr>
             <a:xfrm>
-              <a:off x="229503" y="1304278"/>
+              <a:off x="229502" y="1682019"/>
               <a:ext cx="2418450" cy="318983"/>
             </a:xfrm>
             <a:prstGeom prst="rect">
@@ -827,10 +1019,10 @@
         </p:sp>
         <p:sp>
           <p:nvSpPr>
-            <p:cNvPr id="8" name="Label">
+            <p:cNvPr id="14" name="Label">
               <a:extLst>
                 <a:ext uri="{FF2B5EF4-FFF2-40B4-BE49-F238E27FC236}">
-                  <a16:creationId xmlns:a16="http://schemas.microsoft.com/office/drawing/2014/main" id="{FF0F65F1-593C-338B-E5B8-ECC1472B8EFD}"/>
+                  <a16:creationId xmlns:a16="http://schemas.microsoft.com/office/drawing/2014/main" id="{1956C3E6-F74C-5CCF-0305-310EF5AE7F9C}"/>
                 </a:ext>
               </a:extLst>
             </p:cNvPr>
@@ -841,7 +1033,7 @@
           </p:nvSpPr>
           <p:spPr>
             <a:xfrm>
-              <a:off x="221881" y="1325270"/>
+              <a:off x="221881" y="1703011"/>
               <a:ext cx="925698" cy="276999"/>
             </a:xfrm>
             <a:prstGeom prst="rect">
@@ -850,7 +1042,7 @@
             <a:noFill/>
           </p:spPr>
           <p:txBody>
-            <a:bodyPr wrap="square" rtlCol="0">
+            <a:bodyPr wrap="square" rIns="0" rtlCol="0">
               <a:spAutoFit/>
             </a:bodyPr>
             <a:lstStyle/>
@@ -862,7 +1054,7 @@
                   </a:solidFill>
                   <a:latin typeface="Arial Narrow" panose="020B0606020202030204" pitchFamily="34" charset="0"/>
                 </a:rPr>
-                <a:t>English Name:</a:t>
+                <a:t>Native Teacher:</a:t>
               </a:r>
               <a:endParaRPr lang="ko-KR" altLang="en-US" sz="1200" b="1" dirty="0">
                 <a:solidFill>
@@ -1001,10 +1193,10 @@
       </p:grpSp>
       <p:grpSp>
         <p:nvGrpSpPr>
-          <p:cNvPr id="12" name="Native Teacher">
+          <p:cNvPr id="6" name="English Name">
             <a:extLst>
               <a:ext uri="{FF2B5EF4-FFF2-40B4-BE49-F238E27FC236}">
-                <a16:creationId xmlns:a16="http://schemas.microsoft.com/office/drawing/2014/main" id="{D964476F-01AB-17E2-0F53-84E8B01E6E6F}"/>
+                <a16:creationId xmlns:a16="http://schemas.microsoft.com/office/drawing/2014/main" id="{90C35B8F-A8A4-8ABB-FE31-CDFBC966B437}"/>
               </a:ext>
             </a:extLst>
           </p:cNvPr>
@@ -1015,18 +1207,18 @@
         </p:nvGrpSpPr>
         <p:grpSpPr>
           <a:xfrm>
-            <a:off x="221880" y="1682019"/>
+            <a:off x="221881" y="1304278"/>
             <a:ext cx="2763556" cy="318983"/>
-            <a:chOff x="221881" y="1682019"/>
-            <a:chExt cx="2426071" cy="318983"/>
+            <a:chOff x="221881" y="1304278"/>
+            <a:chExt cx="2426072" cy="318983"/>
           </a:xfrm>
         </p:grpSpPr>
         <p:sp>
           <p:nvSpPr>
-            <p:cNvPr id="13" name="Background">
+            <p:cNvPr id="7" name="Background">
               <a:extLst>
                 <a:ext uri="{FF2B5EF4-FFF2-40B4-BE49-F238E27FC236}">
-                  <a16:creationId xmlns:a16="http://schemas.microsoft.com/office/drawing/2014/main" id="{287B7878-2464-EAD5-55F6-92D296DEB3C9}"/>
+                  <a16:creationId xmlns:a16="http://schemas.microsoft.com/office/drawing/2014/main" id="{A6C5E523-6407-73A9-28A2-128CD5739E8E}"/>
                 </a:ext>
               </a:extLst>
             </p:cNvPr>
@@ -1037,7 +1229,7 @@
           </p:nvSpPr>
           <p:spPr>
             <a:xfrm>
-              <a:off x="229502" y="1682019"/>
+              <a:off x="229503" y="1304278"/>
               <a:ext cx="2418450" cy="318983"/>
             </a:xfrm>
             <a:prstGeom prst="rect">
@@ -1077,10 +1269,10 @@
         </p:sp>
         <p:sp>
           <p:nvSpPr>
-            <p:cNvPr id="14" name="Label">
+            <p:cNvPr id="8" name="Label">
               <a:extLst>
                 <a:ext uri="{FF2B5EF4-FFF2-40B4-BE49-F238E27FC236}">
-                  <a16:creationId xmlns:a16="http://schemas.microsoft.com/office/drawing/2014/main" id="{1956C3E6-F74C-5CCF-0305-310EF5AE7F9C}"/>
+                  <a16:creationId xmlns:a16="http://schemas.microsoft.com/office/drawing/2014/main" id="{FF0F65F1-593C-338B-E5B8-ECC1472B8EFD}"/>
                 </a:ext>
               </a:extLst>
             </p:cNvPr>
@@ -1091,7 +1283,7 @@
           </p:nvSpPr>
           <p:spPr>
             <a:xfrm>
-              <a:off x="221881" y="1703011"/>
+              <a:off x="221881" y="1325270"/>
               <a:ext cx="925698" cy="276999"/>
             </a:xfrm>
             <a:prstGeom prst="rect">
@@ -1100,7 +1292,7 @@
             <a:noFill/>
           </p:spPr>
           <p:txBody>
-            <a:bodyPr wrap="square" rIns="0" rtlCol="0">
+            <a:bodyPr wrap="square" rtlCol="0">
               <a:spAutoFit/>
             </a:bodyPr>
             <a:lstStyle/>
@@ -1112,7 +1304,7 @@
                   </a:solidFill>
                   <a:latin typeface="Arial Narrow" panose="020B0606020202030204" pitchFamily="34" charset="0"/>
                 </a:rPr>
-                <a:t>Native Teacher:</a:t>
+                <a:t>English Name:</a:t>
               </a:r>
               <a:endParaRPr lang="ko-KR" altLang="en-US" sz="1200" b="1" dirty="0">
                 <a:solidFill>
@@ -1126,10 +1318,10 @@
       </p:grpSp>
       <p:grpSp>
         <p:nvGrpSpPr>
-          <p:cNvPr id="15" name="Korean Teacher">
+          <p:cNvPr id="24" name="Report Header">
             <a:extLst>
               <a:ext uri="{FF2B5EF4-FFF2-40B4-BE49-F238E27FC236}">
-                <a16:creationId xmlns:a16="http://schemas.microsoft.com/office/drawing/2014/main" id="{AD43325E-F756-5F88-BA8B-43A2DD9FACB8}"/>
+                <a16:creationId xmlns:a16="http://schemas.microsoft.com/office/drawing/2014/main" id="{3B0C9DDE-3285-0F74-1E0F-6F998745118D}"/>
               </a:ext>
             </a:extLst>
           </p:cNvPr>
@@ -1140,30 +1332,512 @@
         </p:nvGrpSpPr>
         <p:grpSpPr>
           <a:xfrm>
-            <a:off x="3058420" y="1682019"/>
-            <a:ext cx="2113653" cy="318983"/>
-            <a:chOff x="2746512" y="1682019"/>
-            <a:chExt cx="2120761" cy="318983"/>
+            <a:off x="4867275" y="178119"/>
+            <a:ext cx="1648562" cy="806609"/>
+            <a:chOff x="4867275" y="178119"/>
+            <a:chExt cx="1648562" cy="806609"/>
           </a:xfrm>
         </p:grpSpPr>
         <p:sp>
           <p:nvSpPr>
-            <p:cNvPr id="16" name="Background">
+            <p:cNvPr id="18" name="Eval Date Background">
               <a:extLst>
                 <a:ext uri="{FF2B5EF4-FFF2-40B4-BE49-F238E27FC236}">
-                  <a16:creationId xmlns:a16="http://schemas.microsoft.com/office/drawing/2014/main" id="{AB546B3D-8343-D972-5B79-ABE3A88128BF}"/>
+                  <a16:creationId xmlns:a16="http://schemas.microsoft.com/office/drawing/2014/main" id="{78252F05-685D-FD6D-8DF0-F3C63E4CD267}"/>
                 </a:ext>
               </a:extLst>
             </p:cNvPr>
             <p:cNvSpPr>
               <a:spLocks noGrp="1" noRot="1" noMove="1" noResize="1" noEditPoints="1" noAdjustHandles="1" noChangeArrowheads="1" noChangeShapeType="1"/>
             </p:cNvSpPr>
-            <p:nvPr/>
+            <p:nvPr userDrawn="1"/>
           </p:nvSpPr>
           <p:spPr>
             <a:xfrm>
-              <a:off x="2746512" y="1682019"/>
-              <a:ext cx="2120761" cy="318983"/>
+              <a:off x="4867275" y="178119"/>
+              <a:ext cx="1648562" cy="318983"/>
+            </a:xfrm>
+            <a:prstGeom prst="rect">
+              <a:avLst/>
+            </a:prstGeom>
+            <a:solidFill>
+              <a:schemeClr val="bg1"/>
+            </a:solidFill>
+            <a:ln>
+              <a:noFill/>
+            </a:ln>
+          </p:spPr>
+          <p:style>
+            <a:lnRef idx="2">
+              <a:schemeClr val="accent1">
+                <a:shade val="50000"/>
+              </a:schemeClr>
+            </a:lnRef>
+            <a:fillRef idx="1">
+              <a:schemeClr val="accent1"/>
+            </a:fillRef>
+            <a:effectRef idx="0">
+              <a:schemeClr val="accent1"/>
+            </a:effectRef>
+            <a:fontRef idx="minor">
+              <a:schemeClr val="lt1"/>
+            </a:fontRef>
+          </p:style>
+          <p:txBody>
+            <a:bodyPr rtlCol="0" anchor="ctr"/>
+            <a:lstStyle/>
+            <a:p>
+              <a:pPr algn="ctr"/>
+              <a:endParaRPr lang="ko-KR" altLang="en-US"/>
+            </a:p>
+          </p:txBody>
+        </p:sp>
+        <p:sp>
+          <p:nvSpPr>
+            <p:cNvPr id="19" name="Grade-Level Background">
+              <a:extLst>
+                <a:ext uri="{FF2B5EF4-FFF2-40B4-BE49-F238E27FC236}">
+                  <a16:creationId xmlns:a16="http://schemas.microsoft.com/office/drawing/2014/main" id="{1443E3C0-F69F-C77D-83B9-585A01CA7860}"/>
+                </a:ext>
+              </a:extLst>
+            </p:cNvPr>
+            <p:cNvSpPr>
+              <a:spLocks noGrp="1" noRot="1" noMove="1" noResize="1" noEditPoints="1" noAdjustHandles="1" noChangeArrowheads="1" noChangeShapeType="1"/>
+            </p:cNvSpPr>
+            <p:nvPr userDrawn="1"/>
+          </p:nvSpPr>
+          <p:spPr>
+            <a:xfrm>
+              <a:off x="5245057" y="665745"/>
+              <a:ext cx="1270780" cy="318983"/>
+            </a:xfrm>
+            <a:prstGeom prst="rect">
+              <a:avLst/>
+            </a:prstGeom>
+            <a:solidFill>
+              <a:schemeClr val="bg1"/>
+            </a:solidFill>
+            <a:ln>
+              <a:noFill/>
+            </a:ln>
+          </p:spPr>
+          <p:style>
+            <a:lnRef idx="2">
+              <a:schemeClr val="accent1">
+                <a:shade val="50000"/>
+              </a:schemeClr>
+            </a:lnRef>
+            <a:fillRef idx="1">
+              <a:schemeClr val="accent1"/>
+            </a:fillRef>
+            <a:effectRef idx="0">
+              <a:schemeClr val="accent1"/>
+            </a:effectRef>
+            <a:fontRef idx="minor">
+              <a:schemeClr val="lt1"/>
+            </a:fontRef>
+          </p:style>
+          <p:txBody>
+            <a:bodyPr rtlCol="0" anchor="ctr"/>
+            <a:lstStyle/>
+            <a:p>
+              <a:pPr algn="ctr"/>
+              <a:endParaRPr lang="ko-KR" altLang="en-US"/>
+            </a:p>
+          </p:txBody>
+        </p:sp>
+      </p:grpSp>
+    </p:spTree>
+    <p:extLst>
+      <p:ext uri="{BB962C8B-B14F-4D97-AF65-F5344CB8AC3E}">
+        <p14:creationId xmlns:p14="http://schemas.microsoft.com/office/powerpoint/2010/main" val="3264731965"/>
+      </p:ext>
+    </p:extLst>
+  </p:cSld>
+  <p:clrMapOvr>
+    <a:masterClrMapping/>
+  </p:clrMapOvr>
+</p:sldLayout>
+</file>
+
+<file path=ppt/slideLayouts/slideLayout2.xml><?xml version="1.0" encoding="utf-8"?>
+<p:sldLayout xmlns:a="http://schemas.openxmlformats.org/drawingml/2006/main" xmlns:r="http://schemas.openxmlformats.org/officeDocument/2006/relationships" xmlns:p="http://schemas.openxmlformats.org/presentationml/2006/main" type="blank" preserve="1">
+  <p:cSld name="Additional Comments">
+    <p:spTree>
+      <p:nvGrpSpPr>
+        <p:cNvPr id="1" name=""/>
+        <p:cNvGrpSpPr/>
+        <p:nvPr/>
+      </p:nvGrpSpPr>
+      <p:grpSpPr>
+        <a:xfrm>
+          <a:off x="0" y="0"/>
+          <a:ext cx="0" cy="0"/>
+          <a:chOff x="0" y="0"/>
+          <a:chExt cx="0" cy="0"/>
+        </a:xfrm>
+      </p:grpSpPr>
+      <p:graphicFrame>
+        <p:nvGraphicFramePr>
+          <p:cNvPr id="2" name="Comments Box"/>
+          <p:cNvGraphicFramePr>
+            <a:graphicFrameLocks noGrp="1" noDrilldown="1" noMove="1" noResize="1"/>
+          </p:cNvGraphicFramePr>
+          <p:nvPr userDrawn="1">
+            <p:extLst>
+              <p:ext uri="{D42A27DB-BD31-4B8C-83A1-F6EECF244321}">
+                <p14:modId xmlns:p14="http://schemas.microsoft.com/office/powerpoint/2010/main" val="166332519"/>
+              </p:ext>
+            </p:extLst>
+          </p:nvPr>
+        </p:nvGraphicFramePr>
+        <p:xfrm>
+          <a:off x="219053" y="1442476"/>
+          <a:ext cx="6419895" cy="3086100"/>
+        </p:xfrm>
+        <a:graphic>
+          <a:graphicData uri="http://schemas.openxmlformats.org/drawingml/2006/table">
+            <a:tbl>
+              <a:tblPr firstRow="1" bandRow="1">
+                <a:tableStyleId>{5C22544A-7EE6-4342-B048-85BDC9FD1C3A}</a:tableStyleId>
+              </a:tblPr>
+              <a:tblGrid>
+                <a:gridCol w="6419895">
+                  <a:extLst>
+                    <a:ext uri="{9D8B030D-6E8A-4147-A177-3AD203B41FA5}">
+                      <a16:colId xmlns:a16="http://schemas.microsoft.com/office/drawing/2014/main" val="2888324031"/>
+                    </a:ext>
+                  </a:extLst>
+                </a:gridCol>
+              </a:tblGrid>
+              <a:tr h="214313">
+                <a:tc>
+                  <a:txBody>
+                    <a:bodyPr/>
+                    <a:lstStyle/>
+                    <a:p>
+                      <a:pPr latinLnBrk="1"/>
+                      <a:r>
+                        <a:rPr kumimoji="0" lang="en-US" altLang="ko-KR" sz="1050" b="1" i="0" u="none" strike="noStrike" kern="100" cap="none" spc="0" normalizeH="0" baseline="0" noProof="0" dirty="0">
+                          <a:ln>
+                            <a:noFill/>
+                          </a:ln>
+                          <a:solidFill>
+                            <a:schemeClr val="bg1"/>
+                          </a:solidFill>
+                          <a:effectLst/>
+                          <a:uLnTx/>
+                          <a:uFillTx/>
+                          <a:latin typeface="Arial Black" panose="020B0A04020102020204" pitchFamily="34" charset="0"/>
+                          <a:ea typeface="+mn-ea"/>
+                          <a:cs typeface="+mn-cs"/>
+                        </a:rPr>
+                        <a:t>Comments </a:t>
+                      </a:r>
+                      <a:r>
+                        <a:rPr kumimoji="0" lang="ko-KR" altLang="en-US" sz="1050" b="1" i="0" u="none" strike="noStrike" kern="100" cap="none" spc="0" normalizeH="0" baseline="0" noProof="0" dirty="0">
+                          <a:ln>
+                            <a:noFill/>
+                          </a:ln>
+                          <a:solidFill>
+                            <a:schemeClr val="bg1"/>
+                          </a:solidFill>
+                          <a:effectLst/>
+                          <a:uLnTx/>
+                          <a:uFillTx/>
+                          <a:latin typeface="Arial Black" panose="020B0A04020102020204" pitchFamily="34" charset="0"/>
+                          <a:ea typeface="+mn-ea"/>
+                          <a:cs typeface="+mn-cs"/>
+                        </a:rPr>
+                        <a:t>코멘트</a:t>
+                      </a:r>
+                      <a:endParaRPr lang="ko-KR" altLang="en-US" dirty="0"/>
+                    </a:p>
+                  </a:txBody>
+                  <a:tcPr>
+                    <a:lnL w="6350" cap="flat" cmpd="sng" algn="ctr">
+                      <a:solidFill>
+                        <a:schemeClr val="tx1"/>
+                      </a:solidFill>
+                      <a:prstDash val="solid"/>
+                      <a:round/>
+                      <a:headEnd type="none" w="med" len="med"/>
+                      <a:tailEnd type="none" w="med" len="med"/>
+                    </a:lnL>
+                    <a:lnR w="6350" cap="flat" cmpd="sng" algn="ctr">
+                      <a:solidFill>
+                        <a:schemeClr val="tx1"/>
+                      </a:solidFill>
+                      <a:prstDash val="solid"/>
+                      <a:round/>
+                      <a:headEnd type="none" w="med" len="med"/>
+                      <a:tailEnd type="none" w="med" len="med"/>
+                    </a:lnR>
+                    <a:lnT w="6350" cap="flat" cmpd="sng" algn="ctr">
+                      <a:solidFill>
+                        <a:schemeClr val="tx1"/>
+                      </a:solidFill>
+                      <a:prstDash val="solid"/>
+                      <a:round/>
+                      <a:headEnd type="none" w="med" len="med"/>
+                      <a:tailEnd type="none" w="med" len="med"/>
+                    </a:lnT>
+                    <a:lnB w="6350" cap="flat" cmpd="sng" algn="ctr">
+                      <a:solidFill>
+                        <a:schemeClr val="tx1"/>
+                      </a:solidFill>
+                      <a:prstDash val="solid"/>
+                      <a:round/>
+                      <a:headEnd type="none" w="med" len="med"/>
+                      <a:tailEnd type="none" w="med" len="med"/>
+                    </a:lnB>
+                    <a:solidFill>
+                      <a:srgbClr val="C00000"/>
+                    </a:solidFill>
+                  </a:tcPr>
+                </a:tc>
+                <a:extLst>
+                  <a:ext uri="{0D108BD9-81ED-4DB2-BD59-A6C34878D82A}">
+                    <a16:rowId xmlns:a16="http://schemas.microsoft.com/office/drawing/2014/main" val="2956890525"/>
+                  </a:ext>
+                </a:extLst>
+              </a:tr>
+              <a:tr h="370840">
+                <a:tc>
+                  <a:txBody>
+                    <a:bodyPr/>
+                    <a:lstStyle/>
+                    <a:p>
+                      <a:pPr latinLnBrk="1"/>
+                      <a:endParaRPr lang="en-US" altLang="ko-KR" sz="1200" dirty="0">
+                        <a:latin typeface="Arial" panose="020B0604020202020204" pitchFamily="34" charset="0"/>
+                        <a:cs typeface="Arial" panose="020B0604020202020204" pitchFamily="34" charset="0"/>
+                      </a:endParaRPr>
+                    </a:p>
+                    <a:p>
+                      <a:pPr latinLnBrk="1"/>
+                      <a:endParaRPr lang="en-US" altLang="ko-KR" sz="1200" dirty="0">
+                        <a:latin typeface="Arial" panose="020B0604020202020204" pitchFamily="34" charset="0"/>
+                        <a:cs typeface="Arial" panose="020B0604020202020204" pitchFamily="34" charset="0"/>
+                      </a:endParaRPr>
+                    </a:p>
+                    <a:p>
+                      <a:pPr latinLnBrk="1"/>
+                      <a:endParaRPr lang="en-US" altLang="ko-KR" sz="1200" dirty="0">
+                        <a:latin typeface="Arial" panose="020B0604020202020204" pitchFamily="34" charset="0"/>
+                        <a:cs typeface="Arial" panose="020B0604020202020204" pitchFamily="34" charset="0"/>
+                      </a:endParaRPr>
+                    </a:p>
+                    <a:p>
+                      <a:pPr latinLnBrk="1"/>
+                      <a:endParaRPr lang="en-US" altLang="ko-KR" sz="1200" dirty="0">
+                        <a:latin typeface="Arial" panose="020B0604020202020204" pitchFamily="34" charset="0"/>
+                        <a:cs typeface="Arial" panose="020B0604020202020204" pitchFamily="34" charset="0"/>
+                      </a:endParaRPr>
+                    </a:p>
+                    <a:p>
+                      <a:pPr latinLnBrk="1"/>
+                      <a:endParaRPr lang="en-US" altLang="ko-KR" sz="1200" dirty="0">
+                        <a:latin typeface="Arial" panose="020B0604020202020204" pitchFamily="34" charset="0"/>
+                        <a:cs typeface="Arial" panose="020B0604020202020204" pitchFamily="34" charset="0"/>
+                      </a:endParaRPr>
+                    </a:p>
+                    <a:p>
+                      <a:pPr latinLnBrk="1"/>
+                      <a:endParaRPr lang="en-US" altLang="ko-KR" sz="1200" dirty="0">
+                        <a:latin typeface="Arial" panose="020B0604020202020204" pitchFamily="34" charset="0"/>
+                        <a:cs typeface="Arial" panose="020B0604020202020204" pitchFamily="34" charset="0"/>
+                      </a:endParaRPr>
+                    </a:p>
+                    <a:p>
+                      <a:pPr latinLnBrk="1"/>
+                      <a:endParaRPr lang="en-US" altLang="ko-KR" sz="1200" dirty="0">
+                        <a:latin typeface="Arial" panose="020B0604020202020204" pitchFamily="34" charset="0"/>
+                        <a:cs typeface="Arial" panose="020B0604020202020204" pitchFamily="34" charset="0"/>
+                      </a:endParaRPr>
+                    </a:p>
+                    <a:p>
+                      <a:pPr latinLnBrk="1"/>
+                      <a:endParaRPr lang="en-US" altLang="ko-KR" sz="1200" dirty="0">
+                        <a:latin typeface="Arial" panose="020B0604020202020204" pitchFamily="34" charset="0"/>
+                        <a:cs typeface="Arial" panose="020B0604020202020204" pitchFamily="34" charset="0"/>
+                      </a:endParaRPr>
+                    </a:p>
+                    <a:p>
+                      <a:pPr latinLnBrk="1"/>
+                      <a:endParaRPr lang="en-US" altLang="ko-KR" sz="1200" dirty="0">
+                        <a:latin typeface="Arial" panose="020B0604020202020204" pitchFamily="34" charset="0"/>
+                        <a:cs typeface="Arial" panose="020B0604020202020204" pitchFamily="34" charset="0"/>
+                      </a:endParaRPr>
+                    </a:p>
+                    <a:p>
+                      <a:pPr latinLnBrk="1"/>
+                      <a:endParaRPr lang="en-US" altLang="ko-KR" sz="1200" dirty="0">
+                        <a:latin typeface="Arial" panose="020B0604020202020204" pitchFamily="34" charset="0"/>
+                        <a:cs typeface="Arial" panose="020B0604020202020204" pitchFamily="34" charset="0"/>
+                      </a:endParaRPr>
+                    </a:p>
+                    <a:p>
+                      <a:pPr latinLnBrk="1"/>
+                      <a:endParaRPr lang="en-US" altLang="ko-KR" sz="1200" dirty="0">
+                        <a:latin typeface="Arial" panose="020B0604020202020204" pitchFamily="34" charset="0"/>
+                        <a:cs typeface="Arial" panose="020B0604020202020204" pitchFamily="34" charset="0"/>
+                      </a:endParaRPr>
+                    </a:p>
+                    <a:p>
+                      <a:pPr latinLnBrk="1"/>
+                      <a:endParaRPr lang="en-US" altLang="ko-KR" sz="1200" dirty="0">
+                        <a:latin typeface="Arial" panose="020B0604020202020204" pitchFamily="34" charset="0"/>
+                        <a:cs typeface="Arial" panose="020B0604020202020204" pitchFamily="34" charset="0"/>
+                      </a:endParaRPr>
+                    </a:p>
+                    <a:p>
+                      <a:pPr latinLnBrk="1"/>
+                      <a:endParaRPr lang="en-US" altLang="ko-KR" sz="1200" dirty="0">
+                        <a:latin typeface="Arial" panose="020B0604020202020204" pitchFamily="34" charset="0"/>
+                        <a:cs typeface="Arial" panose="020B0604020202020204" pitchFamily="34" charset="0"/>
+                      </a:endParaRPr>
+                    </a:p>
+                    <a:p>
+                      <a:pPr latinLnBrk="1"/>
+                      <a:endParaRPr lang="en-US" altLang="ko-KR" sz="1200" dirty="0">
+                        <a:latin typeface="Arial" panose="020B0604020202020204" pitchFamily="34" charset="0"/>
+                        <a:cs typeface="Arial" panose="020B0604020202020204" pitchFamily="34" charset="0"/>
+                      </a:endParaRPr>
+                    </a:p>
+                    <a:p>
+                      <a:pPr latinLnBrk="1"/>
+                      <a:endParaRPr lang="ko-KR" altLang="en-US" sz="1200" dirty="0">
+                        <a:latin typeface="Arial" panose="020B0604020202020204" pitchFamily="34" charset="0"/>
+                        <a:cs typeface="Arial" panose="020B0604020202020204" pitchFamily="34" charset="0"/>
+                      </a:endParaRPr>
+                    </a:p>
+                  </a:txBody>
+                  <a:tcPr>
+                    <a:lnL w="6350" cap="flat" cmpd="sng" algn="ctr">
+                      <a:solidFill>
+                        <a:schemeClr val="tx1"/>
+                      </a:solidFill>
+                      <a:prstDash val="solid"/>
+                      <a:round/>
+                      <a:headEnd type="none" w="med" len="med"/>
+                      <a:tailEnd type="none" w="med" len="med"/>
+                    </a:lnL>
+                    <a:lnR w="6350" cap="flat" cmpd="sng" algn="ctr">
+                      <a:solidFill>
+                        <a:schemeClr val="tx1"/>
+                      </a:solidFill>
+                      <a:prstDash val="solid"/>
+                      <a:round/>
+                      <a:headEnd type="none" w="med" len="med"/>
+                      <a:tailEnd type="none" w="med" len="med"/>
+                    </a:lnR>
+                    <a:lnT w="6350" cap="flat" cmpd="sng" algn="ctr">
+                      <a:solidFill>
+                        <a:schemeClr val="tx1"/>
+                      </a:solidFill>
+                      <a:prstDash val="solid"/>
+                      <a:round/>
+                      <a:headEnd type="none" w="med" len="med"/>
+                      <a:tailEnd type="none" w="med" len="med"/>
+                    </a:lnT>
+                    <a:lnB w="6350" cap="flat" cmpd="sng" algn="ctr">
+                      <a:solidFill>
+                        <a:schemeClr val="tx1"/>
+                      </a:solidFill>
+                      <a:prstDash val="solid"/>
+                      <a:round/>
+                      <a:headEnd type="none" w="med" len="med"/>
+                      <a:tailEnd type="none" w="med" len="med"/>
+                    </a:lnB>
+                    <a:noFill/>
+                  </a:tcPr>
+                </a:tc>
+                <a:extLst>
+                  <a:ext uri="{0D108BD9-81ED-4DB2-BD59-A6C34878D82A}">
+                    <a16:rowId xmlns:a16="http://schemas.microsoft.com/office/drawing/2014/main" val="336286868"/>
+                  </a:ext>
+                </a:extLst>
+              </a:tr>
+            </a:tbl>
+          </a:graphicData>
+        </a:graphic>
+      </p:graphicFrame>
+    </p:spTree>
+    <p:extLst>
+      <p:ext uri="{BB962C8B-B14F-4D97-AF65-F5344CB8AC3E}">
+        <p14:creationId xmlns:p14="http://schemas.microsoft.com/office/powerpoint/2010/main" val="839754367"/>
+      </p:ext>
+    </p:extLst>
+  </p:cSld>
+  <p:clrMapOvr>
+    <a:masterClrMapping/>
+  </p:clrMapOvr>
+</p:sldLayout>
+</file>
+
+<file path=ppt/slideMasters/slideMaster1.xml><?xml version="1.0" encoding="utf-8"?>
+<p:sldMaster xmlns:a="http://schemas.openxmlformats.org/drawingml/2006/main" xmlns:r="http://schemas.openxmlformats.org/officeDocument/2006/relationships" xmlns:p="http://schemas.openxmlformats.org/presentationml/2006/main">
+  <p:cSld>
+    <p:bg>
+      <p:bgRef idx="1001">
+        <a:schemeClr val="bg1"/>
+      </p:bgRef>
+    </p:bg>
+    <p:spTree>
+      <p:nvGrpSpPr>
+        <p:cNvPr id="1" name=""/>
+        <p:cNvGrpSpPr/>
+        <p:nvPr/>
+      </p:nvGrpSpPr>
+      <p:grpSpPr>
+        <a:xfrm>
+          <a:off x="0" y="0"/>
+          <a:ext cx="0" cy="0"/>
+          <a:chOff x="0" y="0"/>
+          <a:chExt cx="0" cy="0"/>
+        </a:xfrm>
+      </p:grpSpPr>
+      <p:grpSp>
+        <p:nvGrpSpPr>
+          <p:cNvPr id="2" name="Report Header">
+            <a:extLst>
+              <a:ext uri="{FF2B5EF4-FFF2-40B4-BE49-F238E27FC236}">
+                <a16:creationId xmlns:a16="http://schemas.microsoft.com/office/drawing/2014/main" id="{651285F7-BE09-D814-8A49-482B7C152DE1}"/>
+              </a:ext>
+            </a:extLst>
+          </p:cNvPr>
+          <p:cNvGrpSpPr>
+            <a:grpSpLocks noGrp="1" noUngrp="1" noRot="1" noMove="1" noResize="1"/>
+          </p:cNvGrpSpPr>
+          <p:nvPr userDrawn="1"/>
+        </p:nvGrpSpPr>
+        <p:grpSpPr>
+          <a:xfrm>
+            <a:off x="0" y="0"/>
+            <a:ext cx="6858001" cy="1196340"/>
+            <a:chOff x="0" y="0"/>
+            <a:chExt cx="6858001" cy="1196340"/>
+          </a:xfrm>
+        </p:grpSpPr>
+        <p:sp>
+          <p:nvSpPr>
+            <p:cNvPr id="3" name="DYB Logo Background">
+              <a:extLst>
+                <a:ext uri="{FF2B5EF4-FFF2-40B4-BE49-F238E27FC236}">
+                  <a16:creationId xmlns:a16="http://schemas.microsoft.com/office/drawing/2014/main" id="{83F7463C-C048-A3A5-A4FD-528D37C8B2C7}"/>
+                </a:ext>
+              </a:extLst>
+            </p:cNvPr>
+            <p:cNvSpPr>
+              <a:spLocks noGrp="1" noRot="1" noMove="1" noResize="1" noEditPoints="1" noAdjustHandles="1" noChangeArrowheads="1" noChangeShapeType="1"/>
+            </p:cNvSpPr>
+            <p:nvPr userDrawn="1"/>
+          </p:nvSpPr>
+          <p:spPr>
+            <a:xfrm>
+              <a:off x="0" y="0"/>
+              <a:ext cx="1276350" cy="1196340"/>
             </a:xfrm>
             <a:prstGeom prst="rect">
               <a:avLst/>
@@ -1200,101 +1874,66 @@
             </a:p>
           </p:txBody>
         </p:sp>
-        <p:sp>
-          <p:nvSpPr>
-            <p:cNvPr id="17" name="Label">
+        <p:pic>
+          <p:nvPicPr>
+            <p:cNvPr id="4" name="DYB Logo">
               <a:extLst>
                 <a:ext uri="{FF2B5EF4-FFF2-40B4-BE49-F238E27FC236}">
-                  <a16:creationId xmlns:a16="http://schemas.microsoft.com/office/drawing/2014/main" id="{4671CC89-A775-F458-DE6C-D1BEDC4D75B0}"/>
+                  <a16:creationId xmlns:a16="http://schemas.microsoft.com/office/drawing/2014/main" id="{20A19BA7-F7B0-689D-3F8A-121BC02C4287}"/>
                 </a:ext>
               </a:extLst>
             </p:cNvPr>
-            <p:cNvSpPr txBox="1">
-              <a:spLocks noGrp="1" noRot="1" noMove="1" noResize="1" noEditPoints="1" noAdjustHandles="1" noChangeArrowheads="1" noChangeShapeType="1"/>
-            </p:cNvSpPr>
-            <p:nvPr/>
-          </p:nvSpPr>
+            <p:cNvPicPr>
+              <a:picLocks noGrp="1" noRot="1" noMove="1" noResize="1" noEditPoints="1" noAdjustHandles="1" noChangeArrowheads="1" noChangeShapeType="1" noCrop="1"/>
+            </p:cNvPicPr>
+            <p:nvPr userDrawn="1"/>
+          </p:nvPicPr>
+          <p:blipFill>
+            <a:blip r:embed="rId4" cstate="print">
+              <a:extLst>
+                <a:ext uri="{28A0092B-C50C-407E-A947-70E740481C1C}">
+                  <a14:useLocalDpi xmlns:a14="http://schemas.microsoft.com/office/drawing/2010/main" val="0"/>
+                </a:ext>
+              </a:extLst>
+            </a:blip>
+            <a:stretch>
+              <a:fillRect/>
+            </a:stretch>
+          </p:blipFill>
           <p:spPr>
             <a:xfrm>
-              <a:off x="2746513" y="1703011"/>
-              <a:ext cx="1161211" cy="276999"/>
+              <a:off x="109480" y="206490"/>
+              <a:ext cx="966369" cy="791971"/>
             </a:xfrm>
             <a:prstGeom prst="rect">
               <a:avLst/>
             </a:prstGeom>
-            <a:noFill/>
           </p:spPr>
-          <p:txBody>
-            <a:bodyPr wrap="square" rtlCol="0">
-              <a:spAutoFit/>
-            </a:bodyPr>
-            <a:lstStyle/>
-            <a:p>
-              <a:r>
-                <a:rPr lang="en-US" altLang="ko-KR" sz="1200" b="1" dirty="0">
-                  <a:solidFill>
-                    <a:srgbClr val="B11116"/>
-                  </a:solidFill>
-                  <a:latin typeface="Arial Narrow" panose="020B0606020202030204" pitchFamily="34" charset="0"/>
-                </a:rPr>
-                <a:t>Korean Teacher:</a:t>
-              </a:r>
-              <a:endParaRPr lang="ko-KR" altLang="en-US" sz="1200" b="1" dirty="0">
-                <a:solidFill>
-                  <a:srgbClr val="B11116"/>
-                </a:solidFill>
-                <a:latin typeface="Arial Narrow" panose="020B0606020202030204" pitchFamily="34" charset="0"/>
-              </a:endParaRPr>
-            </a:p>
-          </p:txBody>
-        </p:sp>
-      </p:grpSp>
-      <p:grpSp>
-        <p:nvGrpSpPr>
-          <p:cNvPr id="20" name="Overall_Grade">
-            <a:extLst>
-              <a:ext uri="{FF2B5EF4-FFF2-40B4-BE49-F238E27FC236}">
-                <a16:creationId xmlns:a16="http://schemas.microsoft.com/office/drawing/2014/main" id="{96EED462-4ACF-CCEB-4633-84F08650E5CD}"/>
-              </a:ext>
-            </a:extLst>
-          </p:cNvPr>
-          <p:cNvGrpSpPr>
-            <a:grpSpLocks noGrp="1" noUngrp="1" noRot="1" noMove="1" noResize="1"/>
-          </p:cNvGrpSpPr>
-          <p:nvPr userDrawn="1"/>
-        </p:nvGrpSpPr>
-        <p:grpSpPr>
-          <a:xfrm>
-            <a:off x="5245055" y="1298675"/>
-            <a:ext cx="1384398" cy="696724"/>
-            <a:chOff x="5245055" y="1298675"/>
-            <a:chExt cx="1384398" cy="696724"/>
-          </a:xfrm>
-        </p:grpSpPr>
+        </p:pic>
         <p:sp>
           <p:nvSpPr>
-            <p:cNvPr id="21" name="Background">
+            <p:cNvPr id="5" name="Report Header Background">
               <a:extLst>
                 <a:ext uri="{FF2B5EF4-FFF2-40B4-BE49-F238E27FC236}">
-                  <a16:creationId xmlns:a16="http://schemas.microsoft.com/office/drawing/2014/main" id="{89350671-E684-4118-8B84-D6CF9F93EAE3}"/>
+                  <a16:creationId xmlns:a16="http://schemas.microsoft.com/office/drawing/2014/main" id="{6A9DFC88-6674-522E-8786-40CAFB403B10}"/>
                 </a:ext>
               </a:extLst>
             </p:cNvPr>
             <p:cNvSpPr>
               <a:spLocks noGrp="1" noRot="1" noMove="1" noResize="1" noEditPoints="1" noAdjustHandles="1" noChangeArrowheads="1" noChangeShapeType="1"/>
             </p:cNvSpPr>
-            <p:nvPr/>
+            <p:nvPr userDrawn="1"/>
           </p:nvSpPr>
           <p:spPr>
             <a:xfrm>
-              <a:off x="5245056" y="1298675"/>
-              <a:ext cx="1384397" cy="696724"/>
+              <a:off x="1276350" y="1"/>
+              <a:ext cx="5581651" cy="1195833"/>
             </a:xfrm>
             <a:prstGeom prst="rect">
               <a:avLst/>
             </a:prstGeom>
             <a:solidFill>
-              <a:srgbClr val="E5E5E7"/>
+              <a:srgbClr val="B11116"/>
             </a:solidFill>
             <a:ln>
               <a:noFill/>
@@ -1327,22 +1966,22 @@
         </p:sp>
         <p:sp>
           <p:nvSpPr>
-            <p:cNvPr id="22" name="Label">
+            <p:cNvPr id="6" name="Report Header Text">
               <a:extLst>
                 <a:ext uri="{FF2B5EF4-FFF2-40B4-BE49-F238E27FC236}">
-                  <a16:creationId xmlns:a16="http://schemas.microsoft.com/office/drawing/2014/main" id="{E81025A5-3FA5-DD11-D382-851C61539A42}"/>
+                  <a16:creationId xmlns:a16="http://schemas.microsoft.com/office/drawing/2014/main" id="{CED87104-3492-8E83-86F1-FDCBAC9E2B45}"/>
                 </a:ext>
               </a:extLst>
             </p:cNvPr>
             <p:cNvSpPr txBox="1">
               <a:spLocks noGrp="1" noRot="1" noMove="1" noResize="1" noEditPoints="1" noAdjustHandles="1" noChangeArrowheads="1" noChangeShapeType="1"/>
             </p:cNvSpPr>
-            <p:nvPr/>
+            <p:nvPr userDrawn="1"/>
           </p:nvSpPr>
           <p:spPr>
             <a:xfrm>
-              <a:off x="5245055" y="1718400"/>
-              <a:ext cx="1383443" cy="276999"/>
+              <a:off x="1503636" y="59307"/>
+              <a:ext cx="3163138" cy="1077218"/>
             </a:xfrm>
             <a:prstGeom prst="rect">
               <a:avLst/>
@@ -1355,550 +1994,36 @@
             </a:bodyPr>
             <a:lstStyle/>
             <a:p>
-              <a:pPr algn="ctr"/>
               <a:r>
-                <a:rPr lang="en-US" altLang="ko-KR" sz="1200" b="1" dirty="0">
+                <a:rPr lang="en-US" altLang="ko-KR" sz="3200" b="1" dirty="0">
                   <a:solidFill>
-                    <a:srgbClr val="B11116"/>
+                    <a:schemeClr val="bg1"/>
                   </a:solidFill>
-                  <a:latin typeface="Arial Narrow" panose="020B0606020202030204" pitchFamily="34" charset="0"/>
+                  <a:latin typeface="Arial Black" panose="020B0A04020102020204" pitchFamily="34" charset="0"/>
                 </a:rPr>
-                <a:t>OVERALL GRADE</a:t>
+                <a:t>SPEAKING</a:t>
               </a:r>
-              <a:endParaRPr lang="ko-KR" altLang="en-US" sz="1200" b="1" dirty="0">
+            </a:p>
+            <a:p>
+              <a:r>
+                <a:rPr lang="en-US" altLang="ko-KR" sz="3200" b="1" dirty="0">
+                  <a:solidFill>
+                    <a:schemeClr val="bg1"/>
+                  </a:solidFill>
+                  <a:latin typeface="Arial Black" panose="020B0A04020102020204" pitchFamily="34" charset="0"/>
+                </a:rPr>
+                <a:t>EVALUATION</a:t>
+              </a:r>
+              <a:endParaRPr lang="ko-KR" altLang="en-US" sz="3200" b="1" dirty="0">
                 <a:solidFill>
-                  <a:srgbClr val="B11116"/>
+                  <a:schemeClr val="bg1"/>
                 </a:solidFill>
-                <a:latin typeface="Arial Narrow" panose="020B0606020202030204" pitchFamily="34" charset="0"/>
+                <a:latin typeface="Arial Black" panose="020B0A04020102020204" pitchFamily="34" charset="0"/>
               </a:endParaRPr>
             </a:p>
           </p:txBody>
         </p:sp>
       </p:grpSp>
-    </p:spTree>
-    <p:extLst>
-      <p:ext uri="{BB962C8B-B14F-4D97-AF65-F5344CB8AC3E}">
-        <p14:creationId xmlns:p14="http://schemas.microsoft.com/office/powerpoint/2010/main" val="3264731965"/>
-      </p:ext>
-    </p:extLst>
-  </p:cSld>
-  <p:clrMapOvr>
-    <a:masterClrMapping/>
-  </p:clrMapOvr>
-</p:sldLayout>
-</file>
-
-<file path=ppt/slideLayouts/slideLayout2.xml><?xml version="1.0" encoding="utf-8"?>
-<p:sldLayout xmlns:a="http://schemas.openxmlformats.org/drawingml/2006/main" xmlns:r="http://schemas.openxmlformats.org/officeDocument/2006/relationships" xmlns:p="http://schemas.openxmlformats.org/presentationml/2006/main" type="blank" preserve="1">
-  <p:cSld name="Additional Comments">
-    <p:spTree>
-      <p:nvGrpSpPr>
-        <p:cNvPr id="1" name=""/>
-        <p:cNvGrpSpPr/>
-        <p:nvPr/>
-      </p:nvGrpSpPr>
-      <p:grpSpPr>
-        <a:xfrm>
-          <a:off x="0" y="0"/>
-          <a:ext cx="0" cy="0"/>
-          <a:chOff x="0" y="0"/>
-          <a:chExt cx="0" cy="0"/>
-        </a:xfrm>
-      </p:grpSpPr>
-      <p:graphicFrame>
-        <p:nvGraphicFramePr>
-          <p:cNvPr id="2" name="Table 1"/>
-          <p:cNvGraphicFramePr>
-            <a:graphicFrameLocks noGrp="1"/>
-          </p:cNvGraphicFramePr>
-          <p:nvPr userDrawn="1">
-            <p:extLst>
-              <p:ext uri="{D42A27DB-BD31-4B8C-83A1-F6EECF244321}">
-                <p14:modId xmlns:p14="http://schemas.microsoft.com/office/powerpoint/2010/main" val="1748961618"/>
-              </p:ext>
-            </p:extLst>
-          </p:nvPr>
-        </p:nvGraphicFramePr>
-        <p:xfrm>
-          <a:off x="219053" y="1442476"/>
-          <a:ext cx="6419895" cy="3086100"/>
-        </p:xfrm>
-        <a:graphic>
-          <a:graphicData uri="http://schemas.openxmlformats.org/drawingml/2006/table">
-            <a:tbl>
-              <a:tblPr firstRow="1" bandRow="1">
-                <a:tableStyleId>{5C22544A-7EE6-4342-B048-85BDC9FD1C3A}</a:tableStyleId>
-              </a:tblPr>
-              <a:tblGrid>
-                <a:gridCol w="6419895">
-                  <a:extLst>
-                    <a:ext uri="{9D8B030D-6E8A-4147-A177-3AD203B41FA5}">
-                      <a16:colId xmlns:a16="http://schemas.microsoft.com/office/drawing/2014/main" val="2888324031"/>
-                    </a:ext>
-                  </a:extLst>
-                </a:gridCol>
-              </a:tblGrid>
-              <a:tr h="214313">
-                <a:tc>
-                  <a:txBody>
-                    <a:bodyPr/>
-                    <a:lstStyle/>
-                    <a:p>
-                      <a:pPr latinLnBrk="1"/>
-                      <a:r>
-                        <a:rPr kumimoji="0" lang="en-US" altLang="ko-KR" sz="1050" b="1" i="0" u="none" strike="noStrike" kern="100" cap="none" spc="0" normalizeH="0" baseline="0" noProof="0" dirty="0">
-                          <a:ln>
-                            <a:noFill/>
-                          </a:ln>
-                          <a:solidFill>
-                            <a:schemeClr val="bg1"/>
-                          </a:solidFill>
-                          <a:effectLst/>
-                          <a:uLnTx/>
-                          <a:uFillTx/>
-                          <a:latin typeface="Arial Black" panose="020B0A04020102020204" pitchFamily="34" charset="0"/>
-                          <a:ea typeface="+mn-ea"/>
-                          <a:cs typeface="+mn-cs"/>
-                        </a:rPr>
-                        <a:t>Comments </a:t>
-                      </a:r>
-                      <a:r>
-                        <a:rPr kumimoji="0" lang="ko-KR" altLang="en-US" sz="1050" b="1" i="0" u="none" strike="noStrike" kern="100" cap="none" spc="0" normalizeH="0" baseline="0" noProof="0" dirty="0">
-                          <a:ln>
-                            <a:noFill/>
-                          </a:ln>
-                          <a:solidFill>
-                            <a:schemeClr val="bg1"/>
-                          </a:solidFill>
-                          <a:effectLst/>
-                          <a:uLnTx/>
-                          <a:uFillTx/>
-                          <a:latin typeface="Arial Black" panose="020B0A04020102020204" pitchFamily="34" charset="0"/>
-                          <a:ea typeface="+mn-ea"/>
-                          <a:cs typeface="+mn-cs"/>
-                        </a:rPr>
-                        <a:t>코멘트</a:t>
-                      </a:r>
-                      <a:endParaRPr lang="ko-KR" altLang="en-US" dirty="0"/>
-                    </a:p>
-                  </a:txBody>
-                  <a:tcPr>
-                    <a:lnL w="6350" cap="flat" cmpd="sng" algn="ctr">
-                      <a:solidFill>
-                        <a:schemeClr val="tx1"/>
-                      </a:solidFill>
-                      <a:prstDash val="solid"/>
-                      <a:round/>
-                      <a:headEnd type="none" w="med" len="med"/>
-                      <a:tailEnd type="none" w="med" len="med"/>
-                    </a:lnL>
-                    <a:lnR w="6350" cap="flat" cmpd="sng" algn="ctr">
-                      <a:solidFill>
-                        <a:schemeClr val="tx1"/>
-                      </a:solidFill>
-                      <a:prstDash val="solid"/>
-                      <a:round/>
-                      <a:headEnd type="none" w="med" len="med"/>
-                      <a:tailEnd type="none" w="med" len="med"/>
-                    </a:lnR>
-                    <a:lnT w="6350" cap="flat" cmpd="sng" algn="ctr">
-                      <a:solidFill>
-                        <a:schemeClr val="tx1"/>
-                      </a:solidFill>
-                      <a:prstDash val="solid"/>
-                      <a:round/>
-                      <a:headEnd type="none" w="med" len="med"/>
-                      <a:tailEnd type="none" w="med" len="med"/>
-                    </a:lnT>
-                    <a:lnB w="6350" cap="flat" cmpd="sng" algn="ctr">
-                      <a:solidFill>
-                        <a:schemeClr val="tx1"/>
-                      </a:solidFill>
-                      <a:prstDash val="solid"/>
-                      <a:round/>
-                      <a:headEnd type="none" w="med" len="med"/>
-                      <a:tailEnd type="none" w="med" len="med"/>
-                    </a:lnB>
-                    <a:solidFill>
-                      <a:srgbClr val="C00000"/>
-                    </a:solidFill>
-                  </a:tcPr>
-                </a:tc>
-                <a:extLst>
-                  <a:ext uri="{0D108BD9-81ED-4DB2-BD59-A6C34878D82A}">
-                    <a16:rowId xmlns:a16="http://schemas.microsoft.com/office/drawing/2014/main" val="2956890525"/>
-                  </a:ext>
-                </a:extLst>
-              </a:tr>
-              <a:tr h="370840">
-                <a:tc>
-                  <a:txBody>
-                    <a:bodyPr/>
-                    <a:lstStyle/>
-                    <a:p>
-                      <a:pPr latinLnBrk="1"/>
-                      <a:endParaRPr lang="en-US" altLang="ko-KR" sz="1200" dirty="0">
-                        <a:latin typeface="Arial" panose="020B0604020202020204" pitchFamily="34" charset="0"/>
-                        <a:cs typeface="Arial" panose="020B0604020202020204" pitchFamily="34" charset="0"/>
-                      </a:endParaRPr>
-                    </a:p>
-                    <a:p>
-                      <a:pPr latinLnBrk="1"/>
-                      <a:endParaRPr lang="en-US" altLang="ko-KR" sz="1200" dirty="0">
-                        <a:latin typeface="Arial" panose="020B0604020202020204" pitchFamily="34" charset="0"/>
-                        <a:cs typeface="Arial" panose="020B0604020202020204" pitchFamily="34" charset="0"/>
-                      </a:endParaRPr>
-                    </a:p>
-                    <a:p>
-                      <a:pPr latinLnBrk="1"/>
-                      <a:endParaRPr lang="en-US" altLang="ko-KR" sz="1200" dirty="0">
-                        <a:latin typeface="Arial" panose="020B0604020202020204" pitchFamily="34" charset="0"/>
-                        <a:cs typeface="Arial" panose="020B0604020202020204" pitchFamily="34" charset="0"/>
-                      </a:endParaRPr>
-                    </a:p>
-                    <a:p>
-                      <a:pPr latinLnBrk="1"/>
-                      <a:endParaRPr lang="en-US" altLang="ko-KR" sz="1200" dirty="0">
-                        <a:latin typeface="Arial" panose="020B0604020202020204" pitchFamily="34" charset="0"/>
-                        <a:cs typeface="Arial" panose="020B0604020202020204" pitchFamily="34" charset="0"/>
-                      </a:endParaRPr>
-                    </a:p>
-                    <a:p>
-                      <a:pPr latinLnBrk="1"/>
-                      <a:endParaRPr lang="en-US" altLang="ko-KR" sz="1200" dirty="0">
-                        <a:latin typeface="Arial" panose="020B0604020202020204" pitchFamily="34" charset="0"/>
-                        <a:cs typeface="Arial" panose="020B0604020202020204" pitchFamily="34" charset="0"/>
-                      </a:endParaRPr>
-                    </a:p>
-                    <a:p>
-                      <a:pPr latinLnBrk="1"/>
-                      <a:endParaRPr lang="en-US" altLang="ko-KR" sz="1200" dirty="0">
-                        <a:latin typeface="Arial" panose="020B0604020202020204" pitchFamily="34" charset="0"/>
-                        <a:cs typeface="Arial" panose="020B0604020202020204" pitchFamily="34" charset="0"/>
-                      </a:endParaRPr>
-                    </a:p>
-                    <a:p>
-                      <a:pPr latinLnBrk="1"/>
-                      <a:endParaRPr lang="en-US" altLang="ko-KR" sz="1200" dirty="0">
-                        <a:latin typeface="Arial" panose="020B0604020202020204" pitchFamily="34" charset="0"/>
-                        <a:cs typeface="Arial" panose="020B0604020202020204" pitchFamily="34" charset="0"/>
-                      </a:endParaRPr>
-                    </a:p>
-                    <a:p>
-                      <a:pPr latinLnBrk="1"/>
-                      <a:endParaRPr lang="en-US" altLang="ko-KR" sz="1200" dirty="0">
-                        <a:latin typeface="Arial" panose="020B0604020202020204" pitchFamily="34" charset="0"/>
-                        <a:cs typeface="Arial" panose="020B0604020202020204" pitchFamily="34" charset="0"/>
-                      </a:endParaRPr>
-                    </a:p>
-                    <a:p>
-                      <a:pPr latinLnBrk="1"/>
-                      <a:endParaRPr lang="en-US" altLang="ko-KR" sz="1200" dirty="0">
-                        <a:latin typeface="Arial" panose="020B0604020202020204" pitchFamily="34" charset="0"/>
-                        <a:cs typeface="Arial" panose="020B0604020202020204" pitchFamily="34" charset="0"/>
-                      </a:endParaRPr>
-                    </a:p>
-                    <a:p>
-                      <a:pPr latinLnBrk="1"/>
-                      <a:endParaRPr lang="en-US" altLang="ko-KR" sz="1200" dirty="0">
-                        <a:latin typeface="Arial" panose="020B0604020202020204" pitchFamily="34" charset="0"/>
-                        <a:cs typeface="Arial" panose="020B0604020202020204" pitchFamily="34" charset="0"/>
-                      </a:endParaRPr>
-                    </a:p>
-                    <a:p>
-                      <a:pPr latinLnBrk="1"/>
-                      <a:endParaRPr lang="en-US" altLang="ko-KR" sz="1200" dirty="0">
-                        <a:latin typeface="Arial" panose="020B0604020202020204" pitchFamily="34" charset="0"/>
-                        <a:cs typeface="Arial" panose="020B0604020202020204" pitchFamily="34" charset="0"/>
-                      </a:endParaRPr>
-                    </a:p>
-                    <a:p>
-                      <a:pPr latinLnBrk="1"/>
-                      <a:endParaRPr lang="en-US" altLang="ko-KR" sz="1200" dirty="0">
-                        <a:latin typeface="Arial" panose="020B0604020202020204" pitchFamily="34" charset="0"/>
-                        <a:cs typeface="Arial" panose="020B0604020202020204" pitchFamily="34" charset="0"/>
-                      </a:endParaRPr>
-                    </a:p>
-                    <a:p>
-                      <a:pPr latinLnBrk="1"/>
-                      <a:endParaRPr lang="en-US" altLang="ko-KR" sz="1200" dirty="0">
-                        <a:latin typeface="Arial" panose="020B0604020202020204" pitchFamily="34" charset="0"/>
-                        <a:cs typeface="Arial" panose="020B0604020202020204" pitchFamily="34" charset="0"/>
-                      </a:endParaRPr>
-                    </a:p>
-                    <a:p>
-                      <a:pPr latinLnBrk="1"/>
-                      <a:endParaRPr lang="en-US" altLang="ko-KR" sz="1200" dirty="0">
-                        <a:latin typeface="Arial" panose="020B0604020202020204" pitchFamily="34" charset="0"/>
-                        <a:cs typeface="Arial" panose="020B0604020202020204" pitchFamily="34" charset="0"/>
-                      </a:endParaRPr>
-                    </a:p>
-                    <a:p>
-                      <a:pPr latinLnBrk="1"/>
-                      <a:endParaRPr lang="ko-KR" altLang="en-US" sz="1200" dirty="0">
-                        <a:latin typeface="Arial" panose="020B0604020202020204" pitchFamily="34" charset="0"/>
-                        <a:cs typeface="Arial" panose="020B0604020202020204" pitchFamily="34" charset="0"/>
-                      </a:endParaRPr>
-                    </a:p>
-                  </a:txBody>
-                  <a:tcPr>
-                    <a:lnL w="6350" cap="flat" cmpd="sng" algn="ctr">
-                      <a:solidFill>
-                        <a:schemeClr val="tx1"/>
-                      </a:solidFill>
-                      <a:prstDash val="solid"/>
-                      <a:round/>
-                      <a:headEnd type="none" w="med" len="med"/>
-                      <a:tailEnd type="none" w="med" len="med"/>
-                    </a:lnL>
-                    <a:lnR w="6350" cap="flat" cmpd="sng" algn="ctr">
-                      <a:solidFill>
-                        <a:schemeClr val="tx1"/>
-                      </a:solidFill>
-                      <a:prstDash val="solid"/>
-                      <a:round/>
-                      <a:headEnd type="none" w="med" len="med"/>
-                      <a:tailEnd type="none" w="med" len="med"/>
-                    </a:lnR>
-                    <a:lnT w="6350" cap="flat" cmpd="sng" algn="ctr">
-                      <a:solidFill>
-                        <a:schemeClr val="tx1"/>
-                      </a:solidFill>
-                      <a:prstDash val="solid"/>
-                      <a:round/>
-                      <a:headEnd type="none" w="med" len="med"/>
-                      <a:tailEnd type="none" w="med" len="med"/>
-                    </a:lnT>
-                    <a:lnB w="6350" cap="flat" cmpd="sng" algn="ctr">
-                      <a:solidFill>
-                        <a:schemeClr val="tx1"/>
-                      </a:solidFill>
-                      <a:prstDash val="solid"/>
-                      <a:round/>
-                      <a:headEnd type="none" w="med" len="med"/>
-                      <a:tailEnd type="none" w="med" len="med"/>
-                    </a:lnB>
-                    <a:noFill/>
-                  </a:tcPr>
-                </a:tc>
-                <a:extLst>
-                  <a:ext uri="{0D108BD9-81ED-4DB2-BD59-A6C34878D82A}">
-                    <a16:rowId xmlns:a16="http://schemas.microsoft.com/office/drawing/2014/main" val="336286868"/>
-                  </a:ext>
-                </a:extLst>
-              </a:tr>
-            </a:tbl>
-          </a:graphicData>
-        </a:graphic>
-      </p:graphicFrame>
-      <p:sp>
-        <p:nvSpPr>
-          <p:cNvPr id="4" name="Rectangle 3"/>
-          <p:cNvSpPr/>
-          <p:nvPr userDrawn="1"/>
-        </p:nvSpPr>
-        <p:spPr>
-          <a:xfrm>
-            <a:off x="0" y="0"/>
-            <a:ext cx="1276350" cy="1196340"/>
-          </a:xfrm>
-          <a:prstGeom prst="rect">
-            <a:avLst/>
-          </a:prstGeom>
-          <a:solidFill>
-            <a:srgbClr val="E5E5E7"/>
-          </a:solidFill>
-          <a:ln>
-            <a:noFill/>
-          </a:ln>
-        </p:spPr>
-        <p:style>
-          <a:lnRef idx="2">
-            <a:schemeClr val="accent1">
-              <a:shade val="50000"/>
-            </a:schemeClr>
-          </a:lnRef>
-          <a:fillRef idx="1">
-            <a:schemeClr val="accent1"/>
-          </a:fillRef>
-          <a:effectRef idx="0">
-            <a:schemeClr val="accent1"/>
-          </a:effectRef>
-          <a:fontRef idx="minor">
-            <a:schemeClr val="lt1"/>
-          </a:fontRef>
-        </p:style>
-        <p:txBody>
-          <a:bodyPr rtlCol="0" anchor="ctr"/>
-          <a:lstStyle/>
-          <a:p>
-            <a:pPr algn="ctr"/>
-            <a:endParaRPr lang="ko-KR" altLang="en-US"/>
-          </a:p>
-        </p:txBody>
-      </p:sp>
-      <p:pic>
-        <p:nvPicPr>
-          <p:cNvPr id="5" name="Picture 4"/>
-          <p:cNvPicPr>
-            <a:picLocks noChangeAspect="1"/>
-          </p:cNvPicPr>
-          <p:nvPr userDrawn="1"/>
-        </p:nvPicPr>
-        <p:blipFill>
-          <a:blip r:embed="rId2" cstate="print">
-            <a:extLst>
-              <a:ext uri="{28A0092B-C50C-407E-A947-70E740481C1C}">
-                <a14:useLocalDpi xmlns:a14="http://schemas.microsoft.com/office/drawing/2010/main" val="0"/>
-              </a:ext>
-            </a:extLst>
-          </a:blip>
-          <a:stretch>
-            <a:fillRect/>
-          </a:stretch>
-        </p:blipFill>
-        <p:spPr>
-          <a:xfrm>
-            <a:off x="109480" y="206490"/>
-            <a:ext cx="966369" cy="791971"/>
-          </a:xfrm>
-          <a:prstGeom prst="rect">
-            <a:avLst/>
-          </a:prstGeom>
-        </p:spPr>
-      </p:pic>
-      <p:sp>
-        <p:nvSpPr>
-          <p:cNvPr id="6" name="Rectangle 5"/>
-          <p:cNvSpPr/>
-          <p:nvPr userDrawn="1"/>
-        </p:nvSpPr>
-        <p:spPr>
-          <a:xfrm>
-            <a:off x="1276350" y="1"/>
-            <a:ext cx="5581651" cy="1195833"/>
-          </a:xfrm>
-          <a:prstGeom prst="rect">
-            <a:avLst/>
-          </a:prstGeom>
-          <a:solidFill>
-            <a:srgbClr val="B11116"/>
-          </a:solidFill>
-          <a:ln>
-            <a:noFill/>
-          </a:ln>
-        </p:spPr>
-        <p:style>
-          <a:lnRef idx="2">
-            <a:schemeClr val="accent1">
-              <a:shade val="50000"/>
-            </a:schemeClr>
-          </a:lnRef>
-          <a:fillRef idx="1">
-            <a:schemeClr val="accent1"/>
-          </a:fillRef>
-          <a:effectRef idx="0">
-            <a:schemeClr val="accent1"/>
-          </a:effectRef>
-          <a:fontRef idx="minor">
-            <a:schemeClr val="lt1"/>
-          </a:fontRef>
-        </p:style>
-        <p:txBody>
-          <a:bodyPr rtlCol="0" anchor="ctr"/>
-          <a:lstStyle/>
-          <a:p>
-            <a:pPr algn="ctr"/>
-            <a:endParaRPr lang="ko-KR" altLang="en-US"/>
-          </a:p>
-        </p:txBody>
-      </p:sp>
-      <p:sp>
-        <p:nvSpPr>
-          <p:cNvPr id="7" name="TextBox 6"/>
-          <p:cNvSpPr txBox="1"/>
-          <p:nvPr userDrawn="1"/>
-        </p:nvSpPr>
-        <p:spPr>
-          <a:xfrm>
-            <a:off x="1503636" y="59307"/>
-            <a:ext cx="4038600" cy="1077218"/>
-          </a:xfrm>
-          <a:prstGeom prst="rect">
-            <a:avLst/>
-          </a:prstGeom>
-          <a:noFill/>
-        </p:spPr>
-        <p:txBody>
-          <a:bodyPr wrap="square" rtlCol="0">
-            <a:spAutoFit/>
-          </a:bodyPr>
-          <a:lstStyle/>
-          <a:p>
-            <a:r>
-              <a:rPr lang="en-US" altLang="ko-KR" sz="3200" b="1" dirty="0">
-                <a:solidFill>
-                  <a:schemeClr val="bg1"/>
-                </a:solidFill>
-                <a:latin typeface="Arial Black" panose="020B0A04020102020204" pitchFamily="34" charset="0"/>
-              </a:rPr>
-              <a:t>SPEAKING</a:t>
-            </a:r>
-          </a:p>
-          <a:p>
-            <a:r>
-              <a:rPr lang="en-US" altLang="ko-KR" sz="3200" b="1" dirty="0">
-                <a:solidFill>
-                  <a:schemeClr val="bg1"/>
-                </a:solidFill>
-                <a:latin typeface="Arial Black" panose="020B0A04020102020204" pitchFamily="34" charset="0"/>
-              </a:rPr>
-              <a:t>EVALUATION</a:t>
-            </a:r>
-            <a:endParaRPr lang="ko-KR" altLang="en-US" sz="3200" b="1" dirty="0">
-              <a:solidFill>
-                <a:schemeClr val="bg1"/>
-              </a:solidFill>
-              <a:latin typeface="Arial Black" panose="020B0A04020102020204" pitchFamily="34" charset="0"/>
-            </a:endParaRPr>
-          </a:p>
-        </p:txBody>
-      </p:sp>
-    </p:spTree>
-    <p:extLst>
-      <p:ext uri="{BB962C8B-B14F-4D97-AF65-F5344CB8AC3E}">
-        <p14:creationId xmlns:p14="http://schemas.microsoft.com/office/powerpoint/2010/main" val="839754367"/>
-      </p:ext>
-    </p:extLst>
-  </p:cSld>
-  <p:clrMapOvr>
-    <a:masterClrMapping/>
-  </p:clrMapOvr>
-</p:sldLayout>
-</file>
-
-<file path=ppt/slideMasters/slideMaster1.xml><?xml version="1.0" encoding="utf-8"?>
-<p:sldMaster xmlns:a="http://schemas.openxmlformats.org/drawingml/2006/main" xmlns:r="http://schemas.openxmlformats.org/officeDocument/2006/relationships" xmlns:p="http://schemas.openxmlformats.org/presentationml/2006/main">
-  <p:cSld>
-    <p:bg>
-      <p:bgRef idx="1001">
-        <a:schemeClr val="bg1"/>
-      </p:bgRef>
-    </p:bg>
-    <p:spTree>
-      <p:nvGrpSpPr>
-        <p:cNvPr id="1" name=""/>
-        <p:cNvGrpSpPr/>
-        <p:nvPr/>
-      </p:nvGrpSpPr>
-      <p:grpSpPr>
-        <a:xfrm>
-          <a:off x="0" y="0"/>
-          <a:ext cx="0" cy="0"/>
-          <a:chOff x="0" y="0"/>
-          <a:chExt cx="0" cy="0"/>
-        </a:xfrm>
-      </p:grpSpPr>
     </p:spTree>
     <p:extLst>
       <p:ext uri="{BB962C8B-B14F-4D97-AF65-F5344CB8AC3E}">
@@ -2257,7 +2382,7 @@
           <p:nvPr>
             <p:extLst>
               <p:ext uri="{D42A27DB-BD31-4B8C-83A1-F6EECF244321}">
-                <p14:modId xmlns:p14="http://schemas.microsoft.com/office/powerpoint/2010/main" val="3880522313"/>
+                <p14:modId xmlns:p14="http://schemas.microsoft.com/office/powerpoint/2010/main" val="692041403"/>
               </p:ext>
             </p:extLst>
           </p:nvPr>
@@ -2373,7 +2498,7 @@
                       </a:endParaRPr>
                     </a:p>
                   </a:txBody>
-                  <a:tcPr>
+                  <a:tcPr anchor="ctr">
                     <a:lnL w="6350" cap="flat" cmpd="sng" algn="ctr">
                       <a:solidFill>
                         <a:schemeClr val="tx1"/>
@@ -2490,7 +2615,7 @@
                       </a:r>
                     </a:p>
                   </a:txBody>
-                  <a:tcPr>
+                  <a:tcPr anchor="ctr">
                     <a:lnL w="6350" cap="flat" cmpd="sng" algn="ctr">
                       <a:solidFill>
                         <a:schemeClr val="tx1"/>
@@ -2566,7 +2691,7 @@
                       </a:r>
                     </a:p>
                   </a:txBody>
-                  <a:tcPr>
+                  <a:tcPr anchor="ctr">
                     <a:lnL w="6350" cap="flat" cmpd="sng" algn="ctr">
                       <a:solidFill>
                         <a:schemeClr val="tx1"/>
@@ -2626,7 +2751,7 @@
                       </a:r>
                     </a:p>
                   </a:txBody>
-                  <a:tcPr>
+                  <a:tcPr anchor="ctr">
                     <a:lnL w="6350" cap="flat" cmpd="sng" algn="ctr">
                       <a:solidFill>
                         <a:schemeClr val="tx1"/>
@@ -2686,7 +2811,7 @@
                       </a:r>
                     </a:p>
                   </a:txBody>
-                  <a:tcPr>
+                  <a:tcPr anchor="ctr">
                     <a:lnL w="6350" cap="flat" cmpd="sng" algn="ctr">
                       <a:solidFill>
                         <a:schemeClr val="tx1"/>
@@ -2746,7 +2871,7 @@
                       </a:r>
                     </a:p>
                   </a:txBody>
-                  <a:tcPr>
+                  <a:tcPr anchor="ctr">
                     <a:lnL w="6350" cap="flat" cmpd="sng" algn="ctr">
                       <a:solidFill>
                         <a:schemeClr val="tx1"/>
@@ -3750,7 +3875,7 @@
                       </a:endParaRPr>
                     </a:p>
                   </a:txBody>
-                  <a:tcPr>
+                  <a:tcPr anchor="ctr">
                     <a:lnL w="6350" cap="flat" cmpd="sng" algn="ctr">
                       <a:solidFill>
                         <a:schemeClr val="tx1"/>
@@ -3867,7 +3992,7 @@
                       </a:r>
                     </a:p>
                   </a:txBody>
-                  <a:tcPr>
+                  <a:tcPr anchor="ctr">
                     <a:lnL w="6350" cap="flat" cmpd="sng" algn="ctr">
                       <a:solidFill>
                         <a:schemeClr val="tx1"/>
@@ -3943,7 +4068,7 @@
                       </a:r>
                     </a:p>
                   </a:txBody>
-                  <a:tcPr>
+                  <a:tcPr anchor="ctr">
                     <a:lnL w="6350" cap="flat" cmpd="sng" algn="ctr">
                       <a:solidFill>
                         <a:schemeClr val="tx1"/>
@@ -4003,7 +4128,7 @@
                       </a:r>
                     </a:p>
                   </a:txBody>
-                  <a:tcPr>
+                  <a:tcPr anchor="ctr">
                     <a:lnL w="6350" cap="flat" cmpd="sng" algn="ctr">
                       <a:solidFill>
                         <a:schemeClr val="tx1"/>
@@ -4063,7 +4188,7 @@
                       </a:r>
                     </a:p>
                   </a:txBody>
-                  <a:tcPr>
+                  <a:tcPr anchor="ctr">
                     <a:lnL w="6350" cap="flat" cmpd="sng" algn="ctr">
                       <a:solidFill>
                         <a:schemeClr val="tx1"/>
@@ -4123,7 +4248,7 @@
                       </a:r>
                     </a:p>
                   </a:txBody>
-                  <a:tcPr>
+                  <a:tcPr anchor="ctr">
                     <a:lnL w="6350" cap="flat" cmpd="sng" algn="ctr">
                       <a:solidFill>
                         <a:schemeClr val="tx1"/>
@@ -5005,7 +5130,7 @@
                       </a:endParaRPr>
                     </a:p>
                   </a:txBody>
-                  <a:tcPr>
+                  <a:tcPr anchor="ctr">
                     <a:lnL w="6350" cap="flat" cmpd="sng" algn="ctr">
                       <a:solidFill>
                         <a:schemeClr val="tx1"/>
@@ -5122,7 +5247,7 @@
                       </a:r>
                     </a:p>
                   </a:txBody>
-                  <a:tcPr>
+                  <a:tcPr anchor="ctr">
                     <a:lnL w="6350" cap="flat" cmpd="sng" algn="ctr">
                       <a:solidFill>
                         <a:schemeClr val="tx1"/>
@@ -5198,7 +5323,7 @@
                       </a:r>
                     </a:p>
                   </a:txBody>
-                  <a:tcPr>
+                  <a:tcPr anchor="ctr">
                     <a:lnL w="6350" cap="flat" cmpd="sng" algn="ctr">
                       <a:solidFill>
                         <a:schemeClr val="tx1"/>
@@ -5258,7 +5383,7 @@
                       </a:r>
                     </a:p>
                   </a:txBody>
-                  <a:tcPr>
+                  <a:tcPr anchor="ctr">
                     <a:lnL w="6350" cap="flat" cmpd="sng" algn="ctr">
                       <a:solidFill>
                         <a:schemeClr val="tx1"/>
@@ -5318,7 +5443,7 @@
                       </a:r>
                     </a:p>
                   </a:txBody>
-                  <a:tcPr>
+                  <a:tcPr anchor="ctr">
                     <a:lnL w="6350" cap="flat" cmpd="sng" algn="ctr">
                       <a:solidFill>
                         <a:schemeClr val="tx1"/>
@@ -5378,7 +5503,7 @@
                       </a:r>
                     </a:p>
                   </a:txBody>
-                  <a:tcPr>
+                  <a:tcPr anchor="ctr">
                     <a:lnL w="6350" cap="flat" cmpd="sng" algn="ctr">
                       <a:solidFill>
                         <a:schemeClr val="tx1"/>
@@ -6228,7 +6353,7 @@
                       </a:endParaRPr>
                     </a:p>
                   </a:txBody>
-                  <a:tcPr>
+                  <a:tcPr anchor="ctr">
                     <a:lnL w="6350" cap="flat" cmpd="sng" algn="ctr">
                       <a:solidFill>
                         <a:schemeClr val="tx1"/>
@@ -6345,7 +6470,7 @@
                       </a:r>
                     </a:p>
                   </a:txBody>
-                  <a:tcPr>
+                  <a:tcPr anchor="ctr">
                     <a:lnL w="6350" cap="flat" cmpd="sng" algn="ctr">
                       <a:solidFill>
                         <a:schemeClr val="tx1"/>
@@ -6421,7 +6546,7 @@
                       </a:r>
                     </a:p>
                   </a:txBody>
-                  <a:tcPr>
+                  <a:tcPr anchor="ctr">
                     <a:lnL w="6350" cap="flat" cmpd="sng" algn="ctr">
                       <a:solidFill>
                         <a:schemeClr val="tx1"/>
@@ -6481,7 +6606,7 @@
                       </a:r>
                     </a:p>
                   </a:txBody>
-                  <a:tcPr>
+                  <a:tcPr anchor="ctr">
                     <a:lnL w="6350" cap="flat" cmpd="sng" algn="ctr">
                       <a:solidFill>
                         <a:schemeClr val="tx1"/>
@@ -6541,7 +6666,7 @@
                       </a:r>
                     </a:p>
                   </a:txBody>
-                  <a:tcPr>
+                  <a:tcPr anchor="ctr">
                     <a:lnL w="6350" cap="flat" cmpd="sng" algn="ctr">
                       <a:solidFill>
                         <a:schemeClr val="tx1"/>
@@ -6601,7 +6726,7 @@
                       </a:r>
                     </a:p>
                   </a:txBody>
-                  <a:tcPr>
+                  <a:tcPr anchor="ctr">
                     <a:lnL w="6350" cap="flat" cmpd="sng" algn="ctr">
                       <a:solidFill>
                         <a:schemeClr val="tx1"/>
@@ -7560,7 +7685,7 @@
                       </a:endParaRPr>
                     </a:p>
                   </a:txBody>
-                  <a:tcPr>
+                  <a:tcPr anchor="ctr">
                     <a:lnL w="6350" cap="flat" cmpd="sng" algn="ctr">
                       <a:solidFill>
                         <a:schemeClr val="tx1"/>
@@ -7677,7 +7802,7 @@
                       </a:r>
                     </a:p>
                   </a:txBody>
-                  <a:tcPr>
+                  <a:tcPr anchor="ctr">
                     <a:lnL w="6350" cap="flat" cmpd="sng" algn="ctr">
                       <a:solidFill>
                         <a:schemeClr val="tx1"/>
@@ -7753,7 +7878,7 @@
                       </a:r>
                     </a:p>
                   </a:txBody>
-                  <a:tcPr>
+                  <a:tcPr anchor="ctr">
                     <a:lnL w="6350" cap="flat" cmpd="sng" algn="ctr">
                       <a:solidFill>
                         <a:schemeClr val="tx1"/>
@@ -7813,7 +7938,7 @@
                       </a:r>
                     </a:p>
                   </a:txBody>
-                  <a:tcPr>
+                  <a:tcPr anchor="ctr">
                     <a:lnL w="6350" cap="flat" cmpd="sng" algn="ctr">
                       <a:solidFill>
                         <a:schemeClr val="tx1"/>
@@ -7873,7 +7998,7 @@
                       </a:r>
                     </a:p>
                   </a:txBody>
-                  <a:tcPr>
+                  <a:tcPr anchor="ctr">
                     <a:lnL w="6350" cap="flat" cmpd="sng" algn="ctr">
                       <a:solidFill>
                         <a:schemeClr val="tx1"/>
@@ -7933,7 +8058,7 @@
                       </a:r>
                     </a:p>
                   </a:txBody>
-                  <a:tcPr>
+                  <a:tcPr anchor="ctr">
                     <a:lnL w="6350" cap="flat" cmpd="sng" algn="ctr">
                       <a:solidFill>
                         <a:schemeClr val="tx1"/>
@@ -8844,7 +8969,7 @@
                       </a:endParaRPr>
                     </a:p>
                   </a:txBody>
-                  <a:tcPr>
+                  <a:tcPr anchor="ctr">
                     <a:lnL w="6350" cap="flat" cmpd="sng" algn="ctr">
                       <a:solidFill>
                         <a:schemeClr val="tx1"/>
@@ -8961,7 +9086,7 @@
                       </a:r>
                     </a:p>
                   </a:txBody>
-                  <a:tcPr>
+                  <a:tcPr anchor="ctr">
                     <a:lnL w="6350" cap="flat" cmpd="sng" algn="ctr">
                       <a:solidFill>
                         <a:schemeClr val="tx1"/>
@@ -9037,7 +9162,7 @@
                       </a:r>
                     </a:p>
                   </a:txBody>
-                  <a:tcPr>
+                  <a:tcPr anchor="ctr">
                     <a:lnL w="6350" cap="flat" cmpd="sng" algn="ctr">
                       <a:solidFill>
                         <a:schemeClr val="tx1"/>
@@ -9097,7 +9222,7 @@
                       </a:r>
                     </a:p>
                   </a:txBody>
-                  <a:tcPr>
+                  <a:tcPr anchor="ctr">
                     <a:lnL w="6350" cap="flat" cmpd="sng" algn="ctr">
                       <a:solidFill>
                         <a:schemeClr val="tx1"/>
@@ -9157,7 +9282,7 @@
                       </a:r>
                     </a:p>
                   </a:txBody>
-                  <a:tcPr>
+                  <a:tcPr anchor="ctr">
                     <a:lnL w="6350" cap="flat" cmpd="sng" algn="ctr">
                       <a:solidFill>
                         <a:schemeClr val="tx1"/>
@@ -9217,7 +9342,7 @@
                       </a:r>
                     </a:p>
                   </a:txBody>
-                  <a:tcPr>
+                  <a:tcPr anchor="ctr">
                     <a:lnL w="6350" cap="flat" cmpd="sng" algn="ctr">
                       <a:solidFill>
                         <a:schemeClr val="tx1"/>
@@ -10135,7 +10260,7 @@
                 <a:rPr lang="en-US" altLang="ko-KR" sz="1400" b="1" dirty="0">
                   <a:latin typeface="Arial Narrow" panose="020B0606020202030204" pitchFamily="34" charset="0"/>
                 </a:rPr>
-                <a:t>Grade + Level</a:t>
+                <a:t>E# Level</a:t>
               </a:r>
               <a:endParaRPr lang="ko-KR" altLang="en-US" sz="1400" b="1" dirty="0">
                 <a:latin typeface="Arial Narrow" panose="020B0606020202030204" pitchFamily="34" charset="0"/>
@@ -10178,7 +10303,7 @@
                 <a:rPr lang="en-US" altLang="ko-KR" sz="1400" b="1" dirty="0">
                   <a:latin typeface="Arial Narrow" panose="020B0606020202030204" pitchFamily="34" charset="0"/>
                 </a:rPr>
-                <a:t>Month + Year</a:t>
+                <a:t>Month Year</a:t>
               </a:r>
               <a:endParaRPr lang="ko-KR" altLang="en-US" sz="1400" b="1" dirty="0">
                 <a:latin typeface="Arial Narrow" panose="020B0606020202030204" pitchFamily="34" charset="0"/>
